--- a/TermProject_20201149_SeongjeWoo.pptx
+++ b/TermProject_20201149_SeongjeWoo.pptx
@@ -11,10 +11,10 @@
   </p:notesMasterIdLst>
   <p:sldIdLst>
     <p:sldId id="256" r:id="rId4"/>
-    <p:sldId id="395" r:id="rId5"/>
+    <p:sldId id="409" r:id="rId5"/>
     <p:sldId id="257" r:id="rId6"/>
     <p:sldId id="405" r:id="rId7"/>
-    <p:sldId id="406" r:id="rId8"/>
+    <p:sldId id="408" r:id="rId8"/>
     <p:sldId id="397" r:id="rId9"/>
     <p:sldId id="407" r:id="rId10"/>
     <p:sldId id="263" r:id="rId11"/>
@@ -614,83 +614,6 @@
             <a:pPr latinLnBrk="1">
               <a:defRPr lang="ko-KR" altLang="en-US"/>
             </a:pPr>
-            <a:r>
-              <a:rPr lang="ko-KR" altLang="en-US" sz="1200" kern="1200" dirty="0">
-                <a:solidFill>
-                  <a:schemeClr val="tx1"/>
-                </a:solidFill>
-                <a:latin typeface="+mn-lt"/>
-                <a:ea typeface="+mn-ea"/>
-                <a:cs typeface="+mn-cs"/>
-              </a:rPr>
-              <a:t>지난 </a:t>
-            </a:r>
-            <a:r>
-              <a:rPr lang="en-US" altLang="ko-KR" sz="1200" kern="1200" dirty="0">
-                <a:solidFill>
-                  <a:schemeClr val="tx1"/>
-                </a:solidFill>
-                <a:latin typeface="+mn-lt"/>
-                <a:ea typeface="+mn-ea"/>
-                <a:cs typeface="+mn-cs"/>
-              </a:rPr>
-              <a:t>7</a:t>
-            </a:r>
-            <a:r>
-              <a:rPr lang="ko-KR" altLang="en-US" sz="1200" kern="1200" dirty="0">
-                <a:solidFill>
-                  <a:schemeClr val="tx1"/>
-                </a:solidFill>
-                <a:latin typeface="+mn-lt"/>
-                <a:ea typeface="+mn-ea"/>
-                <a:cs typeface="+mn-cs"/>
-              </a:rPr>
-              <a:t>번째 </a:t>
-            </a:r>
-            <a:r>
-              <a:rPr lang="en-US" altLang="ko-KR" sz="1200" kern="1200" dirty="0">
-                <a:solidFill>
-                  <a:schemeClr val="tx1"/>
-                </a:solidFill>
-                <a:latin typeface="+mn-lt"/>
-                <a:ea typeface="+mn-ea"/>
-                <a:cs typeface="+mn-cs"/>
-              </a:rPr>
-              <a:t>homework</a:t>
-            </a:r>
-            <a:r>
-              <a:rPr lang="ko-KR" altLang="en-US" sz="1200" kern="1200" dirty="0">
-                <a:solidFill>
-                  <a:schemeClr val="tx1"/>
-                </a:solidFill>
-                <a:latin typeface="+mn-lt"/>
-                <a:ea typeface="+mn-ea"/>
-                <a:cs typeface="+mn-cs"/>
-              </a:rPr>
-              <a:t>에서 </a:t>
-            </a:r>
-            <a:r>
-              <a:rPr lang="en-US" altLang="ko-KR" sz="1200" kern="1200" dirty="0">
-                <a:solidFill>
-                  <a:schemeClr val="tx1"/>
-                </a:solidFill>
-                <a:latin typeface="+mn-lt"/>
-                <a:ea typeface="+mn-ea"/>
-                <a:cs typeface="+mn-cs"/>
-              </a:rPr>
-              <a:t>RNN</a:t>
-            </a:r>
-            <a:r>
-              <a:rPr lang="ko-KR" altLang="en-US" sz="1200" kern="1200" dirty="0">
-                <a:solidFill>
-                  <a:schemeClr val="tx1"/>
-                </a:solidFill>
-                <a:latin typeface="+mn-lt"/>
-                <a:ea typeface="+mn-ea"/>
-                <a:cs typeface="+mn-cs"/>
-              </a:rPr>
-              <a:t>을 활용해 미래의 기상 상황을 예측해 봄</a:t>
-            </a:r>
             <a:endParaRPr lang="en-US" altLang="ko-KR" sz="1200" kern="1200" dirty="0">
               <a:solidFill>
                 <a:schemeClr val="tx1"/>
@@ -699,152 +622,6 @@
               <a:ea typeface="+mn-ea"/>
               <a:cs typeface="+mn-cs"/>
             </a:endParaRPr>
-          </a:p>
-          <a:p>
-            <a:pPr latinLnBrk="1">
-              <a:defRPr lang="ko-KR" altLang="en-US"/>
-            </a:pPr>
-            <a:r>
-              <a:rPr lang="ko-KR" altLang="en-US" sz="1200" kern="1200" dirty="0">
-                <a:solidFill>
-                  <a:schemeClr val="tx1"/>
-                </a:solidFill>
-                <a:latin typeface="+mn-lt"/>
-                <a:ea typeface="+mn-ea"/>
-                <a:cs typeface="+mn-cs"/>
-              </a:rPr>
-              <a:t>이를 태양광 발전량을 예측하는데 응용</a:t>
-            </a:r>
-            <a:endParaRPr lang="en-US" altLang="ko-KR" sz="1200" kern="1200" dirty="0">
-              <a:solidFill>
-                <a:schemeClr val="tx1"/>
-              </a:solidFill>
-              <a:latin typeface="+mn-lt"/>
-              <a:ea typeface="+mn-ea"/>
-              <a:cs typeface="+mn-cs"/>
-            </a:endParaRPr>
-          </a:p>
-          <a:p>
-            <a:pPr latinLnBrk="1">
-              <a:defRPr lang="ko-KR" altLang="en-US"/>
-            </a:pPr>
-            <a:r>
-              <a:rPr lang="ko-KR" altLang="en-US" sz="1200" kern="1200" dirty="0">
-                <a:solidFill>
-                  <a:schemeClr val="tx1"/>
-                </a:solidFill>
-                <a:latin typeface="+mn-lt"/>
-                <a:ea typeface="+mn-ea"/>
-                <a:cs typeface="+mn-cs"/>
-              </a:rPr>
-              <a:t>이전 시간에 잠깐 소개된 </a:t>
-            </a:r>
-            <a:r>
-              <a:rPr lang="en-US" altLang="ko-KR" sz="1200" kern="1200" dirty="0" err="1">
-                <a:solidFill>
-                  <a:schemeClr val="tx1"/>
-                </a:solidFill>
-                <a:latin typeface="+mn-lt"/>
-                <a:ea typeface="+mn-ea"/>
-                <a:cs typeface="+mn-cs"/>
-              </a:rPr>
-              <a:t>hyperas</a:t>
-            </a:r>
-            <a:r>
-              <a:rPr lang="ko-KR" altLang="en-US" sz="1200" kern="1200" dirty="0">
-                <a:solidFill>
-                  <a:schemeClr val="tx1"/>
-                </a:solidFill>
-                <a:latin typeface="+mn-lt"/>
-                <a:ea typeface="+mn-ea"/>
-                <a:cs typeface="+mn-cs"/>
-              </a:rPr>
-              <a:t>를 이용하여 </a:t>
-            </a:r>
-            <a:r>
-              <a:rPr lang="ko-KR" altLang="en-US" sz="1200" kern="1200" dirty="0" err="1">
-                <a:solidFill>
-                  <a:schemeClr val="tx1"/>
-                </a:solidFill>
-                <a:latin typeface="+mn-lt"/>
-                <a:ea typeface="+mn-ea"/>
-                <a:cs typeface="+mn-cs"/>
-              </a:rPr>
-              <a:t>하이퍼파라미터</a:t>
-            </a:r>
-            <a:r>
-              <a:rPr lang="ko-KR" altLang="en-US" sz="1200" kern="1200" dirty="0">
-                <a:solidFill>
-                  <a:schemeClr val="tx1"/>
-                </a:solidFill>
-                <a:latin typeface="+mn-lt"/>
-                <a:ea typeface="+mn-ea"/>
-                <a:cs typeface="+mn-cs"/>
-              </a:rPr>
-              <a:t> 최적화</a:t>
-            </a:r>
-            <a:endParaRPr lang="en-US" altLang="ko-KR" sz="1200" kern="1200" dirty="0">
-              <a:solidFill>
-                <a:schemeClr val="tx1"/>
-              </a:solidFill>
-              <a:latin typeface="+mn-lt"/>
-              <a:ea typeface="+mn-ea"/>
-              <a:cs typeface="+mn-cs"/>
-            </a:endParaRPr>
-          </a:p>
-          <a:p>
-            <a:pPr latinLnBrk="1">
-              <a:defRPr lang="ko-KR" altLang="en-US"/>
-            </a:pPr>
-            <a:r>
-              <a:rPr lang="ko-KR" altLang="en-US" sz="1200" kern="1200" dirty="0">
-                <a:solidFill>
-                  <a:schemeClr val="tx1"/>
-                </a:solidFill>
-                <a:latin typeface="+mn-lt"/>
-                <a:ea typeface="+mn-ea"/>
-                <a:cs typeface="+mn-cs"/>
-              </a:rPr>
-              <a:t>사용하는데 시행착오가 있었음</a:t>
-            </a:r>
-            <a:r>
-              <a:rPr lang="en-US" altLang="ko-KR" sz="1200" kern="1200" dirty="0">
-                <a:solidFill>
-                  <a:schemeClr val="tx1"/>
-                </a:solidFill>
-                <a:latin typeface="+mn-lt"/>
-                <a:ea typeface="+mn-ea"/>
-                <a:cs typeface="+mn-cs"/>
-              </a:rPr>
-              <a:t> </a:t>
-            </a:r>
-          </a:p>
-          <a:p>
-            <a:pPr latinLnBrk="1">
-              <a:defRPr lang="ko-KR" altLang="en-US"/>
-            </a:pPr>
-            <a:r>
-              <a:rPr lang="ko-KR" altLang="en-US" sz="1200" kern="1200" dirty="0">
-                <a:solidFill>
-                  <a:schemeClr val="tx1"/>
-                </a:solidFill>
-                <a:latin typeface="+mn-lt"/>
-                <a:ea typeface="+mn-ea"/>
-                <a:cs typeface="+mn-cs"/>
-              </a:rPr>
-              <a:t>다른 분들은 저와 같은 시행착오를 겪지 않게 하기위해 이를 공유하고자 함</a:t>
-            </a:r>
-            <a:r>
-              <a:rPr lang="en-US" altLang="ko-KR" sz="1200" kern="1200" dirty="0">
-                <a:solidFill>
-                  <a:schemeClr val="tx1"/>
-                </a:solidFill>
-                <a:latin typeface="+mn-lt"/>
-                <a:ea typeface="+mn-ea"/>
-                <a:cs typeface="+mn-cs"/>
-              </a:rPr>
-              <a:t> </a:t>
-            </a:r>
           </a:p>
         </p:txBody>
       </p:sp>
@@ -880,7 +657,7 @@
     </p:spTree>
     <p:extLst>
       <p:ext uri="{BB962C8B-B14F-4D97-AF65-F5344CB8AC3E}">
-        <p14:creationId xmlns:p14="http://schemas.microsoft.com/office/powerpoint/2010/main" val="2822925839"/>
+        <p14:creationId xmlns:p14="http://schemas.microsoft.com/office/powerpoint/2010/main" val="4084281878"/>
       </p:ext>
     </p:extLst>
   </p:cSld>
@@ -950,142 +727,6 @@
           <a:bodyPr/>
           <a:lstStyle/>
           <a:p>
-            <a:r>
-              <a:rPr lang="ko-KR" altLang="en-US" sz="2000" b="0" strike="noStrike" spc="-1" dirty="0">
-                <a:latin typeface="Noto Sans CJK JP"/>
-              </a:rPr>
-              <a:t>태양광 발전량 데이터는 매 시간 단위로 발전량이 기록</a:t>
-            </a:r>
-            <a:endParaRPr lang="en-US" altLang="ko-KR" sz="2000" b="0" strike="noStrike" spc="-1" dirty="0">
-              <a:latin typeface="Noto Sans CJK JP"/>
-            </a:endParaRPr>
-          </a:p>
-          <a:p>
-            <a:r>
-              <a:rPr lang="ko-KR" altLang="en-US" sz="2000" b="0" strike="noStrike" spc="-1" dirty="0">
-                <a:latin typeface="Noto Sans CJK JP"/>
-              </a:rPr>
-              <a:t>날씨나 대기</a:t>
-            </a:r>
-            <a:r>
-              <a:rPr lang="en-US" altLang="ko-KR" sz="2000" b="0" strike="noStrike" spc="-1" dirty="0">
-                <a:latin typeface="Noto Sans CJK JP"/>
-              </a:rPr>
-              <a:t>, </a:t>
-            </a:r>
-            <a:r>
-              <a:rPr lang="ko-KR" altLang="en-US" sz="2000" b="0" strike="noStrike" spc="-1" dirty="0">
-                <a:latin typeface="Noto Sans CJK JP"/>
-              </a:rPr>
-              <a:t>패널 등의 설비 상태의 영향을 많이 받음</a:t>
-            </a:r>
-            <a:endParaRPr lang="en-US" sz="2000" b="0" strike="noStrike" spc="-1" dirty="0">
-              <a:latin typeface="Noto Sans CJK JP"/>
-            </a:endParaRPr>
-          </a:p>
-          <a:p>
-            <a:r>
-              <a:rPr lang="en-US" sz="2000" b="0" strike="noStrike" spc="-1" dirty="0">
-                <a:latin typeface="Noto Sans CJK JP"/>
-              </a:rPr>
-              <a:t>20</a:t>
-            </a:r>
-            <a:r>
-              <a:rPr lang="ko-KR" altLang="en-US" sz="2000" b="0" strike="noStrike" spc="-1" dirty="0">
-                <a:latin typeface="Noto Sans CJK JP"/>
-              </a:rPr>
-              <a:t>일간 발전량 </a:t>
-            </a:r>
-            <a:r>
-              <a:rPr lang="en-US" altLang="ko-KR" sz="2000" b="0" strike="noStrike" spc="-1" dirty="0">
-                <a:latin typeface="Noto Sans CJK JP"/>
-              </a:rPr>
-              <a:t>=&gt; </a:t>
-            </a:r>
-            <a:r>
-              <a:rPr lang="ko-KR" altLang="en-US" sz="2000" b="0" strike="noStrike" spc="-1" dirty="0">
-                <a:latin typeface="Noto Sans CJK JP"/>
-              </a:rPr>
-              <a:t>태양광으로 발전을 하기 때문에 일사량이 중요한 역할</a:t>
-            </a:r>
-            <a:endParaRPr lang="en-US" altLang="ko-KR" sz="2000" b="0" strike="noStrike" spc="-1" dirty="0">
-              <a:latin typeface="Noto Sans CJK JP"/>
-            </a:endParaRPr>
-          </a:p>
-          <a:p>
-            <a:r>
-              <a:rPr lang="ko-KR" altLang="en-US" sz="2000" b="0" strike="noStrike" spc="-1" dirty="0">
-                <a:latin typeface="Noto Sans CJK JP"/>
-              </a:rPr>
-              <a:t>이런 식의 공공기관을 통해 발생되는 데이터들은 거의 오픈 되어 있어서</a:t>
-            </a:r>
-            <a:endParaRPr lang="en-US" altLang="ko-KR" sz="2000" b="0" strike="noStrike" spc="-1" dirty="0">
-              <a:latin typeface="Noto Sans CJK JP"/>
-            </a:endParaRPr>
-          </a:p>
-          <a:p>
-            <a:r>
-              <a:rPr lang="ko-KR" altLang="en-US" sz="2000" b="0" strike="noStrike" spc="-1" dirty="0">
-                <a:latin typeface="Noto Sans CJK JP"/>
-              </a:rPr>
-              <a:t>자유롭게 사용가능</a:t>
-            </a:r>
-            <a:r>
-              <a:rPr lang="en-US" altLang="ko-KR" sz="2000" b="0" strike="noStrike" spc="-1" dirty="0">
-                <a:latin typeface="Noto Sans CJK JP"/>
-              </a:rPr>
-              <a:t>(</a:t>
-            </a:r>
-            <a:r>
-              <a:rPr lang="ko-KR" altLang="en-US" sz="2000" b="0" strike="noStrike" spc="-1" dirty="0">
-                <a:latin typeface="Noto Sans CJK JP"/>
-              </a:rPr>
-              <a:t>공공데이터 포털</a:t>
-            </a:r>
-            <a:r>
-              <a:rPr lang="en-US" altLang="ko-KR" sz="2000" b="0" strike="noStrike" spc="-1" dirty="0">
-                <a:latin typeface="Noto Sans CJK JP"/>
-              </a:rPr>
-              <a:t>(</a:t>
-            </a:r>
-            <a:r>
-              <a:rPr lang="ko-KR" altLang="en-US" sz="2000" b="0" strike="noStrike" spc="-1" dirty="0">
-                <a:latin typeface="Noto Sans CJK JP"/>
-              </a:rPr>
-              <a:t>한국농어촌 공사 영암 태양광 발전 자료</a:t>
-            </a:r>
-            <a:r>
-              <a:rPr lang="en-US" altLang="ko-KR" sz="2000" b="0" strike="noStrike" spc="-1" dirty="0">
-                <a:latin typeface="Noto Sans CJK JP"/>
-              </a:rPr>
-              <a:t>), </a:t>
-            </a:r>
-            <a:r>
-              <a:rPr lang="ko-KR" altLang="en-US" sz="2000" b="0" strike="noStrike" spc="-1" dirty="0">
-                <a:latin typeface="Noto Sans CJK JP"/>
-              </a:rPr>
-              <a:t>기상자료 개방 포털</a:t>
-            </a:r>
-            <a:r>
-              <a:rPr lang="en-US" altLang="ko-KR" sz="2000" b="0" strike="noStrike" spc="-1" dirty="0">
-                <a:latin typeface="Noto Sans CJK JP"/>
-              </a:rPr>
-              <a:t>(</a:t>
-            </a:r>
-            <a:r>
-              <a:rPr lang="ko-KR" altLang="en-US" sz="2000" b="0" strike="noStrike" spc="-1" dirty="0">
-                <a:latin typeface="Noto Sans CJK JP"/>
-              </a:rPr>
-              <a:t>영암지역 지상 관측 자료</a:t>
-            </a:r>
-            <a:r>
-              <a:rPr lang="en-US" altLang="ko-KR" sz="2000" b="0" strike="noStrike" spc="-1" dirty="0">
-                <a:latin typeface="Noto Sans CJK JP"/>
-              </a:rPr>
-              <a:t>))</a:t>
-            </a:r>
-          </a:p>
-          <a:p>
             <a:endParaRPr lang="en-US" sz="2000" b="0" strike="noStrike" spc="-1" dirty="0">
               <a:latin typeface="Noto Sans CJK JP"/>
             </a:endParaRPr>
@@ -1203,223 +844,6 @@
         <p:txBody>
           <a:bodyPr/>
           <a:lstStyle/>
-          <a:p>
-            <a:r>
-              <a:rPr lang="ko-KR" altLang="en-US" sz="2000" b="0" strike="noStrike" spc="-1" dirty="0">
-                <a:latin typeface="Noto Sans CJK JP"/>
-              </a:rPr>
-              <a:t>간단하게 실험하기 위해 기본적인 기상 측정치만을 이용</a:t>
-            </a:r>
-            <a:r>
-              <a:rPr lang="en-US" altLang="ko-KR" sz="2000" b="0" strike="noStrike" spc="-1" dirty="0">
-                <a:latin typeface="Noto Sans CJK JP"/>
-              </a:rPr>
-              <a:t>, </a:t>
-            </a:r>
-            <a:r>
-              <a:rPr lang="ko-KR" altLang="en-US" sz="2000" b="0" strike="noStrike" spc="-1" dirty="0">
-                <a:latin typeface="Noto Sans CJK JP"/>
-              </a:rPr>
-              <a:t>최근에는 황사나 미세먼지</a:t>
-            </a:r>
-            <a:r>
-              <a:rPr lang="en-US" altLang="ko-KR" sz="2000" b="0" strike="noStrike" spc="-1" dirty="0">
-                <a:latin typeface="Noto Sans CJK JP"/>
-              </a:rPr>
-              <a:t>, </a:t>
-            </a:r>
-            <a:r>
-              <a:rPr lang="ko-KR" altLang="en-US" sz="2000" b="0" strike="noStrike" spc="-1" dirty="0">
-                <a:latin typeface="Noto Sans CJK JP"/>
-              </a:rPr>
-              <a:t>패널의 위치와 태양과의 각도 관계 등을 이용한 예측 연구 등이 활발</a:t>
-            </a:r>
-            <a:endParaRPr lang="en-US" altLang="ko-KR" sz="2000" b="0" strike="noStrike" spc="-1" dirty="0">
-              <a:latin typeface="Noto Sans CJK JP"/>
-            </a:endParaRPr>
-          </a:p>
-          <a:p>
-            <a:r>
-              <a:rPr lang="ko-KR" altLang="en-US" sz="2000" b="0" strike="noStrike" spc="-1" dirty="0">
-                <a:latin typeface="Noto Sans CJK JP"/>
-              </a:rPr>
-              <a:t>기상 관측 데이터나 태양광 발전량 데이터 같은 오픈 된 데이터들은 </a:t>
-            </a:r>
-            <a:r>
-              <a:rPr lang="ko-KR" altLang="en-US" sz="2000" b="0" strike="noStrike" spc="-1" dirty="0" err="1">
-                <a:latin typeface="Noto Sans CJK JP"/>
-              </a:rPr>
-              <a:t>결측치가</a:t>
-            </a:r>
-            <a:r>
-              <a:rPr lang="ko-KR" altLang="en-US" sz="2000" b="0" strike="noStrike" spc="-1" dirty="0">
-                <a:latin typeface="Noto Sans CJK JP"/>
-              </a:rPr>
-              <a:t> 존재하여 </a:t>
-            </a:r>
-            <a:r>
-              <a:rPr lang="ko-KR" altLang="en-US" sz="2000" b="0" strike="noStrike" spc="-1" dirty="0" err="1">
-                <a:latin typeface="Noto Sans CJK JP"/>
-              </a:rPr>
-              <a:t>보간이</a:t>
-            </a:r>
-            <a:r>
-              <a:rPr lang="ko-KR" altLang="en-US" sz="2000" b="0" strike="noStrike" spc="-1" dirty="0">
-                <a:latin typeface="Noto Sans CJK JP"/>
-              </a:rPr>
-              <a:t> 필요</a:t>
-            </a:r>
-            <a:endParaRPr lang="en-US" altLang="ko-KR" sz="2000" b="0" strike="noStrike" spc="-1" dirty="0">
-              <a:latin typeface="Noto Sans CJK JP"/>
-            </a:endParaRPr>
-          </a:p>
-          <a:p>
-            <a:r>
-              <a:rPr lang="ko-KR" altLang="en-US" sz="2000" b="0" strike="noStrike" spc="-1" dirty="0">
-                <a:latin typeface="Noto Sans CJK JP"/>
-              </a:rPr>
-              <a:t>데이터 컬럼에 따라 관측 값이 없어서 기록되지 않은 것과 기기의 결함이나 기타 사유로 인해 기록되지 않은 것으로 구분할 수 있음</a:t>
-            </a:r>
-            <a:endParaRPr lang="en-US" altLang="ko-KR" sz="2000" b="0" strike="noStrike" spc="-1" dirty="0">
-              <a:latin typeface="Noto Sans CJK JP"/>
-            </a:endParaRPr>
-          </a:p>
-          <a:p>
-            <a:r>
-              <a:rPr lang="ko-KR" altLang="en-US" sz="2000" b="0" strike="noStrike" spc="-1" dirty="0">
-                <a:latin typeface="Noto Sans CJK JP"/>
-              </a:rPr>
-              <a:t>시간대별 관측치이기 때문에 전후 데이터와의 차이가 크지 </a:t>
-            </a:r>
-            <a:r>
-              <a:rPr lang="ko-KR" altLang="en-US" sz="2000" b="0" strike="noStrike" spc="-1" dirty="0" err="1">
-                <a:latin typeface="Noto Sans CJK JP"/>
-              </a:rPr>
-              <a:t>않을것이므로</a:t>
-            </a:r>
-            <a:r>
-              <a:rPr lang="ko-KR" altLang="en-US" sz="2000" b="0" strike="noStrike" spc="-1" dirty="0">
-                <a:latin typeface="Noto Sans CJK JP"/>
-              </a:rPr>
-              <a:t> </a:t>
-            </a:r>
-            <a:r>
-              <a:rPr lang="ko-KR" altLang="en-US" sz="2000" b="0" strike="noStrike" spc="-1" dirty="0" err="1">
-                <a:latin typeface="Noto Sans CJK JP"/>
-              </a:rPr>
-              <a:t>판다스의</a:t>
-            </a:r>
-            <a:r>
-              <a:rPr lang="ko-KR" altLang="en-US" sz="2000" b="0" strike="noStrike" spc="-1" dirty="0">
-                <a:latin typeface="Noto Sans CJK JP"/>
-              </a:rPr>
-              <a:t> </a:t>
-            </a:r>
-            <a:r>
-              <a:rPr lang="ko-KR" altLang="en-US" sz="2000" b="0" strike="noStrike" spc="-1" dirty="0" err="1">
-                <a:latin typeface="Noto Sans CJK JP"/>
-              </a:rPr>
-              <a:t>선형보간법으로</a:t>
-            </a:r>
-            <a:r>
-              <a:rPr lang="ko-KR" altLang="en-US" sz="2000" b="0" strike="noStrike" spc="-1" dirty="0">
-                <a:latin typeface="Noto Sans CJK JP"/>
-              </a:rPr>
-              <a:t> </a:t>
-            </a:r>
-            <a:r>
-              <a:rPr lang="ko-KR" altLang="en-US" sz="2000" b="0" strike="noStrike" spc="-1" dirty="0" err="1">
-                <a:latin typeface="Noto Sans CJK JP"/>
-              </a:rPr>
-              <a:t>결측치를</a:t>
-            </a:r>
-            <a:r>
-              <a:rPr lang="ko-KR" altLang="en-US" sz="2000" b="0" strike="noStrike" spc="-1" dirty="0">
-                <a:latin typeface="Noto Sans CJK JP"/>
-              </a:rPr>
-              <a:t> </a:t>
-            </a:r>
-            <a:r>
-              <a:rPr lang="ko-KR" altLang="en-US" sz="2000" b="0" strike="noStrike" spc="-1" dirty="0" err="1">
-                <a:latin typeface="Noto Sans CJK JP"/>
-              </a:rPr>
-              <a:t>보간함</a:t>
-            </a:r>
-            <a:endParaRPr lang="en-US" altLang="ko-KR" sz="2000" b="0" strike="noStrike" spc="-1" dirty="0">
-              <a:latin typeface="Noto Sans CJK JP"/>
-            </a:endParaRPr>
-          </a:p>
-          <a:p>
-            <a:r>
-              <a:rPr lang="ko-KR" altLang="en-US" sz="2000" b="0" strike="noStrike" spc="-1" dirty="0">
-                <a:latin typeface="Noto Sans CJK JP"/>
-              </a:rPr>
-              <a:t>태양광 발전은 밤에는 발전량이 </a:t>
-            </a:r>
-            <a:r>
-              <a:rPr lang="en-US" altLang="ko-KR" sz="2000" b="0" strike="noStrike" spc="-1" dirty="0">
-                <a:latin typeface="Noto Sans CJK JP"/>
-              </a:rPr>
-              <a:t>0</a:t>
-            </a:r>
-            <a:r>
-              <a:rPr lang="ko-KR" altLang="en-US" sz="2000" b="0" strike="noStrike" spc="-1" dirty="0">
-                <a:latin typeface="Noto Sans CJK JP"/>
-              </a:rPr>
-              <a:t> </a:t>
-            </a:r>
-            <a:r>
-              <a:rPr lang="en-US" altLang="ko-KR" sz="2000" b="0" strike="noStrike" spc="-1" dirty="0">
-                <a:latin typeface="Noto Sans CJK JP"/>
-              </a:rPr>
-              <a:t>=&gt;</a:t>
-            </a:r>
-            <a:r>
-              <a:rPr lang="ko-KR" altLang="en-US" sz="2000" b="0" strike="noStrike" spc="-1" dirty="0">
-                <a:latin typeface="Noto Sans CJK JP"/>
-              </a:rPr>
-              <a:t> 이런 값들은 예측 정확도에 영향을 </a:t>
-            </a:r>
-            <a:r>
-              <a:rPr lang="ko-KR" altLang="en-US" sz="2000" b="0" strike="noStrike" spc="-1" dirty="0" err="1">
-                <a:latin typeface="Noto Sans CJK JP"/>
-              </a:rPr>
-              <a:t>줄수</a:t>
-            </a:r>
-            <a:r>
-              <a:rPr lang="ko-KR" altLang="en-US" sz="2000" b="0" strike="noStrike" spc="-1" dirty="0">
-                <a:latin typeface="Noto Sans CJK JP"/>
-              </a:rPr>
-              <a:t> 있기 때문에 일괄적으로 저녁 </a:t>
-            </a:r>
-            <a:r>
-              <a:rPr lang="en-US" altLang="ko-KR" sz="2000" b="0" strike="noStrike" spc="-1" dirty="0">
-                <a:latin typeface="Noto Sans CJK JP"/>
-              </a:rPr>
-              <a:t>8</a:t>
-            </a:r>
-            <a:r>
-              <a:rPr lang="ko-KR" altLang="en-US" sz="2000" b="0" strike="noStrike" spc="-1" dirty="0">
-                <a:latin typeface="Noto Sans CJK JP"/>
-              </a:rPr>
-              <a:t>시부터 아침 </a:t>
-            </a:r>
-            <a:r>
-              <a:rPr lang="en-US" altLang="ko-KR" sz="2000" b="0" strike="noStrike" spc="-1" dirty="0">
-                <a:latin typeface="Noto Sans CJK JP"/>
-              </a:rPr>
-              <a:t>6</a:t>
-            </a:r>
-            <a:r>
-              <a:rPr lang="ko-KR" altLang="en-US" sz="2000" b="0" strike="noStrike" spc="-1" dirty="0">
-                <a:latin typeface="Noto Sans CJK JP"/>
-              </a:rPr>
-              <a:t>시까지 제거</a:t>
-            </a:r>
-            <a:endParaRPr lang="en-US" altLang="ko-KR" sz="2000" b="0" strike="noStrike" spc="-1" dirty="0">
-              <a:latin typeface="Noto Sans CJK JP"/>
-            </a:endParaRPr>
-          </a:p>
           <a:p>
             <a:r>
               <a:rPr lang="ko-KR" altLang="en-US" sz="2000" b="0" strike="noStrike" spc="-1" dirty="0">
@@ -1554,120 +978,9 @@
               <a:rPr lang="ko-KR" altLang="en-US" sz="2000" b="0" strike="noStrike" spc="-1" dirty="0">
                 <a:latin typeface="Noto Sans CJK JP"/>
               </a:rPr>
-              <a:t>일반적인 </a:t>
+              <a:t> </a:t>
             </a:r>
-            <a:r>
-              <a:rPr lang="en-US" altLang="ko-KR" sz="2000" b="0" strike="noStrike" spc="-1" dirty="0">
-                <a:latin typeface="Noto Sans CJK JP"/>
-              </a:rPr>
-              <a:t>Dense </a:t>
-            </a:r>
-            <a:r>
-              <a:rPr lang="ko-KR" altLang="en-US" sz="2000" b="0" strike="noStrike" spc="-1" dirty="0">
-                <a:latin typeface="Noto Sans CJK JP"/>
-              </a:rPr>
-              <a:t>레이어부터 </a:t>
-            </a:r>
-            <a:r>
-              <a:rPr lang="en-US" altLang="ko-KR" sz="2000" b="0" strike="noStrike" spc="-1" dirty="0">
-                <a:latin typeface="Noto Sans CJK JP"/>
-              </a:rPr>
-              <a:t>LSTM, GRU, </a:t>
-            </a:r>
-            <a:r>
-              <a:rPr lang="ko-KR" altLang="en-US" sz="2000" b="0" strike="noStrike" spc="-1" dirty="0">
-                <a:latin typeface="Noto Sans CJK JP"/>
-              </a:rPr>
-              <a:t>양방향 모델 </a:t>
-            </a:r>
-            <a:endParaRPr lang="en-US" altLang="ko-KR" sz="2000" b="0" strike="noStrike" spc="-1" dirty="0">
-              <a:latin typeface="Noto Sans CJK JP"/>
-            </a:endParaRPr>
-          </a:p>
-          <a:p>
-            <a:r>
-              <a:rPr lang="ko-KR" altLang="en-US" sz="2000" b="0" strike="noStrike" spc="-1" dirty="0">
-                <a:latin typeface="Noto Sans CJK JP"/>
-              </a:rPr>
-              <a:t>근소하지만 </a:t>
-            </a:r>
-            <a:r>
-              <a:rPr lang="en-US" altLang="ko-KR" sz="2000" b="0" strike="noStrike" spc="-1" dirty="0">
-                <a:latin typeface="Noto Sans CJK JP"/>
-              </a:rPr>
-              <a:t>GRU </a:t>
-            </a:r>
-            <a:r>
-              <a:rPr lang="ko-KR" altLang="en-US" sz="2000" b="0" strike="noStrike" spc="-1" dirty="0">
-                <a:latin typeface="Noto Sans CJK JP"/>
-              </a:rPr>
-              <a:t>성능이 가장 높게 나옴</a:t>
-            </a:r>
-            <a:endParaRPr lang="en-US" altLang="ko-KR" sz="2000" b="0" strike="noStrike" spc="-1" dirty="0">
-              <a:latin typeface="Noto Sans CJK JP"/>
-            </a:endParaRPr>
-          </a:p>
-          <a:p>
-            <a:r>
-              <a:rPr lang="ko-KR" altLang="en-US" sz="2000" b="0" strike="noStrike" spc="-1" dirty="0">
-                <a:latin typeface="Noto Sans CJK JP"/>
-              </a:rPr>
-              <a:t>다른 모델들은 일정 </a:t>
-            </a:r>
-            <a:r>
-              <a:rPr lang="ko-KR" altLang="en-US" sz="2000" b="0" strike="noStrike" spc="-1" dirty="0" err="1">
-                <a:latin typeface="Noto Sans CJK JP"/>
-              </a:rPr>
-              <a:t>에폭</a:t>
-            </a:r>
-            <a:r>
-              <a:rPr lang="ko-KR" altLang="en-US" sz="2000" b="0" strike="noStrike" spc="-1" dirty="0">
-                <a:latin typeface="Noto Sans CJK JP"/>
-              </a:rPr>
-              <a:t> 이후에는 </a:t>
-            </a:r>
-            <a:r>
-              <a:rPr lang="en-US" altLang="ko-KR" sz="2000" b="0" strike="noStrike" spc="-1" dirty="0">
-                <a:latin typeface="Noto Sans CJK JP"/>
-              </a:rPr>
-              <a:t>validation loss</a:t>
-            </a:r>
-            <a:r>
-              <a:rPr lang="ko-KR" altLang="en-US" sz="2000" b="0" strike="noStrike" spc="-1" dirty="0">
-                <a:latin typeface="Noto Sans CJK JP"/>
-              </a:rPr>
-              <a:t>가 떨어지지 않았는데</a:t>
-            </a:r>
-            <a:endParaRPr lang="en-US" altLang="ko-KR" sz="2000" b="0" strike="noStrike" spc="-1" dirty="0">
-              <a:latin typeface="Noto Sans CJK JP"/>
-            </a:endParaRPr>
-          </a:p>
-          <a:p>
-            <a:r>
-              <a:rPr lang="en-US" altLang="ko-KR" sz="2000" b="0" strike="noStrike" spc="-1" dirty="0">
-                <a:latin typeface="Noto Sans CJK JP"/>
-              </a:rPr>
-              <a:t>GRU</a:t>
-            </a:r>
-            <a:r>
-              <a:rPr lang="ko-KR" altLang="en-US" sz="2000" b="0" strike="noStrike" spc="-1" dirty="0">
-                <a:latin typeface="Noto Sans CJK JP"/>
-              </a:rPr>
-              <a:t>의 경우에는 </a:t>
-            </a:r>
-            <a:r>
-              <a:rPr lang="en-US" altLang="ko-KR" sz="2000" b="0" strike="noStrike" spc="-1" dirty="0">
-                <a:latin typeface="Noto Sans CJK JP"/>
-              </a:rPr>
-              <a:t>epoch</a:t>
-            </a:r>
-            <a:r>
-              <a:rPr lang="ko-KR" altLang="en-US" sz="2000" b="0" strike="noStrike" spc="-1" dirty="0">
-                <a:latin typeface="Noto Sans CJK JP"/>
-              </a:rPr>
-              <a:t>을 늘리면 더 좋아질 수 있을 것 같았음</a:t>
-            </a:r>
-            <a:endParaRPr lang="en-US" altLang="ko-KR" sz="2000" b="0" strike="noStrike" spc="-1" dirty="0">
+            <a:endParaRPr lang="en-US" sz="2000" b="0" strike="noStrike" spc="-1" dirty="0">
               <a:latin typeface="Noto Sans CJK JP"/>
             </a:endParaRPr>
           </a:p>
@@ -1720,7 +1033,7 @@
     </p:spTree>
     <p:extLst>
       <p:ext uri="{BB962C8B-B14F-4D97-AF65-F5344CB8AC3E}">
-        <p14:creationId xmlns:p14="http://schemas.microsoft.com/office/powerpoint/2010/main" val="3470613758"/>
+        <p14:creationId xmlns:p14="http://schemas.microsoft.com/office/powerpoint/2010/main" val="4281921425"/>
       </p:ext>
     </p:extLst>
   </p:cSld>
@@ -1790,394 +1103,6 @@
           <a:bodyPr/>
           <a:lstStyle/>
           <a:p>
-            <a:r>
-              <a:rPr lang="ko-KR" altLang="en-US" sz="3200" b="0" i="0" dirty="0" err="1">
-                <a:solidFill>
-                  <a:srgbClr val="000000"/>
-                </a:solidFill>
-                <a:effectLst/>
-                <a:latin typeface="Helvetica Neue"/>
-              </a:rPr>
-              <a:t>하이퍼파라미터</a:t>
-            </a:r>
-            <a:r>
-              <a:rPr lang="ko-KR" altLang="en-US" sz="3200" b="0" i="0" dirty="0">
-                <a:solidFill>
-                  <a:srgbClr val="000000"/>
-                </a:solidFill>
-                <a:effectLst/>
-                <a:latin typeface="Helvetica Neue"/>
-              </a:rPr>
-              <a:t> 최적화를 위해 </a:t>
-            </a:r>
-            <a:r>
-              <a:rPr lang="en-US" altLang="ko-KR" sz="3200" b="0" i="0" dirty="0" err="1">
-                <a:solidFill>
-                  <a:srgbClr val="000000"/>
-                </a:solidFill>
-                <a:effectLst/>
-                <a:latin typeface="Helvetica Neue"/>
-              </a:rPr>
-              <a:t>hyperas</a:t>
-            </a:r>
-            <a:r>
-              <a:rPr lang="ko-KR" altLang="en-US" sz="3200" b="0" i="0" dirty="0">
-                <a:solidFill>
-                  <a:srgbClr val="000000"/>
-                </a:solidFill>
-                <a:effectLst/>
-                <a:latin typeface="Helvetica Neue"/>
-              </a:rPr>
-              <a:t>를 사용</a:t>
-            </a:r>
-            <a:endParaRPr lang="en-US" altLang="ko-KR" sz="3200" b="0" i="0" dirty="0">
-              <a:solidFill>
-                <a:srgbClr val="000000"/>
-              </a:solidFill>
-              <a:effectLst/>
-              <a:latin typeface="Helvetica Neue"/>
-            </a:endParaRPr>
-          </a:p>
-          <a:p>
-            <a:r>
-              <a:rPr lang="ko-KR" altLang="en-US" sz="3200" b="0" i="0" dirty="0">
-                <a:solidFill>
-                  <a:srgbClr val="000000"/>
-                </a:solidFill>
-                <a:effectLst/>
-                <a:latin typeface="Helvetica Neue"/>
-              </a:rPr>
-              <a:t>아래와 같이 각 층의 </a:t>
-            </a:r>
-            <a:r>
-              <a:rPr lang="ko-KR" altLang="en-US" sz="3200" b="0" i="0" dirty="0" err="1">
-                <a:solidFill>
-                  <a:srgbClr val="000000"/>
-                </a:solidFill>
-                <a:effectLst/>
-                <a:latin typeface="Helvetica Neue"/>
-              </a:rPr>
-              <a:t>유닛수와</a:t>
-            </a:r>
-            <a:r>
-              <a:rPr lang="ko-KR" altLang="en-US" sz="3200" b="0" i="0" dirty="0">
-                <a:solidFill>
-                  <a:srgbClr val="000000"/>
-                </a:solidFill>
-                <a:effectLst/>
-                <a:latin typeface="Helvetica Neue"/>
-              </a:rPr>
-              <a:t> 활성화 함수</a:t>
-            </a:r>
-            <a:r>
-              <a:rPr lang="en-US" altLang="ko-KR" sz="3200" b="0" i="0" dirty="0">
-                <a:solidFill>
-                  <a:srgbClr val="000000"/>
-                </a:solidFill>
-                <a:effectLst/>
-                <a:latin typeface="Helvetica Neue"/>
-              </a:rPr>
-              <a:t>, </a:t>
-            </a:r>
-            <a:r>
-              <a:rPr lang="ko-KR" altLang="en-US" sz="3200" b="0" i="0" dirty="0" err="1">
-                <a:solidFill>
-                  <a:srgbClr val="000000"/>
-                </a:solidFill>
-                <a:effectLst/>
-                <a:latin typeface="Helvetica Neue"/>
-              </a:rPr>
-              <a:t>옵티마이저를</a:t>
-            </a:r>
-            <a:r>
-              <a:rPr lang="ko-KR" altLang="en-US" sz="3200" b="0" i="0" dirty="0">
-                <a:solidFill>
-                  <a:srgbClr val="000000"/>
-                </a:solidFill>
-                <a:effectLst/>
-                <a:latin typeface="Helvetica Neue"/>
-              </a:rPr>
-              <a:t> 선택하게 하고</a:t>
-            </a:r>
-            <a:r>
-              <a:rPr lang="en-US" altLang="ko-KR" sz="3200" b="0" i="0" dirty="0">
-                <a:solidFill>
-                  <a:srgbClr val="000000"/>
-                </a:solidFill>
-                <a:effectLst/>
-                <a:latin typeface="Helvetica Neue"/>
-              </a:rPr>
-              <a:t>, </a:t>
-            </a:r>
-            <a:r>
-              <a:rPr lang="ko-KR" altLang="en-US" sz="3200" b="0" i="0" dirty="0">
-                <a:solidFill>
-                  <a:srgbClr val="000000"/>
-                </a:solidFill>
-                <a:effectLst/>
-                <a:latin typeface="Helvetica Neue"/>
-              </a:rPr>
-              <a:t>최적의 </a:t>
-            </a:r>
-            <a:r>
-              <a:rPr lang="en-US" altLang="ko-KR" sz="3200" b="0" i="0" dirty="0" err="1">
-                <a:solidFill>
-                  <a:srgbClr val="000000"/>
-                </a:solidFill>
-                <a:effectLst/>
-                <a:latin typeface="Helvetica Neue"/>
-              </a:rPr>
-              <a:t>dropou</a:t>
-            </a:r>
-            <a:r>
-              <a:rPr lang="ko-KR" altLang="en-US" sz="3200" b="0" i="0" dirty="0">
-                <a:solidFill>
-                  <a:srgbClr val="000000"/>
-                </a:solidFill>
-                <a:effectLst/>
-                <a:latin typeface="Helvetica Neue"/>
-              </a:rPr>
-              <a:t>율을 </a:t>
-            </a:r>
-            <a:r>
-              <a:rPr lang="ko-KR" altLang="en-US" sz="3200" b="0" i="0" dirty="0" err="1">
-                <a:solidFill>
-                  <a:srgbClr val="000000"/>
-                </a:solidFill>
-                <a:effectLst/>
-                <a:latin typeface="Helvetica Neue"/>
-              </a:rPr>
-              <a:t>찾을수</a:t>
-            </a:r>
-            <a:r>
-              <a:rPr lang="ko-KR" altLang="en-US" sz="3200" b="0" i="0" dirty="0">
-                <a:solidFill>
-                  <a:srgbClr val="000000"/>
-                </a:solidFill>
-                <a:effectLst/>
-                <a:latin typeface="Helvetica Neue"/>
-              </a:rPr>
-              <a:t> 있게 지정</a:t>
-            </a:r>
-            <a:endParaRPr lang="en-US" altLang="ko-KR" sz="3200" b="0" i="0" dirty="0">
-              <a:solidFill>
-                <a:srgbClr val="000000"/>
-              </a:solidFill>
-              <a:effectLst/>
-              <a:latin typeface="Helvetica Neue"/>
-            </a:endParaRPr>
-          </a:p>
-          <a:p>
-            <a:r>
-              <a:rPr lang="en-US" altLang="ko-KR" sz="3200" b="0" i="0" dirty="0">
-                <a:solidFill>
-                  <a:srgbClr val="000000"/>
-                </a:solidFill>
-                <a:effectLst/>
-                <a:latin typeface="Helvetica Neue"/>
-              </a:rPr>
-              <a:t>Val loss 0.40 </a:t>
-            </a:r>
-            <a:r>
-              <a:rPr lang="ko-KR" altLang="en-US" sz="3200" b="0" i="0" dirty="0">
-                <a:solidFill>
-                  <a:srgbClr val="000000"/>
-                </a:solidFill>
-                <a:effectLst/>
-                <a:latin typeface="Helvetica Neue"/>
-              </a:rPr>
-              <a:t>으로 개선</a:t>
-            </a:r>
-            <a:r>
-              <a:rPr lang="en-US" altLang="ko-KR" sz="3200" b="0" i="0" dirty="0">
-                <a:solidFill>
-                  <a:srgbClr val="000000"/>
-                </a:solidFill>
-                <a:effectLst/>
-                <a:latin typeface="Helvetica Neue"/>
-              </a:rPr>
-              <a:t>, activation</a:t>
-            </a:r>
-            <a:r>
-              <a:rPr lang="ko-KR" altLang="en-US" sz="3200" b="0" i="0" dirty="0">
-                <a:solidFill>
-                  <a:srgbClr val="000000"/>
-                </a:solidFill>
-                <a:effectLst/>
-                <a:latin typeface="Helvetica Neue"/>
-              </a:rPr>
-              <a:t>은 </a:t>
-            </a:r>
-            <a:r>
-              <a:rPr lang="en-US" altLang="ko-KR" sz="3200" b="0" i="0" dirty="0" err="1">
-                <a:solidFill>
-                  <a:srgbClr val="000000"/>
-                </a:solidFill>
-                <a:effectLst/>
-                <a:latin typeface="Helvetica Neue"/>
-              </a:rPr>
-              <a:t>relu</a:t>
-            </a:r>
-            <a:r>
-              <a:rPr lang="en-US" altLang="ko-KR" sz="3200" b="0" i="0" dirty="0">
-                <a:solidFill>
-                  <a:srgbClr val="000000"/>
-                </a:solidFill>
-                <a:effectLst/>
-                <a:latin typeface="Helvetica Neue"/>
-              </a:rPr>
-              <a:t>, Dense</a:t>
-            </a:r>
-            <a:r>
-              <a:rPr lang="ko-KR" altLang="en-US" sz="3200" b="0" i="0" dirty="0">
-                <a:solidFill>
-                  <a:srgbClr val="000000"/>
-                </a:solidFill>
-                <a:effectLst/>
-                <a:latin typeface="Helvetica Neue"/>
-              </a:rPr>
-              <a:t>층의 유닛은 </a:t>
-            </a:r>
-            <a:r>
-              <a:rPr lang="en-US" altLang="ko-KR" sz="3200" b="0" i="0" dirty="0">
-                <a:solidFill>
-                  <a:srgbClr val="000000"/>
-                </a:solidFill>
-                <a:effectLst/>
-                <a:latin typeface="Helvetica Neue"/>
-              </a:rPr>
-              <a:t>32</a:t>
-            </a:r>
-            <a:r>
-              <a:rPr lang="ko-KR" altLang="en-US" sz="3200" b="0" i="0" dirty="0">
-                <a:solidFill>
-                  <a:srgbClr val="000000"/>
-                </a:solidFill>
-                <a:effectLst/>
-                <a:latin typeface="Helvetica Neue"/>
-              </a:rPr>
-              <a:t>개</a:t>
-            </a:r>
-            <a:r>
-              <a:rPr lang="en-US" altLang="ko-KR" sz="3200" b="0" i="0" dirty="0">
-                <a:solidFill>
-                  <a:srgbClr val="000000"/>
-                </a:solidFill>
-                <a:effectLst/>
-                <a:latin typeface="Helvetica Neue"/>
-              </a:rPr>
-              <a:t>, </a:t>
-            </a:r>
-            <a:r>
-              <a:rPr lang="ko-KR" altLang="en-US" sz="3200" b="0" i="0" dirty="0" err="1">
-                <a:solidFill>
-                  <a:srgbClr val="000000"/>
-                </a:solidFill>
-                <a:effectLst/>
-                <a:latin typeface="Helvetica Neue"/>
-              </a:rPr>
-              <a:t>드롭아웃률은</a:t>
-            </a:r>
-            <a:r>
-              <a:rPr lang="ko-KR" altLang="en-US" sz="3200" b="0" i="0" dirty="0">
-                <a:solidFill>
-                  <a:srgbClr val="000000"/>
-                </a:solidFill>
-                <a:effectLst/>
-                <a:latin typeface="Helvetica Neue"/>
-              </a:rPr>
-              <a:t> </a:t>
-            </a:r>
-            <a:r>
-              <a:rPr lang="en-US" altLang="ko-KR" sz="3200" b="0" i="0" dirty="0">
-                <a:solidFill>
-                  <a:srgbClr val="000000"/>
-                </a:solidFill>
-                <a:effectLst/>
-                <a:latin typeface="Helvetica Neue"/>
-              </a:rPr>
-              <a:t>0.288, GRU </a:t>
-            </a:r>
-            <a:r>
-              <a:rPr lang="ko-KR" altLang="en-US" sz="3200" b="0" i="0" dirty="0">
-                <a:solidFill>
-                  <a:srgbClr val="000000"/>
-                </a:solidFill>
-                <a:effectLst/>
-                <a:latin typeface="Helvetica Neue"/>
-              </a:rPr>
-              <a:t>유닛은 </a:t>
-            </a:r>
-            <a:r>
-              <a:rPr lang="en-US" altLang="ko-KR" sz="3200" b="0" i="0" dirty="0">
-                <a:solidFill>
-                  <a:srgbClr val="000000"/>
-                </a:solidFill>
-                <a:effectLst/>
-                <a:latin typeface="Helvetica Neue"/>
-              </a:rPr>
-              <a:t>64, </a:t>
-            </a:r>
-            <a:r>
-              <a:rPr lang="ko-KR" altLang="en-US" sz="3200" b="0" i="0" dirty="0" err="1">
-                <a:solidFill>
-                  <a:srgbClr val="000000"/>
-                </a:solidFill>
-                <a:effectLst/>
-                <a:latin typeface="Helvetica Neue"/>
-              </a:rPr>
-              <a:t>옵티마이저는</a:t>
-            </a:r>
-            <a:r>
-              <a:rPr lang="en-US" altLang="ko-KR" sz="3200" b="0" i="0" dirty="0">
-                <a:solidFill>
-                  <a:srgbClr val="000000"/>
-                </a:solidFill>
-                <a:effectLst/>
-                <a:latin typeface="Helvetica Neue"/>
-              </a:rPr>
-              <a:t> </a:t>
-            </a:r>
-            <a:r>
-              <a:rPr lang="en-US" altLang="ko-KR" sz="3200" b="0" i="0" dirty="0" err="1">
-                <a:solidFill>
-                  <a:srgbClr val="000000"/>
-                </a:solidFill>
-                <a:effectLst/>
-                <a:latin typeface="Helvetica Neue"/>
-              </a:rPr>
-              <a:t>rmsprop</a:t>
-            </a:r>
-            <a:r>
-              <a:rPr lang="ko-KR" altLang="en-US" sz="3200" b="0" i="0" dirty="0">
-                <a:solidFill>
-                  <a:srgbClr val="000000"/>
-                </a:solidFill>
-                <a:effectLst/>
-                <a:latin typeface="Helvetica Neue"/>
-              </a:rPr>
-              <a:t>을 </a:t>
-            </a:r>
-            <a:r>
-              <a:rPr lang="ko-KR" altLang="en-US" sz="3200" b="0" i="0" dirty="0" err="1">
-                <a:solidFill>
-                  <a:srgbClr val="000000"/>
-                </a:solidFill>
-                <a:effectLst/>
-                <a:latin typeface="Helvetica Neue"/>
-              </a:rPr>
-              <a:t>사용할때</a:t>
-            </a:r>
-            <a:r>
-              <a:rPr lang="ko-KR" altLang="en-US" sz="3200" b="0" i="0" dirty="0">
-                <a:solidFill>
-                  <a:srgbClr val="000000"/>
-                </a:solidFill>
-                <a:effectLst/>
-                <a:latin typeface="Helvetica Neue"/>
-              </a:rPr>
-              <a:t> 가장 좋은 성능을 낸다고 나옴</a:t>
-            </a:r>
             <a:endParaRPr lang="en-US" altLang="ko-KR" sz="3200" b="0" i="0" dirty="0">
               <a:solidFill>
                 <a:srgbClr val="000000"/>
@@ -2304,416 +1229,6 @@
         <p:txBody>
           <a:bodyPr/>
           <a:lstStyle/>
-          <a:p>
-            <a:r>
-              <a:rPr lang="ko-KR" altLang="en-US" sz="3200" b="0" i="0" dirty="0">
-                <a:solidFill>
-                  <a:srgbClr val="000000"/>
-                </a:solidFill>
-                <a:effectLst/>
-                <a:latin typeface="Helvetica Neue"/>
-              </a:rPr>
-              <a:t>사실</a:t>
-            </a:r>
-            <a:r>
-              <a:rPr lang="en-US" altLang="ko-KR" sz="3200" b="0" i="0" dirty="0">
-                <a:solidFill>
-                  <a:srgbClr val="000000"/>
-                </a:solidFill>
-                <a:effectLst/>
-                <a:latin typeface="Helvetica Neue"/>
-              </a:rPr>
-              <a:t>, </a:t>
-            </a:r>
-            <a:r>
-              <a:rPr lang="ko-KR" altLang="en-US" sz="3200" b="0" i="0" dirty="0" err="1">
-                <a:solidFill>
-                  <a:srgbClr val="000000"/>
-                </a:solidFill>
-                <a:effectLst/>
-                <a:latin typeface="Helvetica Neue"/>
-              </a:rPr>
-              <a:t>하이퍼</a:t>
-            </a:r>
-            <a:r>
-              <a:rPr lang="ko-KR" altLang="en-US" sz="3200" b="0" i="0" dirty="0">
-                <a:solidFill>
-                  <a:srgbClr val="000000"/>
-                </a:solidFill>
-                <a:effectLst/>
-                <a:latin typeface="Helvetica Neue"/>
-              </a:rPr>
-              <a:t> 파라미터 최적화하기 위해 </a:t>
-            </a:r>
-            <a:r>
-              <a:rPr lang="en-US" altLang="ko-KR" sz="3200" b="0" i="0" dirty="0" err="1">
-                <a:solidFill>
-                  <a:srgbClr val="000000"/>
-                </a:solidFill>
-                <a:effectLst/>
-                <a:latin typeface="Helvetica Neue"/>
-              </a:rPr>
-              <a:t>hyperas</a:t>
-            </a:r>
-            <a:r>
-              <a:rPr lang="ko-KR" altLang="en-US" sz="3200" b="0" i="0" dirty="0">
-                <a:solidFill>
-                  <a:srgbClr val="000000"/>
-                </a:solidFill>
-                <a:effectLst/>
-                <a:latin typeface="Helvetica Neue"/>
-              </a:rPr>
-              <a:t>를 사용 한 것은 간단해 보이기 때문이었음</a:t>
-            </a:r>
-            <a:endParaRPr lang="en-US" altLang="ko-KR" sz="3200" b="0" i="0" dirty="0">
-              <a:solidFill>
-                <a:srgbClr val="000000"/>
-              </a:solidFill>
-              <a:effectLst/>
-              <a:latin typeface="Helvetica Neue"/>
-            </a:endParaRPr>
-          </a:p>
-          <a:p>
-            <a:r>
-              <a:rPr lang="ko-KR" altLang="en-US" sz="3200" b="0" i="0" dirty="0">
-                <a:solidFill>
-                  <a:srgbClr val="000000"/>
-                </a:solidFill>
-                <a:effectLst/>
-                <a:latin typeface="Helvetica Neue"/>
-              </a:rPr>
-              <a:t>결과가 나오기까지 상당히 애를 먹음</a:t>
-            </a:r>
-            <a:r>
-              <a:rPr lang="en-US" altLang="ko-KR" sz="3200" b="0" i="0" dirty="0">
-                <a:solidFill>
-                  <a:srgbClr val="000000"/>
-                </a:solidFill>
-                <a:effectLst/>
-                <a:latin typeface="Helvetica Neue"/>
-              </a:rPr>
-              <a:t>,</a:t>
-            </a:r>
-          </a:p>
-          <a:p>
-            <a:r>
-              <a:rPr lang="ko-KR" altLang="en-US" sz="3200" b="0" i="0" dirty="0">
-                <a:solidFill>
-                  <a:srgbClr val="000000"/>
-                </a:solidFill>
-                <a:effectLst/>
-                <a:latin typeface="Helvetica Neue"/>
-              </a:rPr>
-              <a:t>여러분들은 저와 같은 시행착오를 겪지 않았으면 좋겠다는 생각으로 공유</a:t>
-            </a:r>
-            <a:endParaRPr lang="en-US" altLang="ko-KR" sz="3200" b="0" i="0" dirty="0">
-              <a:solidFill>
-                <a:srgbClr val="000000"/>
-              </a:solidFill>
-              <a:effectLst/>
-              <a:latin typeface="Helvetica Neue"/>
-            </a:endParaRPr>
-          </a:p>
-          <a:p>
-            <a:pPr marL="514350" indent="-514350">
-              <a:buAutoNum type="arabicPeriod"/>
-            </a:pPr>
-            <a:r>
-              <a:rPr lang="ko-KR" altLang="en-US" sz="3200" b="0" i="0" dirty="0">
-                <a:solidFill>
-                  <a:srgbClr val="000000"/>
-                </a:solidFill>
-                <a:effectLst/>
-                <a:latin typeface="Helvetica Neue"/>
-              </a:rPr>
-              <a:t>라이브러리 선언 이후에 반드시 두 함수를 정의해주어야 함 </a:t>
-            </a:r>
-            <a:r>
-              <a:rPr lang="en-US" altLang="ko-KR" sz="3200" b="0" i="0" dirty="0">
-                <a:solidFill>
-                  <a:srgbClr val="000000"/>
-                </a:solidFill>
-                <a:effectLst/>
-                <a:latin typeface="Helvetica Neue"/>
-              </a:rPr>
-              <a:t>=&gt; data </a:t>
-            </a:r>
-            <a:r>
-              <a:rPr lang="ko-KR" altLang="en-US" sz="3200" b="0" i="0" dirty="0">
-                <a:solidFill>
-                  <a:srgbClr val="000000"/>
-                </a:solidFill>
-                <a:effectLst/>
-                <a:latin typeface="Helvetica Neue"/>
-              </a:rPr>
-              <a:t>함수 밖에서 정의한 변수나 데이터를 모델에서 사용하지 못함</a:t>
-            </a:r>
-            <a:endParaRPr lang="en-US" altLang="ko-KR" sz="3200" b="0" i="0" dirty="0">
-              <a:solidFill>
-                <a:srgbClr val="000000"/>
-              </a:solidFill>
-              <a:effectLst/>
-              <a:latin typeface="Helvetica Neue"/>
-            </a:endParaRPr>
-          </a:p>
-          <a:p>
-            <a:pPr marL="514350" indent="-514350">
-              <a:buAutoNum type="arabicPeriod"/>
-            </a:pPr>
-            <a:r>
-              <a:rPr lang="ko-KR" altLang="en-US" sz="3200" b="0" i="0" dirty="0" err="1">
-                <a:solidFill>
-                  <a:srgbClr val="000000"/>
-                </a:solidFill>
-                <a:effectLst/>
-                <a:latin typeface="Helvetica Neue"/>
-              </a:rPr>
-              <a:t>함수명</a:t>
-            </a:r>
-            <a:r>
-              <a:rPr lang="ko-KR" altLang="en-US" sz="3200" b="0" i="0" dirty="0">
-                <a:solidFill>
-                  <a:srgbClr val="000000"/>
-                </a:solidFill>
-                <a:effectLst/>
-                <a:latin typeface="Helvetica Neue"/>
-              </a:rPr>
-              <a:t> 또한 고정됨</a:t>
-            </a:r>
-            <a:endParaRPr lang="en-US" altLang="ko-KR" sz="3200" b="0" i="0" dirty="0">
-              <a:solidFill>
-                <a:srgbClr val="000000"/>
-              </a:solidFill>
-              <a:effectLst/>
-              <a:latin typeface="Helvetica Neue"/>
-            </a:endParaRPr>
-          </a:p>
-          <a:p>
-            <a:pPr marL="514350" indent="-514350">
-              <a:buAutoNum type="arabicPeriod"/>
-            </a:pPr>
-            <a:r>
-              <a:rPr lang="ko-KR" altLang="en-US" sz="3200" b="0" i="0" dirty="0">
-                <a:solidFill>
-                  <a:srgbClr val="000000"/>
-                </a:solidFill>
-                <a:effectLst/>
-                <a:latin typeface="Helvetica Neue"/>
-              </a:rPr>
-              <a:t>코드 내 한글이나 특수문자를 포함하면 문법적으로 오류는 없지만 </a:t>
-            </a:r>
-            <a:r>
-              <a:rPr lang="en-US" altLang="ko-KR" sz="3200" b="0" i="0" dirty="0">
-                <a:solidFill>
-                  <a:srgbClr val="000000"/>
-                </a:solidFill>
-                <a:effectLst/>
-                <a:latin typeface="Helvetica Neue"/>
-              </a:rPr>
-              <a:t>optimization</a:t>
-            </a:r>
-            <a:r>
-              <a:rPr lang="ko-KR" altLang="en-US" sz="3200" b="0" i="0" dirty="0">
-                <a:solidFill>
-                  <a:srgbClr val="000000"/>
-                </a:solidFill>
-                <a:effectLst/>
-                <a:latin typeface="Helvetica Neue"/>
-              </a:rPr>
-              <a:t> 수행 시 디코딩 에러 발생</a:t>
-            </a:r>
-            <a:endParaRPr lang="en-US" altLang="ko-KR" sz="3200" b="0" i="0" dirty="0">
-              <a:solidFill>
-                <a:srgbClr val="000000"/>
-              </a:solidFill>
-              <a:effectLst/>
-              <a:latin typeface="Helvetica Neue"/>
-            </a:endParaRPr>
-          </a:p>
-          <a:p>
-            <a:pPr marL="514350" indent="-514350">
-              <a:buAutoNum type="arabicPeriod"/>
-            </a:pPr>
-            <a:r>
-              <a:rPr lang="ko-KR" altLang="en-US" sz="3200" b="0" i="0" dirty="0" err="1">
-                <a:solidFill>
-                  <a:srgbClr val="000000"/>
-                </a:solidFill>
-                <a:effectLst/>
-                <a:latin typeface="Helvetica Neue"/>
-              </a:rPr>
-              <a:t>파이참</a:t>
-            </a:r>
-            <a:r>
-              <a:rPr lang="ko-KR" altLang="en-US" sz="3200" b="0" i="0" dirty="0">
-                <a:solidFill>
-                  <a:srgbClr val="000000"/>
-                </a:solidFill>
-                <a:effectLst/>
-                <a:latin typeface="Helvetica Neue"/>
-              </a:rPr>
-              <a:t> 같은 </a:t>
-            </a:r>
-            <a:r>
-              <a:rPr lang="en-US" altLang="ko-KR" sz="3200" b="0" i="0" dirty="0">
-                <a:solidFill>
-                  <a:srgbClr val="000000"/>
-                </a:solidFill>
-                <a:effectLst/>
-                <a:latin typeface="Helvetica Neue"/>
-              </a:rPr>
-              <a:t>IDE</a:t>
-            </a:r>
-            <a:r>
-              <a:rPr lang="ko-KR" altLang="en-US" sz="3200" b="0" i="0" dirty="0">
-                <a:solidFill>
-                  <a:srgbClr val="000000"/>
-                </a:solidFill>
-                <a:effectLst/>
-                <a:latin typeface="Helvetica Neue"/>
-              </a:rPr>
-              <a:t>와 주피터나 </a:t>
-            </a:r>
-            <a:r>
-              <a:rPr lang="ko-KR" altLang="en-US" sz="3200" b="0" i="0" dirty="0" err="1">
-                <a:solidFill>
-                  <a:srgbClr val="000000"/>
-                </a:solidFill>
-                <a:effectLst/>
-                <a:latin typeface="Helvetica Neue"/>
-              </a:rPr>
-              <a:t>코랩</a:t>
-            </a:r>
-            <a:r>
-              <a:rPr lang="ko-KR" altLang="en-US" sz="3200" b="0" i="0" dirty="0">
-                <a:solidFill>
-                  <a:srgbClr val="000000"/>
-                </a:solidFill>
-                <a:effectLst/>
-                <a:latin typeface="Helvetica Neue"/>
-              </a:rPr>
-              <a:t> 같은 노트북의 </a:t>
-            </a:r>
-            <a:r>
-              <a:rPr lang="en-US" altLang="ko-KR" sz="3200" b="0" i="0" dirty="0">
-                <a:solidFill>
-                  <a:srgbClr val="000000"/>
-                </a:solidFill>
-                <a:effectLst/>
-                <a:latin typeface="Helvetica Neue"/>
-              </a:rPr>
-              <a:t>Tab space </a:t>
-            </a:r>
-            <a:r>
-              <a:rPr lang="ko-KR" altLang="en-US" sz="3200" b="0" i="0" dirty="0">
-                <a:solidFill>
-                  <a:srgbClr val="000000"/>
-                </a:solidFill>
-                <a:effectLst/>
-                <a:latin typeface="Helvetica Neue"/>
-              </a:rPr>
-              <a:t>공간의 차이</a:t>
-            </a:r>
-            <a:r>
-              <a:rPr lang="en-US" altLang="ko-KR" sz="3200" b="0" i="0" dirty="0">
-                <a:solidFill>
-                  <a:srgbClr val="000000"/>
-                </a:solidFill>
-                <a:effectLst/>
-                <a:latin typeface="Helvetica Neue"/>
-              </a:rPr>
-              <a:t>?</a:t>
-            </a:r>
-            <a:r>
-              <a:rPr lang="ko-KR" altLang="en-US" sz="3200" b="0" i="0" dirty="0">
-                <a:solidFill>
-                  <a:srgbClr val="000000"/>
-                </a:solidFill>
-                <a:effectLst/>
-                <a:latin typeface="Helvetica Neue"/>
-              </a:rPr>
-              <a:t>가 다름</a:t>
-            </a:r>
-            <a:r>
-              <a:rPr lang="en-US" altLang="ko-KR" sz="3200" b="0" i="0" dirty="0">
-                <a:solidFill>
-                  <a:srgbClr val="000000"/>
-                </a:solidFill>
-                <a:effectLst/>
-                <a:latin typeface="Helvetica Neue"/>
-              </a:rPr>
-              <a:t>, </a:t>
-            </a:r>
-            <a:r>
-              <a:rPr lang="ko-KR" altLang="en-US" sz="3200" b="0" i="0" dirty="0" err="1">
-                <a:solidFill>
-                  <a:srgbClr val="000000"/>
-                </a:solidFill>
-                <a:effectLst/>
-                <a:latin typeface="Helvetica Neue"/>
-              </a:rPr>
-              <a:t>줄바꿈</a:t>
-            </a:r>
-            <a:r>
-              <a:rPr lang="ko-KR" altLang="en-US" sz="3200" b="0" i="0" dirty="0">
-                <a:solidFill>
-                  <a:srgbClr val="000000"/>
-                </a:solidFill>
-                <a:effectLst/>
-                <a:latin typeface="Helvetica Neue"/>
-              </a:rPr>
-              <a:t> 시 공백 없이 </a:t>
-            </a:r>
-            <a:r>
-              <a:rPr lang="ko-KR" altLang="en-US" sz="3200" b="0" i="0" dirty="0" err="1">
-                <a:solidFill>
-                  <a:srgbClr val="000000"/>
-                </a:solidFill>
-                <a:effectLst/>
-                <a:latin typeface="Helvetica Neue"/>
-              </a:rPr>
-              <a:t>줄바꿈</a:t>
-            </a:r>
-            <a:r>
-              <a:rPr lang="ko-KR" altLang="en-US" sz="3200" b="0" i="0" dirty="0">
-                <a:solidFill>
-                  <a:srgbClr val="000000"/>
-                </a:solidFill>
-                <a:effectLst/>
-                <a:latin typeface="Helvetica Neue"/>
-              </a:rPr>
-              <a:t> 해야 함</a:t>
-            </a:r>
-            <a:endParaRPr lang="en-US" altLang="ko-KR" sz="3200" b="0" i="0" dirty="0">
-              <a:solidFill>
-                <a:srgbClr val="000000"/>
-              </a:solidFill>
-              <a:effectLst/>
-              <a:latin typeface="Helvetica Neue"/>
-            </a:endParaRPr>
-          </a:p>
-          <a:p>
-            <a:pPr marL="0" indent="0">
-              <a:buNone/>
-            </a:pPr>
-            <a:r>
-              <a:rPr lang="ko-KR" altLang="en-US" sz="3200" b="0" i="0" dirty="0">
-                <a:solidFill>
-                  <a:srgbClr val="000000"/>
-                </a:solidFill>
-                <a:effectLst/>
-                <a:latin typeface="Helvetica Neue"/>
-              </a:rPr>
-              <a:t>이런 에러들이 문법적으로는 문제가 없어 넘어가기 쉬운데 런타임에서 에러가 발생하기 때문에 잡기 어려웠음 </a:t>
-            </a:r>
-            <a:endParaRPr lang="en-US" altLang="ko-KR" sz="3200" b="0" i="0" dirty="0">
-              <a:solidFill>
-                <a:srgbClr val="000000"/>
-              </a:solidFill>
-              <a:effectLst/>
-              <a:latin typeface="Helvetica Neue"/>
-            </a:endParaRPr>
-          </a:p>
           <a:p>
             <a:r>
               <a:rPr lang="ko-KR" altLang="en-US" sz="3200" b="0" i="0" dirty="0">
@@ -3515,1589 +2030,6 @@
 </file>
 
 <file path=ppt/slideLayouts/slideLayout13.xml><?xml version="1.0" encoding="utf-8"?>
-<p:sldLayout xmlns:a="http://schemas.openxmlformats.org/drawingml/2006/main" xmlns:r="http://schemas.openxmlformats.org/officeDocument/2006/relationships" xmlns:p="http://schemas.openxmlformats.org/presentationml/2006/main" type="blank" preserve="1">
-  <p:cSld name="Blank Slide">
-    <p:spTree>
-      <p:nvGrpSpPr>
-        <p:cNvPr id="1" name=""/>
-        <p:cNvGrpSpPr/>
-        <p:nvPr/>
-      </p:nvGrpSpPr>
-      <p:grpSpPr>
-        <a:xfrm>
-          <a:off x="0" y="0"/>
-          <a:ext cx="0" cy="0"/>
-          <a:chOff x="0" y="0"/>
-          <a:chExt cx="0" cy="0"/>
-        </a:xfrm>
-      </p:grpSpPr>
-    </p:spTree>
-  </p:cSld>
-  <p:clrMapOvr>
-    <a:masterClrMapping/>
-  </p:clrMapOvr>
-</p:sldLayout>
-</file>
-
-<file path=ppt/slideLayouts/slideLayout14.xml><?xml version="1.0" encoding="utf-8"?>
-<p:sldLayout xmlns:a="http://schemas.openxmlformats.org/drawingml/2006/main" xmlns:r="http://schemas.openxmlformats.org/officeDocument/2006/relationships" xmlns:p="http://schemas.openxmlformats.org/presentationml/2006/main" type="tx" preserve="1">
-  <p:cSld name="Title Slide">
-    <p:spTree>
-      <p:nvGrpSpPr>
-        <p:cNvPr id="1" name=""/>
-        <p:cNvGrpSpPr/>
-        <p:nvPr/>
-      </p:nvGrpSpPr>
-      <p:grpSpPr>
-        <a:xfrm>
-          <a:off x="0" y="0"/>
-          <a:ext cx="0" cy="0"/>
-          <a:chOff x="0" y="0"/>
-          <a:chExt cx="0" cy="0"/>
-        </a:xfrm>
-      </p:grpSpPr>
-      <p:sp>
-        <p:nvSpPr>
-          <p:cNvPr id="48" name="PlaceHolder 1"/>
-          <p:cNvSpPr>
-            <a:spLocks noGrp="1"/>
-          </p:cNvSpPr>
-          <p:nvPr>
-            <p:ph type="title"/>
-          </p:nvPr>
-        </p:nvSpPr>
-        <p:spPr>
-          <a:xfrm>
-            <a:off x="609480" y="273600"/>
-            <a:ext cx="10972440" cy="1144800"/>
-          </a:xfrm>
-          <a:prstGeom prst="rect">
-            <a:avLst/>
-          </a:prstGeom>
-        </p:spPr>
-        <p:txBody>
-          <a:bodyPr lIns="0" tIns="0" rIns="0" bIns="0" anchor="ctr"/>
-          <a:lstStyle/>
-          <a:p>
-            <a:endParaRPr lang="ko-KR" sz="1800" b="0" strike="noStrike" spc="-1">
-              <a:solidFill>
-                <a:srgbClr val="000000"/>
-              </a:solidFill>
-              <a:latin typeface="Calibri"/>
-            </a:endParaRPr>
-          </a:p>
-        </p:txBody>
-      </p:sp>
-      <p:sp>
-        <p:nvSpPr>
-          <p:cNvPr id="49" name="PlaceHolder 2"/>
-          <p:cNvSpPr>
-            <a:spLocks noGrp="1"/>
-          </p:cNvSpPr>
-          <p:nvPr>
-            <p:ph type="subTitle"/>
-          </p:nvPr>
-        </p:nvSpPr>
-        <p:spPr>
-          <a:xfrm>
-            <a:off x="511560" y="5102640"/>
-            <a:ext cx="10792080" cy="995760"/>
-          </a:xfrm>
-          <a:prstGeom prst="rect">
-            <a:avLst/>
-          </a:prstGeom>
-        </p:spPr>
-        <p:txBody>
-          <a:bodyPr lIns="0" tIns="0" rIns="0" bIns="0" anchor="ctr"/>
-          <a:lstStyle/>
-          <a:p>
-            <a:pPr algn="ctr"/>
-            <a:endParaRPr lang="en-US" sz="3200" b="0" strike="noStrike" spc="-1">
-              <a:latin typeface="Noto Sans CJK JP"/>
-            </a:endParaRPr>
-          </a:p>
-        </p:txBody>
-      </p:sp>
-    </p:spTree>
-  </p:cSld>
-  <p:clrMapOvr>
-    <a:masterClrMapping/>
-  </p:clrMapOvr>
-</p:sldLayout>
-</file>
-
-<file path=ppt/slideLayouts/slideLayout15.xml><?xml version="1.0" encoding="utf-8"?>
-<p:sldLayout xmlns:a="http://schemas.openxmlformats.org/drawingml/2006/main" xmlns:r="http://schemas.openxmlformats.org/officeDocument/2006/relationships" xmlns:p="http://schemas.openxmlformats.org/presentationml/2006/main" type="obj" preserve="1">
-  <p:cSld name="Title, Content">
-    <p:spTree>
-      <p:nvGrpSpPr>
-        <p:cNvPr id="1" name=""/>
-        <p:cNvGrpSpPr/>
-        <p:nvPr/>
-      </p:nvGrpSpPr>
-      <p:grpSpPr>
-        <a:xfrm>
-          <a:off x="0" y="0"/>
-          <a:ext cx="0" cy="0"/>
-          <a:chOff x="0" y="0"/>
-          <a:chExt cx="0" cy="0"/>
-        </a:xfrm>
-      </p:grpSpPr>
-      <p:sp>
-        <p:nvSpPr>
-          <p:cNvPr id="50" name="PlaceHolder 1"/>
-          <p:cNvSpPr>
-            <a:spLocks noGrp="1"/>
-          </p:cNvSpPr>
-          <p:nvPr>
-            <p:ph type="title"/>
-          </p:nvPr>
-        </p:nvSpPr>
-        <p:spPr>
-          <a:xfrm>
-            <a:off x="609480" y="273600"/>
-            <a:ext cx="10972440" cy="1144800"/>
-          </a:xfrm>
-          <a:prstGeom prst="rect">
-            <a:avLst/>
-          </a:prstGeom>
-        </p:spPr>
-        <p:txBody>
-          <a:bodyPr lIns="0" tIns="0" rIns="0" bIns="0" anchor="ctr"/>
-          <a:lstStyle/>
-          <a:p>
-            <a:endParaRPr lang="ko-KR" sz="1800" b="0" strike="noStrike" spc="-1">
-              <a:solidFill>
-                <a:srgbClr val="000000"/>
-              </a:solidFill>
-              <a:latin typeface="Calibri"/>
-            </a:endParaRPr>
-          </a:p>
-        </p:txBody>
-      </p:sp>
-      <p:sp>
-        <p:nvSpPr>
-          <p:cNvPr id="51" name="PlaceHolder 2"/>
-          <p:cNvSpPr>
-            <a:spLocks noGrp="1"/>
-          </p:cNvSpPr>
-          <p:nvPr>
-            <p:ph type="body"/>
-          </p:nvPr>
-        </p:nvSpPr>
-        <p:spPr>
-          <a:xfrm>
-            <a:off x="511560" y="5102640"/>
-            <a:ext cx="10792080" cy="995760"/>
-          </a:xfrm>
-          <a:prstGeom prst="rect">
-            <a:avLst/>
-          </a:prstGeom>
-        </p:spPr>
-        <p:txBody>
-          <a:bodyPr lIns="0" tIns="0" rIns="0" bIns="0">
-            <a:normAutofit/>
-          </a:bodyPr>
-          <a:lstStyle/>
-          <a:p>
-            <a:endParaRPr lang="ko-KR" sz="2800" b="0" strike="noStrike" spc="-1">
-              <a:solidFill>
-                <a:srgbClr val="000000"/>
-              </a:solidFill>
-              <a:latin typeface="Calibri"/>
-            </a:endParaRPr>
-          </a:p>
-        </p:txBody>
-      </p:sp>
-    </p:spTree>
-  </p:cSld>
-  <p:clrMapOvr>
-    <a:masterClrMapping/>
-  </p:clrMapOvr>
-</p:sldLayout>
-</file>
-
-<file path=ppt/slideLayouts/slideLayout16.xml><?xml version="1.0" encoding="utf-8"?>
-<p:sldLayout xmlns:a="http://schemas.openxmlformats.org/drawingml/2006/main" xmlns:r="http://schemas.openxmlformats.org/officeDocument/2006/relationships" xmlns:p="http://schemas.openxmlformats.org/presentationml/2006/main" type="twoObj" preserve="1">
-  <p:cSld name="Title, 2 Content">
-    <p:spTree>
-      <p:nvGrpSpPr>
-        <p:cNvPr id="1" name=""/>
-        <p:cNvGrpSpPr/>
-        <p:nvPr/>
-      </p:nvGrpSpPr>
-      <p:grpSpPr>
-        <a:xfrm>
-          <a:off x="0" y="0"/>
-          <a:ext cx="0" cy="0"/>
-          <a:chOff x="0" y="0"/>
-          <a:chExt cx="0" cy="0"/>
-        </a:xfrm>
-      </p:grpSpPr>
-      <p:sp>
-        <p:nvSpPr>
-          <p:cNvPr id="52" name="PlaceHolder 1"/>
-          <p:cNvSpPr>
-            <a:spLocks noGrp="1"/>
-          </p:cNvSpPr>
-          <p:nvPr>
-            <p:ph type="title"/>
-          </p:nvPr>
-        </p:nvSpPr>
-        <p:spPr>
-          <a:xfrm>
-            <a:off x="609480" y="273600"/>
-            <a:ext cx="10972440" cy="1144800"/>
-          </a:xfrm>
-          <a:prstGeom prst="rect">
-            <a:avLst/>
-          </a:prstGeom>
-        </p:spPr>
-        <p:txBody>
-          <a:bodyPr lIns="0" tIns="0" rIns="0" bIns="0" anchor="ctr"/>
-          <a:lstStyle/>
-          <a:p>
-            <a:endParaRPr lang="ko-KR" sz="1800" b="0" strike="noStrike" spc="-1">
-              <a:solidFill>
-                <a:srgbClr val="000000"/>
-              </a:solidFill>
-              <a:latin typeface="Calibri"/>
-            </a:endParaRPr>
-          </a:p>
-        </p:txBody>
-      </p:sp>
-      <p:sp>
-        <p:nvSpPr>
-          <p:cNvPr id="53" name="PlaceHolder 2"/>
-          <p:cNvSpPr>
-            <a:spLocks noGrp="1"/>
-          </p:cNvSpPr>
-          <p:nvPr>
-            <p:ph type="body"/>
-          </p:nvPr>
-        </p:nvSpPr>
-        <p:spPr>
-          <a:xfrm>
-            <a:off x="511560" y="5102640"/>
-            <a:ext cx="5266440" cy="995760"/>
-          </a:xfrm>
-          <a:prstGeom prst="rect">
-            <a:avLst/>
-          </a:prstGeom>
-        </p:spPr>
-        <p:txBody>
-          <a:bodyPr lIns="0" tIns="0" rIns="0" bIns="0">
-            <a:normAutofit/>
-          </a:bodyPr>
-          <a:lstStyle/>
-          <a:p>
-            <a:endParaRPr lang="ko-KR" sz="2800" b="0" strike="noStrike" spc="-1">
-              <a:solidFill>
-                <a:srgbClr val="000000"/>
-              </a:solidFill>
-              <a:latin typeface="Calibri"/>
-            </a:endParaRPr>
-          </a:p>
-        </p:txBody>
-      </p:sp>
-      <p:sp>
-        <p:nvSpPr>
-          <p:cNvPr id="54" name="PlaceHolder 3"/>
-          <p:cNvSpPr>
-            <a:spLocks noGrp="1"/>
-          </p:cNvSpPr>
-          <p:nvPr>
-            <p:ph type="body"/>
-          </p:nvPr>
-        </p:nvSpPr>
-        <p:spPr>
-          <a:xfrm>
-            <a:off x="6041880" y="5102640"/>
-            <a:ext cx="5266440" cy="995760"/>
-          </a:xfrm>
-          <a:prstGeom prst="rect">
-            <a:avLst/>
-          </a:prstGeom>
-        </p:spPr>
-        <p:txBody>
-          <a:bodyPr lIns="0" tIns="0" rIns="0" bIns="0">
-            <a:normAutofit/>
-          </a:bodyPr>
-          <a:lstStyle/>
-          <a:p>
-            <a:endParaRPr lang="ko-KR" sz="2800" b="0" strike="noStrike" spc="-1">
-              <a:solidFill>
-                <a:srgbClr val="000000"/>
-              </a:solidFill>
-              <a:latin typeface="Calibri"/>
-            </a:endParaRPr>
-          </a:p>
-        </p:txBody>
-      </p:sp>
-    </p:spTree>
-  </p:cSld>
-  <p:clrMapOvr>
-    <a:masterClrMapping/>
-  </p:clrMapOvr>
-</p:sldLayout>
-</file>
-
-<file path=ppt/slideLayouts/slideLayout17.xml><?xml version="1.0" encoding="utf-8"?>
-<p:sldLayout xmlns:a="http://schemas.openxmlformats.org/drawingml/2006/main" xmlns:r="http://schemas.openxmlformats.org/officeDocument/2006/relationships" xmlns:p="http://schemas.openxmlformats.org/presentationml/2006/main" type="titleOnly" preserve="1">
-  <p:cSld name="Title Only">
-    <p:spTree>
-      <p:nvGrpSpPr>
-        <p:cNvPr id="1" name=""/>
-        <p:cNvGrpSpPr/>
-        <p:nvPr/>
-      </p:nvGrpSpPr>
-      <p:grpSpPr>
-        <a:xfrm>
-          <a:off x="0" y="0"/>
-          <a:ext cx="0" cy="0"/>
-          <a:chOff x="0" y="0"/>
-          <a:chExt cx="0" cy="0"/>
-        </a:xfrm>
-      </p:grpSpPr>
-      <p:sp>
-        <p:nvSpPr>
-          <p:cNvPr id="55" name="PlaceHolder 1"/>
-          <p:cNvSpPr>
-            <a:spLocks noGrp="1"/>
-          </p:cNvSpPr>
-          <p:nvPr>
-            <p:ph type="title"/>
-          </p:nvPr>
-        </p:nvSpPr>
-        <p:spPr>
-          <a:xfrm>
-            <a:off x="609480" y="273600"/>
-            <a:ext cx="10972440" cy="1144800"/>
-          </a:xfrm>
-          <a:prstGeom prst="rect">
-            <a:avLst/>
-          </a:prstGeom>
-        </p:spPr>
-        <p:txBody>
-          <a:bodyPr lIns="0" tIns="0" rIns="0" bIns="0" anchor="ctr"/>
-          <a:lstStyle/>
-          <a:p>
-            <a:endParaRPr lang="ko-KR" sz="1800" b="0" strike="noStrike" spc="-1">
-              <a:solidFill>
-                <a:srgbClr val="000000"/>
-              </a:solidFill>
-              <a:latin typeface="Calibri"/>
-            </a:endParaRPr>
-          </a:p>
-        </p:txBody>
-      </p:sp>
-    </p:spTree>
-  </p:cSld>
-  <p:clrMapOvr>
-    <a:masterClrMapping/>
-  </p:clrMapOvr>
-</p:sldLayout>
-</file>
-
-<file path=ppt/slideLayouts/slideLayout18.xml><?xml version="1.0" encoding="utf-8"?>
-<p:sldLayout xmlns:a="http://schemas.openxmlformats.org/drawingml/2006/main" xmlns:r="http://schemas.openxmlformats.org/officeDocument/2006/relationships" xmlns:p="http://schemas.openxmlformats.org/presentationml/2006/main" type="objOnly" preserve="1">
-  <p:cSld name="Centered Text">
-    <p:spTree>
-      <p:nvGrpSpPr>
-        <p:cNvPr id="1" name=""/>
-        <p:cNvGrpSpPr/>
-        <p:nvPr/>
-      </p:nvGrpSpPr>
-      <p:grpSpPr>
-        <a:xfrm>
-          <a:off x="0" y="0"/>
-          <a:ext cx="0" cy="0"/>
-          <a:chOff x="0" y="0"/>
-          <a:chExt cx="0" cy="0"/>
-        </a:xfrm>
-      </p:grpSpPr>
-      <p:sp>
-        <p:nvSpPr>
-          <p:cNvPr id="56" name="PlaceHolder 1"/>
-          <p:cNvSpPr>
-            <a:spLocks noGrp="1"/>
-          </p:cNvSpPr>
-          <p:nvPr>
-            <p:ph type="subTitle"/>
-          </p:nvPr>
-        </p:nvSpPr>
-        <p:spPr>
-          <a:xfrm>
-            <a:off x="609480" y="273600"/>
-            <a:ext cx="10972440" cy="5307840"/>
-          </a:xfrm>
-          <a:prstGeom prst="rect">
-            <a:avLst/>
-          </a:prstGeom>
-        </p:spPr>
-        <p:txBody>
-          <a:bodyPr lIns="0" tIns="0" rIns="0" bIns="0" anchor="ctr"/>
-          <a:lstStyle/>
-          <a:p>
-            <a:pPr algn="ctr"/>
-            <a:endParaRPr lang="en-US" sz="3200" b="0" strike="noStrike" spc="-1">
-              <a:latin typeface="Noto Sans CJK JP"/>
-            </a:endParaRPr>
-          </a:p>
-        </p:txBody>
-      </p:sp>
-    </p:spTree>
-  </p:cSld>
-  <p:clrMapOvr>
-    <a:masterClrMapping/>
-  </p:clrMapOvr>
-</p:sldLayout>
-</file>
-
-<file path=ppt/slideLayouts/slideLayout19.xml><?xml version="1.0" encoding="utf-8"?>
-<p:sldLayout xmlns:a="http://schemas.openxmlformats.org/drawingml/2006/main" xmlns:r="http://schemas.openxmlformats.org/officeDocument/2006/relationships" xmlns:p="http://schemas.openxmlformats.org/presentationml/2006/main" type="twoObjAndObj" preserve="1">
-  <p:cSld name="Title, 2 Content and Content">
-    <p:spTree>
-      <p:nvGrpSpPr>
-        <p:cNvPr id="1" name=""/>
-        <p:cNvGrpSpPr/>
-        <p:nvPr/>
-      </p:nvGrpSpPr>
-      <p:grpSpPr>
-        <a:xfrm>
-          <a:off x="0" y="0"/>
-          <a:ext cx="0" cy="0"/>
-          <a:chOff x="0" y="0"/>
-          <a:chExt cx="0" cy="0"/>
-        </a:xfrm>
-      </p:grpSpPr>
-      <p:sp>
-        <p:nvSpPr>
-          <p:cNvPr id="57" name="PlaceHolder 1"/>
-          <p:cNvSpPr>
-            <a:spLocks noGrp="1"/>
-          </p:cNvSpPr>
-          <p:nvPr>
-            <p:ph type="title"/>
-          </p:nvPr>
-        </p:nvSpPr>
-        <p:spPr>
-          <a:xfrm>
-            <a:off x="609480" y="273600"/>
-            <a:ext cx="10972440" cy="1144800"/>
-          </a:xfrm>
-          <a:prstGeom prst="rect">
-            <a:avLst/>
-          </a:prstGeom>
-        </p:spPr>
-        <p:txBody>
-          <a:bodyPr lIns="0" tIns="0" rIns="0" bIns="0" anchor="ctr"/>
-          <a:lstStyle/>
-          <a:p>
-            <a:endParaRPr lang="ko-KR" sz="1800" b="0" strike="noStrike" spc="-1">
-              <a:solidFill>
-                <a:srgbClr val="000000"/>
-              </a:solidFill>
-              <a:latin typeface="Calibri"/>
-            </a:endParaRPr>
-          </a:p>
-        </p:txBody>
-      </p:sp>
-      <p:sp>
-        <p:nvSpPr>
-          <p:cNvPr id="58" name="PlaceHolder 2"/>
-          <p:cNvSpPr>
-            <a:spLocks noGrp="1"/>
-          </p:cNvSpPr>
-          <p:nvPr>
-            <p:ph type="body"/>
-          </p:nvPr>
-        </p:nvSpPr>
-        <p:spPr>
-          <a:xfrm>
-            <a:off x="511560" y="5102640"/>
-            <a:ext cx="5266440" cy="474840"/>
-          </a:xfrm>
-          <a:prstGeom prst="rect">
-            <a:avLst/>
-          </a:prstGeom>
-        </p:spPr>
-        <p:txBody>
-          <a:bodyPr lIns="0" tIns="0" rIns="0" bIns="0">
-            <a:normAutofit/>
-          </a:bodyPr>
-          <a:lstStyle/>
-          <a:p>
-            <a:endParaRPr lang="ko-KR" sz="2800" b="0" strike="noStrike" spc="-1">
-              <a:solidFill>
-                <a:srgbClr val="000000"/>
-              </a:solidFill>
-              <a:latin typeface="Calibri"/>
-            </a:endParaRPr>
-          </a:p>
-        </p:txBody>
-      </p:sp>
-      <p:sp>
-        <p:nvSpPr>
-          <p:cNvPr id="59" name="PlaceHolder 3"/>
-          <p:cNvSpPr>
-            <a:spLocks noGrp="1"/>
-          </p:cNvSpPr>
-          <p:nvPr>
-            <p:ph type="body"/>
-          </p:nvPr>
-        </p:nvSpPr>
-        <p:spPr>
-          <a:xfrm>
-            <a:off x="6041880" y="5102640"/>
-            <a:ext cx="5266440" cy="995760"/>
-          </a:xfrm>
-          <a:prstGeom prst="rect">
-            <a:avLst/>
-          </a:prstGeom>
-        </p:spPr>
-        <p:txBody>
-          <a:bodyPr lIns="0" tIns="0" rIns="0" bIns="0">
-            <a:normAutofit/>
-          </a:bodyPr>
-          <a:lstStyle/>
-          <a:p>
-            <a:endParaRPr lang="ko-KR" sz="2800" b="0" strike="noStrike" spc="-1">
-              <a:solidFill>
-                <a:srgbClr val="000000"/>
-              </a:solidFill>
-              <a:latin typeface="Calibri"/>
-            </a:endParaRPr>
-          </a:p>
-        </p:txBody>
-      </p:sp>
-      <p:sp>
-        <p:nvSpPr>
-          <p:cNvPr id="60" name="PlaceHolder 4"/>
-          <p:cNvSpPr>
-            <a:spLocks noGrp="1"/>
-          </p:cNvSpPr>
-          <p:nvPr>
-            <p:ph type="body"/>
-          </p:nvPr>
-        </p:nvSpPr>
-        <p:spPr>
-          <a:xfrm>
-            <a:off x="511560" y="5622840"/>
-            <a:ext cx="5266440" cy="474840"/>
-          </a:xfrm>
-          <a:prstGeom prst="rect">
-            <a:avLst/>
-          </a:prstGeom>
-        </p:spPr>
-        <p:txBody>
-          <a:bodyPr lIns="0" tIns="0" rIns="0" bIns="0">
-            <a:normAutofit/>
-          </a:bodyPr>
-          <a:lstStyle/>
-          <a:p>
-            <a:endParaRPr lang="ko-KR" sz="2800" b="0" strike="noStrike" spc="-1">
-              <a:solidFill>
-                <a:srgbClr val="000000"/>
-              </a:solidFill>
-              <a:latin typeface="Calibri"/>
-            </a:endParaRPr>
-          </a:p>
-        </p:txBody>
-      </p:sp>
-    </p:spTree>
-  </p:cSld>
-  <p:clrMapOvr>
-    <a:masterClrMapping/>
-  </p:clrMapOvr>
-</p:sldLayout>
-</file>
-
-<file path=ppt/slideLayouts/slideLayout2.xml><?xml version="1.0" encoding="utf-8"?>
-<p:sldLayout xmlns:a="http://schemas.openxmlformats.org/drawingml/2006/main" xmlns:r="http://schemas.openxmlformats.org/officeDocument/2006/relationships" xmlns:p="http://schemas.openxmlformats.org/presentationml/2006/main" type="tx" preserve="1">
-  <p:cSld name="Title Slide">
-    <p:spTree>
-      <p:nvGrpSpPr>
-        <p:cNvPr id="1" name=""/>
-        <p:cNvGrpSpPr/>
-        <p:nvPr/>
-      </p:nvGrpSpPr>
-      <p:grpSpPr>
-        <a:xfrm>
-          <a:off x="0" y="0"/>
-          <a:ext cx="0" cy="0"/>
-          <a:chOff x="0" y="0"/>
-          <a:chExt cx="0" cy="0"/>
-        </a:xfrm>
-      </p:grpSpPr>
-      <p:sp>
-        <p:nvSpPr>
-          <p:cNvPr id="6" name="PlaceHolder 1"/>
-          <p:cNvSpPr>
-            <a:spLocks noGrp="1"/>
-          </p:cNvSpPr>
-          <p:nvPr>
-            <p:ph type="title"/>
-          </p:nvPr>
-        </p:nvSpPr>
-        <p:spPr>
-          <a:xfrm>
-            <a:off x="609480" y="273600"/>
-            <a:ext cx="10972440" cy="1144800"/>
-          </a:xfrm>
-          <a:prstGeom prst="rect">
-            <a:avLst/>
-          </a:prstGeom>
-        </p:spPr>
-        <p:txBody>
-          <a:bodyPr lIns="0" tIns="0" rIns="0" bIns="0" anchor="ctr"/>
-          <a:lstStyle/>
-          <a:p>
-            <a:endParaRPr lang="ko-KR" sz="1800" b="0" strike="noStrike" spc="-1">
-              <a:solidFill>
-                <a:srgbClr val="000000"/>
-              </a:solidFill>
-              <a:latin typeface="Calibri"/>
-            </a:endParaRPr>
-          </a:p>
-        </p:txBody>
-      </p:sp>
-      <p:sp>
-        <p:nvSpPr>
-          <p:cNvPr id="7" name="PlaceHolder 2"/>
-          <p:cNvSpPr>
-            <a:spLocks noGrp="1"/>
-          </p:cNvSpPr>
-          <p:nvPr>
-            <p:ph type="subTitle"/>
-          </p:nvPr>
-        </p:nvSpPr>
-        <p:spPr>
-          <a:xfrm>
-            <a:off x="511560" y="5102640"/>
-            <a:ext cx="10792080" cy="995760"/>
-          </a:xfrm>
-          <a:prstGeom prst="rect">
-            <a:avLst/>
-          </a:prstGeom>
-        </p:spPr>
-        <p:txBody>
-          <a:bodyPr lIns="0" tIns="0" rIns="0" bIns="0" anchor="ctr"/>
-          <a:lstStyle/>
-          <a:p>
-            <a:pPr algn="ctr"/>
-            <a:endParaRPr lang="en-US" sz="3200" b="0" strike="noStrike" spc="-1">
-              <a:latin typeface="Noto Sans CJK JP"/>
-            </a:endParaRPr>
-          </a:p>
-        </p:txBody>
-      </p:sp>
-    </p:spTree>
-  </p:cSld>
-  <p:clrMapOvr>
-    <a:masterClrMapping/>
-  </p:clrMapOvr>
-</p:sldLayout>
-</file>
-
-<file path=ppt/slideLayouts/slideLayout20.xml><?xml version="1.0" encoding="utf-8"?>
-<p:sldLayout xmlns:a="http://schemas.openxmlformats.org/drawingml/2006/main" xmlns:r="http://schemas.openxmlformats.org/officeDocument/2006/relationships" xmlns:p="http://schemas.openxmlformats.org/presentationml/2006/main" type="objAndTwoObj" preserve="1">
-  <p:cSld name="Title Content and 2 Content">
-    <p:spTree>
-      <p:nvGrpSpPr>
-        <p:cNvPr id="1" name=""/>
-        <p:cNvGrpSpPr/>
-        <p:nvPr/>
-      </p:nvGrpSpPr>
-      <p:grpSpPr>
-        <a:xfrm>
-          <a:off x="0" y="0"/>
-          <a:ext cx="0" cy="0"/>
-          <a:chOff x="0" y="0"/>
-          <a:chExt cx="0" cy="0"/>
-        </a:xfrm>
-      </p:grpSpPr>
-      <p:sp>
-        <p:nvSpPr>
-          <p:cNvPr id="61" name="PlaceHolder 1"/>
-          <p:cNvSpPr>
-            <a:spLocks noGrp="1"/>
-          </p:cNvSpPr>
-          <p:nvPr>
-            <p:ph type="title"/>
-          </p:nvPr>
-        </p:nvSpPr>
-        <p:spPr>
-          <a:xfrm>
-            <a:off x="609480" y="273600"/>
-            <a:ext cx="10972440" cy="1144800"/>
-          </a:xfrm>
-          <a:prstGeom prst="rect">
-            <a:avLst/>
-          </a:prstGeom>
-        </p:spPr>
-        <p:txBody>
-          <a:bodyPr lIns="0" tIns="0" rIns="0" bIns="0" anchor="ctr"/>
-          <a:lstStyle/>
-          <a:p>
-            <a:endParaRPr lang="ko-KR" sz="1800" b="0" strike="noStrike" spc="-1">
-              <a:solidFill>
-                <a:srgbClr val="000000"/>
-              </a:solidFill>
-              <a:latin typeface="Calibri"/>
-            </a:endParaRPr>
-          </a:p>
-        </p:txBody>
-      </p:sp>
-      <p:sp>
-        <p:nvSpPr>
-          <p:cNvPr id="62" name="PlaceHolder 2"/>
-          <p:cNvSpPr>
-            <a:spLocks noGrp="1"/>
-          </p:cNvSpPr>
-          <p:nvPr>
-            <p:ph type="body"/>
-          </p:nvPr>
-        </p:nvSpPr>
-        <p:spPr>
-          <a:xfrm>
-            <a:off x="511560" y="5102640"/>
-            <a:ext cx="5266440" cy="995760"/>
-          </a:xfrm>
-          <a:prstGeom prst="rect">
-            <a:avLst/>
-          </a:prstGeom>
-        </p:spPr>
-        <p:txBody>
-          <a:bodyPr lIns="0" tIns="0" rIns="0" bIns="0">
-            <a:normAutofit/>
-          </a:bodyPr>
-          <a:lstStyle/>
-          <a:p>
-            <a:endParaRPr lang="ko-KR" sz="2800" b="0" strike="noStrike" spc="-1">
-              <a:solidFill>
-                <a:srgbClr val="000000"/>
-              </a:solidFill>
-              <a:latin typeface="Calibri"/>
-            </a:endParaRPr>
-          </a:p>
-        </p:txBody>
-      </p:sp>
-      <p:sp>
-        <p:nvSpPr>
-          <p:cNvPr id="63" name="PlaceHolder 3"/>
-          <p:cNvSpPr>
-            <a:spLocks noGrp="1"/>
-          </p:cNvSpPr>
-          <p:nvPr>
-            <p:ph type="body"/>
-          </p:nvPr>
-        </p:nvSpPr>
-        <p:spPr>
-          <a:xfrm>
-            <a:off x="6041880" y="5102640"/>
-            <a:ext cx="5266440" cy="474840"/>
-          </a:xfrm>
-          <a:prstGeom prst="rect">
-            <a:avLst/>
-          </a:prstGeom>
-        </p:spPr>
-        <p:txBody>
-          <a:bodyPr lIns="0" tIns="0" rIns="0" bIns="0">
-            <a:normAutofit/>
-          </a:bodyPr>
-          <a:lstStyle/>
-          <a:p>
-            <a:endParaRPr lang="ko-KR" sz="2800" b="0" strike="noStrike" spc="-1">
-              <a:solidFill>
-                <a:srgbClr val="000000"/>
-              </a:solidFill>
-              <a:latin typeface="Calibri"/>
-            </a:endParaRPr>
-          </a:p>
-        </p:txBody>
-      </p:sp>
-      <p:sp>
-        <p:nvSpPr>
-          <p:cNvPr id="64" name="PlaceHolder 4"/>
-          <p:cNvSpPr>
-            <a:spLocks noGrp="1"/>
-          </p:cNvSpPr>
-          <p:nvPr>
-            <p:ph type="body"/>
-          </p:nvPr>
-        </p:nvSpPr>
-        <p:spPr>
-          <a:xfrm>
-            <a:off x="6041880" y="5622840"/>
-            <a:ext cx="5266440" cy="474840"/>
-          </a:xfrm>
-          <a:prstGeom prst="rect">
-            <a:avLst/>
-          </a:prstGeom>
-        </p:spPr>
-        <p:txBody>
-          <a:bodyPr lIns="0" tIns="0" rIns="0" bIns="0">
-            <a:normAutofit/>
-          </a:bodyPr>
-          <a:lstStyle/>
-          <a:p>
-            <a:endParaRPr lang="ko-KR" sz="2800" b="0" strike="noStrike" spc="-1">
-              <a:solidFill>
-                <a:srgbClr val="000000"/>
-              </a:solidFill>
-              <a:latin typeface="Calibri"/>
-            </a:endParaRPr>
-          </a:p>
-        </p:txBody>
-      </p:sp>
-    </p:spTree>
-  </p:cSld>
-  <p:clrMapOvr>
-    <a:masterClrMapping/>
-  </p:clrMapOvr>
-</p:sldLayout>
-</file>
-
-<file path=ppt/slideLayouts/slideLayout21.xml><?xml version="1.0" encoding="utf-8"?>
-<p:sldLayout xmlns:a="http://schemas.openxmlformats.org/drawingml/2006/main" xmlns:r="http://schemas.openxmlformats.org/officeDocument/2006/relationships" xmlns:p="http://schemas.openxmlformats.org/presentationml/2006/main" type="twoObjOverTx" preserve="1">
-  <p:cSld name="Title, 2 Content over Content">
-    <p:spTree>
-      <p:nvGrpSpPr>
-        <p:cNvPr id="1" name=""/>
-        <p:cNvGrpSpPr/>
-        <p:nvPr/>
-      </p:nvGrpSpPr>
-      <p:grpSpPr>
-        <a:xfrm>
-          <a:off x="0" y="0"/>
-          <a:ext cx="0" cy="0"/>
-          <a:chOff x="0" y="0"/>
-          <a:chExt cx="0" cy="0"/>
-        </a:xfrm>
-      </p:grpSpPr>
-      <p:sp>
-        <p:nvSpPr>
-          <p:cNvPr id="65" name="PlaceHolder 1"/>
-          <p:cNvSpPr>
-            <a:spLocks noGrp="1"/>
-          </p:cNvSpPr>
-          <p:nvPr>
-            <p:ph type="title"/>
-          </p:nvPr>
-        </p:nvSpPr>
-        <p:spPr>
-          <a:xfrm>
-            <a:off x="609480" y="273600"/>
-            <a:ext cx="10972440" cy="1144800"/>
-          </a:xfrm>
-          <a:prstGeom prst="rect">
-            <a:avLst/>
-          </a:prstGeom>
-        </p:spPr>
-        <p:txBody>
-          <a:bodyPr lIns="0" tIns="0" rIns="0" bIns="0" anchor="ctr"/>
-          <a:lstStyle/>
-          <a:p>
-            <a:endParaRPr lang="ko-KR" sz="1800" b="0" strike="noStrike" spc="-1">
-              <a:solidFill>
-                <a:srgbClr val="000000"/>
-              </a:solidFill>
-              <a:latin typeface="Calibri"/>
-            </a:endParaRPr>
-          </a:p>
-        </p:txBody>
-      </p:sp>
-      <p:sp>
-        <p:nvSpPr>
-          <p:cNvPr id="66" name="PlaceHolder 2"/>
-          <p:cNvSpPr>
-            <a:spLocks noGrp="1"/>
-          </p:cNvSpPr>
-          <p:nvPr>
-            <p:ph type="body"/>
-          </p:nvPr>
-        </p:nvSpPr>
-        <p:spPr>
-          <a:xfrm>
-            <a:off x="511560" y="5102640"/>
-            <a:ext cx="5266440" cy="474840"/>
-          </a:xfrm>
-          <a:prstGeom prst="rect">
-            <a:avLst/>
-          </a:prstGeom>
-        </p:spPr>
-        <p:txBody>
-          <a:bodyPr lIns="0" tIns="0" rIns="0" bIns="0">
-            <a:normAutofit/>
-          </a:bodyPr>
-          <a:lstStyle/>
-          <a:p>
-            <a:endParaRPr lang="ko-KR" sz="2800" b="0" strike="noStrike" spc="-1">
-              <a:solidFill>
-                <a:srgbClr val="000000"/>
-              </a:solidFill>
-              <a:latin typeface="Calibri"/>
-            </a:endParaRPr>
-          </a:p>
-        </p:txBody>
-      </p:sp>
-      <p:sp>
-        <p:nvSpPr>
-          <p:cNvPr id="67" name="PlaceHolder 3"/>
-          <p:cNvSpPr>
-            <a:spLocks noGrp="1"/>
-          </p:cNvSpPr>
-          <p:nvPr>
-            <p:ph type="body"/>
-          </p:nvPr>
-        </p:nvSpPr>
-        <p:spPr>
-          <a:xfrm>
-            <a:off x="6041880" y="5102640"/>
-            <a:ext cx="5266440" cy="474840"/>
-          </a:xfrm>
-          <a:prstGeom prst="rect">
-            <a:avLst/>
-          </a:prstGeom>
-        </p:spPr>
-        <p:txBody>
-          <a:bodyPr lIns="0" tIns="0" rIns="0" bIns="0">
-            <a:normAutofit/>
-          </a:bodyPr>
-          <a:lstStyle/>
-          <a:p>
-            <a:endParaRPr lang="ko-KR" sz="2800" b="0" strike="noStrike" spc="-1">
-              <a:solidFill>
-                <a:srgbClr val="000000"/>
-              </a:solidFill>
-              <a:latin typeface="Calibri"/>
-            </a:endParaRPr>
-          </a:p>
-        </p:txBody>
-      </p:sp>
-      <p:sp>
-        <p:nvSpPr>
-          <p:cNvPr id="68" name="PlaceHolder 4"/>
-          <p:cNvSpPr>
-            <a:spLocks noGrp="1"/>
-          </p:cNvSpPr>
-          <p:nvPr>
-            <p:ph type="body"/>
-          </p:nvPr>
-        </p:nvSpPr>
-        <p:spPr>
-          <a:xfrm>
-            <a:off x="511560" y="5622840"/>
-            <a:ext cx="10792080" cy="474840"/>
-          </a:xfrm>
-          <a:prstGeom prst="rect">
-            <a:avLst/>
-          </a:prstGeom>
-        </p:spPr>
-        <p:txBody>
-          <a:bodyPr lIns="0" tIns="0" rIns="0" bIns="0">
-            <a:normAutofit/>
-          </a:bodyPr>
-          <a:lstStyle/>
-          <a:p>
-            <a:endParaRPr lang="ko-KR" sz="2800" b="0" strike="noStrike" spc="-1">
-              <a:solidFill>
-                <a:srgbClr val="000000"/>
-              </a:solidFill>
-              <a:latin typeface="Calibri"/>
-            </a:endParaRPr>
-          </a:p>
-        </p:txBody>
-      </p:sp>
-    </p:spTree>
-  </p:cSld>
-  <p:clrMapOvr>
-    <a:masterClrMapping/>
-  </p:clrMapOvr>
-</p:sldLayout>
-</file>
-
-<file path=ppt/slideLayouts/slideLayout22.xml><?xml version="1.0" encoding="utf-8"?>
-<p:sldLayout xmlns:a="http://schemas.openxmlformats.org/drawingml/2006/main" xmlns:r="http://schemas.openxmlformats.org/officeDocument/2006/relationships" xmlns:p="http://schemas.openxmlformats.org/presentationml/2006/main" type="objOverTx" preserve="1">
-  <p:cSld name="Title, Content over Content">
-    <p:spTree>
-      <p:nvGrpSpPr>
-        <p:cNvPr id="1" name=""/>
-        <p:cNvGrpSpPr/>
-        <p:nvPr/>
-      </p:nvGrpSpPr>
-      <p:grpSpPr>
-        <a:xfrm>
-          <a:off x="0" y="0"/>
-          <a:ext cx="0" cy="0"/>
-          <a:chOff x="0" y="0"/>
-          <a:chExt cx="0" cy="0"/>
-        </a:xfrm>
-      </p:grpSpPr>
-      <p:sp>
-        <p:nvSpPr>
-          <p:cNvPr id="69" name="PlaceHolder 1"/>
-          <p:cNvSpPr>
-            <a:spLocks noGrp="1"/>
-          </p:cNvSpPr>
-          <p:nvPr>
-            <p:ph type="title"/>
-          </p:nvPr>
-        </p:nvSpPr>
-        <p:spPr>
-          <a:xfrm>
-            <a:off x="609480" y="273600"/>
-            <a:ext cx="10972440" cy="1144800"/>
-          </a:xfrm>
-          <a:prstGeom prst="rect">
-            <a:avLst/>
-          </a:prstGeom>
-        </p:spPr>
-        <p:txBody>
-          <a:bodyPr lIns="0" tIns="0" rIns="0" bIns="0" anchor="ctr"/>
-          <a:lstStyle/>
-          <a:p>
-            <a:endParaRPr lang="ko-KR" sz="1800" b="0" strike="noStrike" spc="-1">
-              <a:solidFill>
-                <a:srgbClr val="000000"/>
-              </a:solidFill>
-              <a:latin typeface="Calibri"/>
-            </a:endParaRPr>
-          </a:p>
-        </p:txBody>
-      </p:sp>
-      <p:sp>
-        <p:nvSpPr>
-          <p:cNvPr id="70" name="PlaceHolder 2"/>
-          <p:cNvSpPr>
-            <a:spLocks noGrp="1"/>
-          </p:cNvSpPr>
-          <p:nvPr>
-            <p:ph type="body"/>
-          </p:nvPr>
-        </p:nvSpPr>
-        <p:spPr>
-          <a:xfrm>
-            <a:off x="511560" y="5102640"/>
-            <a:ext cx="10792080" cy="474840"/>
-          </a:xfrm>
-          <a:prstGeom prst="rect">
-            <a:avLst/>
-          </a:prstGeom>
-        </p:spPr>
-        <p:txBody>
-          <a:bodyPr lIns="0" tIns="0" rIns="0" bIns="0">
-            <a:normAutofit/>
-          </a:bodyPr>
-          <a:lstStyle/>
-          <a:p>
-            <a:endParaRPr lang="ko-KR" sz="2800" b="0" strike="noStrike" spc="-1">
-              <a:solidFill>
-                <a:srgbClr val="000000"/>
-              </a:solidFill>
-              <a:latin typeface="Calibri"/>
-            </a:endParaRPr>
-          </a:p>
-        </p:txBody>
-      </p:sp>
-      <p:sp>
-        <p:nvSpPr>
-          <p:cNvPr id="71" name="PlaceHolder 3"/>
-          <p:cNvSpPr>
-            <a:spLocks noGrp="1"/>
-          </p:cNvSpPr>
-          <p:nvPr>
-            <p:ph type="body"/>
-          </p:nvPr>
-        </p:nvSpPr>
-        <p:spPr>
-          <a:xfrm>
-            <a:off x="511560" y="5622840"/>
-            <a:ext cx="10792080" cy="474840"/>
-          </a:xfrm>
-          <a:prstGeom prst="rect">
-            <a:avLst/>
-          </a:prstGeom>
-        </p:spPr>
-        <p:txBody>
-          <a:bodyPr lIns="0" tIns="0" rIns="0" bIns="0">
-            <a:normAutofit/>
-          </a:bodyPr>
-          <a:lstStyle/>
-          <a:p>
-            <a:endParaRPr lang="ko-KR" sz="2800" b="0" strike="noStrike" spc="-1">
-              <a:solidFill>
-                <a:srgbClr val="000000"/>
-              </a:solidFill>
-              <a:latin typeface="Calibri"/>
-            </a:endParaRPr>
-          </a:p>
-        </p:txBody>
-      </p:sp>
-    </p:spTree>
-  </p:cSld>
-  <p:clrMapOvr>
-    <a:masterClrMapping/>
-  </p:clrMapOvr>
-</p:sldLayout>
-</file>
-
-<file path=ppt/slideLayouts/slideLayout23.xml><?xml version="1.0" encoding="utf-8"?>
-<p:sldLayout xmlns:a="http://schemas.openxmlformats.org/drawingml/2006/main" xmlns:r="http://schemas.openxmlformats.org/officeDocument/2006/relationships" xmlns:p="http://schemas.openxmlformats.org/presentationml/2006/main" type="fourObj" preserve="1">
-  <p:cSld name="Title, 4 Content">
-    <p:spTree>
-      <p:nvGrpSpPr>
-        <p:cNvPr id="1" name=""/>
-        <p:cNvGrpSpPr/>
-        <p:nvPr/>
-      </p:nvGrpSpPr>
-      <p:grpSpPr>
-        <a:xfrm>
-          <a:off x="0" y="0"/>
-          <a:ext cx="0" cy="0"/>
-          <a:chOff x="0" y="0"/>
-          <a:chExt cx="0" cy="0"/>
-        </a:xfrm>
-      </p:grpSpPr>
-      <p:sp>
-        <p:nvSpPr>
-          <p:cNvPr id="72" name="PlaceHolder 1"/>
-          <p:cNvSpPr>
-            <a:spLocks noGrp="1"/>
-          </p:cNvSpPr>
-          <p:nvPr>
-            <p:ph type="title"/>
-          </p:nvPr>
-        </p:nvSpPr>
-        <p:spPr>
-          <a:xfrm>
-            <a:off x="609480" y="273600"/>
-            <a:ext cx="10972440" cy="1144800"/>
-          </a:xfrm>
-          <a:prstGeom prst="rect">
-            <a:avLst/>
-          </a:prstGeom>
-        </p:spPr>
-        <p:txBody>
-          <a:bodyPr lIns="0" tIns="0" rIns="0" bIns="0" anchor="ctr"/>
-          <a:lstStyle/>
-          <a:p>
-            <a:endParaRPr lang="ko-KR" sz="1800" b="0" strike="noStrike" spc="-1">
-              <a:solidFill>
-                <a:srgbClr val="000000"/>
-              </a:solidFill>
-              <a:latin typeface="Calibri"/>
-            </a:endParaRPr>
-          </a:p>
-        </p:txBody>
-      </p:sp>
-      <p:sp>
-        <p:nvSpPr>
-          <p:cNvPr id="73" name="PlaceHolder 2"/>
-          <p:cNvSpPr>
-            <a:spLocks noGrp="1"/>
-          </p:cNvSpPr>
-          <p:nvPr>
-            <p:ph type="body"/>
-          </p:nvPr>
-        </p:nvSpPr>
-        <p:spPr>
-          <a:xfrm>
-            <a:off x="511560" y="5102640"/>
-            <a:ext cx="5266440" cy="474840"/>
-          </a:xfrm>
-          <a:prstGeom prst="rect">
-            <a:avLst/>
-          </a:prstGeom>
-        </p:spPr>
-        <p:txBody>
-          <a:bodyPr lIns="0" tIns="0" rIns="0" bIns="0">
-            <a:normAutofit/>
-          </a:bodyPr>
-          <a:lstStyle/>
-          <a:p>
-            <a:endParaRPr lang="ko-KR" sz="2800" b="0" strike="noStrike" spc="-1">
-              <a:solidFill>
-                <a:srgbClr val="000000"/>
-              </a:solidFill>
-              <a:latin typeface="Calibri"/>
-            </a:endParaRPr>
-          </a:p>
-        </p:txBody>
-      </p:sp>
-      <p:sp>
-        <p:nvSpPr>
-          <p:cNvPr id="74" name="PlaceHolder 3"/>
-          <p:cNvSpPr>
-            <a:spLocks noGrp="1"/>
-          </p:cNvSpPr>
-          <p:nvPr>
-            <p:ph type="body"/>
-          </p:nvPr>
-        </p:nvSpPr>
-        <p:spPr>
-          <a:xfrm>
-            <a:off x="6041880" y="5102640"/>
-            <a:ext cx="5266440" cy="474840"/>
-          </a:xfrm>
-          <a:prstGeom prst="rect">
-            <a:avLst/>
-          </a:prstGeom>
-        </p:spPr>
-        <p:txBody>
-          <a:bodyPr lIns="0" tIns="0" rIns="0" bIns="0">
-            <a:normAutofit/>
-          </a:bodyPr>
-          <a:lstStyle/>
-          <a:p>
-            <a:endParaRPr lang="ko-KR" sz="2800" b="0" strike="noStrike" spc="-1">
-              <a:solidFill>
-                <a:srgbClr val="000000"/>
-              </a:solidFill>
-              <a:latin typeface="Calibri"/>
-            </a:endParaRPr>
-          </a:p>
-        </p:txBody>
-      </p:sp>
-      <p:sp>
-        <p:nvSpPr>
-          <p:cNvPr id="75" name="PlaceHolder 4"/>
-          <p:cNvSpPr>
-            <a:spLocks noGrp="1"/>
-          </p:cNvSpPr>
-          <p:nvPr>
-            <p:ph type="body"/>
-          </p:nvPr>
-        </p:nvSpPr>
-        <p:spPr>
-          <a:xfrm>
-            <a:off x="511560" y="5622840"/>
-            <a:ext cx="5266440" cy="474840"/>
-          </a:xfrm>
-          <a:prstGeom prst="rect">
-            <a:avLst/>
-          </a:prstGeom>
-        </p:spPr>
-        <p:txBody>
-          <a:bodyPr lIns="0" tIns="0" rIns="0" bIns="0">
-            <a:normAutofit/>
-          </a:bodyPr>
-          <a:lstStyle/>
-          <a:p>
-            <a:endParaRPr lang="ko-KR" sz="2800" b="0" strike="noStrike" spc="-1">
-              <a:solidFill>
-                <a:srgbClr val="000000"/>
-              </a:solidFill>
-              <a:latin typeface="Calibri"/>
-            </a:endParaRPr>
-          </a:p>
-        </p:txBody>
-      </p:sp>
-      <p:sp>
-        <p:nvSpPr>
-          <p:cNvPr id="76" name="PlaceHolder 5"/>
-          <p:cNvSpPr>
-            <a:spLocks noGrp="1"/>
-          </p:cNvSpPr>
-          <p:nvPr>
-            <p:ph type="body"/>
-          </p:nvPr>
-        </p:nvSpPr>
-        <p:spPr>
-          <a:xfrm>
-            <a:off x="6041880" y="5622840"/>
-            <a:ext cx="5266440" cy="474840"/>
-          </a:xfrm>
-          <a:prstGeom prst="rect">
-            <a:avLst/>
-          </a:prstGeom>
-        </p:spPr>
-        <p:txBody>
-          <a:bodyPr lIns="0" tIns="0" rIns="0" bIns="0">
-            <a:normAutofit/>
-          </a:bodyPr>
-          <a:lstStyle/>
-          <a:p>
-            <a:endParaRPr lang="ko-KR" sz="2800" b="0" strike="noStrike" spc="-1">
-              <a:solidFill>
-                <a:srgbClr val="000000"/>
-              </a:solidFill>
-              <a:latin typeface="Calibri"/>
-            </a:endParaRPr>
-          </a:p>
-        </p:txBody>
-      </p:sp>
-    </p:spTree>
-  </p:cSld>
-  <p:clrMapOvr>
-    <a:masterClrMapping/>
-  </p:clrMapOvr>
-</p:sldLayout>
-</file>
-
-<file path=ppt/slideLayouts/slideLayout24.xml><?xml version="1.0" encoding="utf-8"?>
-<p:sldLayout xmlns:a="http://schemas.openxmlformats.org/drawingml/2006/main" xmlns:r="http://schemas.openxmlformats.org/officeDocument/2006/relationships" xmlns:p="http://schemas.openxmlformats.org/presentationml/2006/main" type="blank" preserve="1">
-  <p:cSld name="Title, 6 Content">
-    <p:spTree>
-      <p:nvGrpSpPr>
-        <p:cNvPr id="1" name=""/>
-        <p:cNvGrpSpPr/>
-        <p:nvPr/>
-      </p:nvGrpSpPr>
-      <p:grpSpPr>
-        <a:xfrm>
-          <a:off x="0" y="0"/>
-          <a:ext cx="0" cy="0"/>
-          <a:chOff x="0" y="0"/>
-          <a:chExt cx="0" cy="0"/>
-        </a:xfrm>
-      </p:grpSpPr>
-      <p:sp>
-        <p:nvSpPr>
-          <p:cNvPr id="77" name="PlaceHolder 1"/>
-          <p:cNvSpPr>
-            <a:spLocks noGrp="1"/>
-          </p:cNvSpPr>
-          <p:nvPr>
-            <p:ph type="title"/>
-          </p:nvPr>
-        </p:nvSpPr>
-        <p:spPr>
-          <a:xfrm>
-            <a:off x="609480" y="273600"/>
-            <a:ext cx="10972440" cy="1144800"/>
-          </a:xfrm>
-          <a:prstGeom prst="rect">
-            <a:avLst/>
-          </a:prstGeom>
-        </p:spPr>
-        <p:txBody>
-          <a:bodyPr lIns="0" tIns="0" rIns="0" bIns="0" anchor="ctr"/>
-          <a:lstStyle/>
-          <a:p>
-            <a:endParaRPr lang="ko-KR" sz="1800" b="0" strike="noStrike" spc="-1">
-              <a:solidFill>
-                <a:srgbClr val="000000"/>
-              </a:solidFill>
-              <a:latin typeface="Calibri"/>
-            </a:endParaRPr>
-          </a:p>
-        </p:txBody>
-      </p:sp>
-      <p:sp>
-        <p:nvSpPr>
-          <p:cNvPr id="78" name="PlaceHolder 2"/>
-          <p:cNvSpPr>
-            <a:spLocks noGrp="1"/>
-          </p:cNvSpPr>
-          <p:nvPr>
-            <p:ph type="body"/>
-          </p:nvPr>
-        </p:nvSpPr>
-        <p:spPr>
-          <a:xfrm>
-            <a:off x="511560" y="5102640"/>
-            <a:ext cx="3474720" cy="474840"/>
-          </a:xfrm>
-          <a:prstGeom prst="rect">
-            <a:avLst/>
-          </a:prstGeom>
-        </p:spPr>
-        <p:txBody>
-          <a:bodyPr lIns="0" tIns="0" rIns="0" bIns="0">
-            <a:normAutofit/>
-          </a:bodyPr>
-          <a:lstStyle/>
-          <a:p>
-            <a:endParaRPr lang="ko-KR" sz="2800" b="0" strike="noStrike" spc="-1">
-              <a:solidFill>
-                <a:srgbClr val="000000"/>
-              </a:solidFill>
-              <a:latin typeface="Calibri"/>
-            </a:endParaRPr>
-          </a:p>
-        </p:txBody>
-      </p:sp>
-      <p:sp>
-        <p:nvSpPr>
-          <p:cNvPr id="79" name="PlaceHolder 3"/>
-          <p:cNvSpPr>
-            <a:spLocks noGrp="1"/>
-          </p:cNvSpPr>
-          <p:nvPr>
-            <p:ph type="body"/>
-          </p:nvPr>
-        </p:nvSpPr>
-        <p:spPr>
-          <a:xfrm>
-            <a:off x="4160520" y="5102640"/>
-            <a:ext cx="3474720" cy="474840"/>
-          </a:xfrm>
-          <a:prstGeom prst="rect">
-            <a:avLst/>
-          </a:prstGeom>
-        </p:spPr>
-        <p:txBody>
-          <a:bodyPr lIns="0" tIns="0" rIns="0" bIns="0">
-            <a:normAutofit/>
-          </a:bodyPr>
-          <a:lstStyle/>
-          <a:p>
-            <a:endParaRPr lang="ko-KR" sz="2800" b="0" strike="noStrike" spc="-1">
-              <a:solidFill>
-                <a:srgbClr val="000000"/>
-              </a:solidFill>
-              <a:latin typeface="Calibri"/>
-            </a:endParaRPr>
-          </a:p>
-        </p:txBody>
-      </p:sp>
-      <p:sp>
-        <p:nvSpPr>
-          <p:cNvPr id="80" name="PlaceHolder 4"/>
-          <p:cNvSpPr>
-            <a:spLocks noGrp="1"/>
-          </p:cNvSpPr>
-          <p:nvPr>
-            <p:ph type="body"/>
-          </p:nvPr>
-        </p:nvSpPr>
-        <p:spPr>
-          <a:xfrm>
-            <a:off x="7809120" y="5102640"/>
-            <a:ext cx="3474720" cy="474840"/>
-          </a:xfrm>
-          <a:prstGeom prst="rect">
-            <a:avLst/>
-          </a:prstGeom>
-        </p:spPr>
-        <p:txBody>
-          <a:bodyPr lIns="0" tIns="0" rIns="0" bIns="0">
-            <a:normAutofit/>
-          </a:bodyPr>
-          <a:lstStyle/>
-          <a:p>
-            <a:endParaRPr lang="ko-KR" sz="2800" b="0" strike="noStrike" spc="-1">
-              <a:solidFill>
-                <a:srgbClr val="000000"/>
-              </a:solidFill>
-              <a:latin typeface="Calibri"/>
-            </a:endParaRPr>
-          </a:p>
-        </p:txBody>
-      </p:sp>
-      <p:sp>
-        <p:nvSpPr>
-          <p:cNvPr id="81" name="PlaceHolder 5"/>
-          <p:cNvSpPr>
-            <a:spLocks noGrp="1"/>
-          </p:cNvSpPr>
-          <p:nvPr>
-            <p:ph type="body"/>
-          </p:nvPr>
-        </p:nvSpPr>
-        <p:spPr>
-          <a:xfrm>
-            <a:off x="511560" y="5622840"/>
-            <a:ext cx="3474720" cy="474840"/>
-          </a:xfrm>
-          <a:prstGeom prst="rect">
-            <a:avLst/>
-          </a:prstGeom>
-        </p:spPr>
-        <p:txBody>
-          <a:bodyPr lIns="0" tIns="0" rIns="0" bIns="0">
-            <a:normAutofit/>
-          </a:bodyPr>
-          <a:lstStyle/>
-          <a:p>
-            <a:endParaRPr lang="ko-KR" sz="2800" b="0" strike="noStrike" spc="-1">
-              <a:solidFill>
-                <a:srgbClr val="000000"/>
-              </a:solidFill>
-              <a:latin typeface="Calibri"/>
-            </a:endParaRPr>
-          </a:p>
-        </p:txBody>
-      </p:sp>
-      <p:sp>
-        <p:nvSpPr>
-          <p:cNvPr id="82" name="PlaceHolder 6"/>
-          <p:cNvSpPr>
-            <a:spLocks noGrp="1"/>
-          </p:cNvSpPr>
-          <p:nvPr>
-            <p:ph type="body"/>
-          </p:nvPr>
-        </p:nvSpPr>
-        <p:spPr>
-          <a:xfrm>
-            <a:off x="4160520" y="5622840"/>
-            <a:ext cx="3474720" cy="474840"/>
-          </a:xfrm>
-          <a:prstGeom prst="rect">
-            <a:avLst/>
-          </a:prstGeom>
-        </p:spPr>
-        <p:txBody>
-          <a:bodyPr lIns="0" tIns="0" rIns="0" bIns="0">
-            <a:normAutofit/>
-          </a:bodyPr>
-          <a:lstStyle/>
-          <a:p>
-            <a:endParaRPr lang="ko-KR" sz="2800" b="0" strike="noStrike" spc="-1">
-              <a:solidFill>
-                <a:srgbClr val="000000"/>
-              </a:solidFill>
-              <a:latin typeface="Calibri"/>
-            </a:endParaRPr>
-          </a:p>
-        </p:txBody>
-      </p:sp>
-      <p:sp>
-        <p:nvSpPr>
-          <p:cNvPr id="83" name="PlaceHolder 7"/>
-          <p:cNvSpPr>
-            <a:spLocks noGrp="1"/>
-          </p:cNvSpPr>
-          <p:nvPr>
-            <p:ph type="body"/>
-          </p:nvPr>
-        </p:nvSpPr>
-        <p:spPr>
-          <a:xfrm>
-            <a:off x="7809120" y="5622840"/>
-            <a:ext cx="3474720" cy="474840"/>
-          </a:xfrm>
-          <a:prstGeom prst="rect">
-            <a:avLst/>
-          </a:prstGeom>
-        </p:spPr>
-        <p:txBody>
-          <a:bodyPr lIns="0" tIns="0" rIns="0" bIns="0">
-            <a:normAutofit/>
-          </a:bodyPr>
-          <a:lstStyle/>
-          <a:p>
-            <a:endParaRPr lang="ko-KR" sz="2800" b="0" strike="noStrike" spc="-1">
-              <a:solidFill>
-                <a:srgbClr val="000000"/>
-              </a:solidFill>
-              <a:latin typeface="Calibri"/>
-            </a:endParaRPr>
-          </a:p>
-        </p:txBody>
-      </p:sp>
-    </p:spTree>
-  </p:cSld>
-  <p:clrMapOvr>
-    <a:masterClrMapping/>
-  </p:clrMapOvr>
-</p:sldLayout>
-</file>
-
-<file path=ppt/slideLayouts/slideLayout25.xml><?xml version="1.0" encoding="utf-8"?>
 <p:sldLayout xmlns:a="http://schemas.openxmlformats.org/drawingml/2006/main" xmlns:r="http://schemas.openxmlformats.org/officeDocument/2006/relationships" xmlns:p="http://schemas.openxmlformats.org/presentationml/2006/main" type="title">
   <p:cSld name="제목 슬라이드">
     <p:spTree>
@@ -5306,9 +2238,1592 @@
     </p:spTree>
     <p:extLst>
       <p:ext uri="{BB962C8B-B14F-4D97-AF65-F5344CB8AC3E}">
-        <p14:creationId xmlns:p14="http://schemas.microsoft.com/office/powerpoint/2010/main" val="1873913735"/>
+        <p14:creationId xmlns:p14="http://schemas.microsoft.com/office/powerpoint/2010/main" val="4204092562"/>
       </p:ext>
     </p:extLst>
+  </p:cSld>
+  <p:clrMapOvr>
+    <a:masterClrMapping/>
+  </p:clrMapOvr>
+</p:sldLayout>
+</file>
+
+<file path=ppt/slideLayouts/slideLayout14.xml><?xml version="1.0" encoding="utf-8"?>
+<p:sldLayout xmlns:a="http://schemas.openxmlformats.org/drawingml/2006/main" xmlns:r="http://schemas.openxmlformats.org/officeDocument/2006/relationships" xmlns:p="http://schemas.openxmlformats.org/presentationml/2006/main" type="blank" preserve="1">
+  <p:cSld name="Blank Slide">
+    <p:spTree>
+      <p:nvGrpSpPr>
+        <p:cNvPr id="1" name=""/>
+        <p:cNvGrpSpPr/>
+        <p:nvPr/>
+      </p:nvGrpSpPr>
+      <p:grpSpPr>
+        <a:xfrm>
+          <a:off x="0" y="0"/>
+          <a:ext cx="0" cy="0"/>
+          <a:chOff x="0" y="0"/>
+          <a:chExt cx="0" cy="0"/>
+        </a:xfrm>
+      </p:grpSpPr>
+    </p:spTree>
+  </p:cSld>
+  <p:clrMapOvr>
+    <a:masterClrMapping/>
+  </p:clrMapOvr>
+</p:sldLayout>
+</file>
+
+<file path=ppt/slideLayouts/slideLayout15.xml><?xml version="1.0" encoding="utf-8"?>
+<p:sldLayout xmlns:a="http://schemas.openxmlformats.org/drawingml/2006/main" xmlns:r="http://schemas.openxmlformats.org/officeDocument/2006/relationships" xmlns:p="http://schemas.openxmlformats.org/presentationml/2006/main" type="tx" preserve="1">
+  <p:cSld name="Title Slide">
+    <p:spTree>
+      <p:nvGrpSpPr>
+        <p:cNvPr id="1" name=""/>
+        <p:cNvGrpSpPr/>
+        <p:nvPr/>
+      </p:nvGrpSpPr>
+      <p:grpSpPr>
+        <a:xfrm>
+          <a:off x="0" y="0"/>
+          <a:ext cx="0" cy="0"/>
+          <a:chOff x="0" y="0"/>
+          <a:chExt cx="0" cy="0"/>
+        </a:xfrm>
+      </p:grpSpPr>
+      <p:sp>
+        <p:nvSpPr>
+          <p:cNvPr id="48" name="PlaceHolder 1"/>
+          <p:cNvSpPr>
+            <a:spLocks noGrp="1"/>
+          </p:cNvSpPr>
+          <p:nvPr>
+            <p:ph type="title"/>
+          </p:nvPr>
+        </p:nvSpPr>
+        <p:spPr>
+          <a:xfrm>
+            <a:off x="609480" y="273600"/>
+            <a:ext cx="10972440" cy="1144800"/>
+          </a:xfrm>
+          <a:prstGeom prst="rect">
+            <a:avLst/>
+          </a:prstGeom>
+        </p:spPr>
+        <p:txBody>
+          <a:bodyPr lIns="0" tIns="0" rIns="0" bIns="0" anchor="ctr"/>
+          <a:lstStyle/>
+          <a:p>
+            <a:endParaRPr lang="ko-KR" sz="1800" b="0" strike="noStrike" spc="-1">
+              <a:solidFill>
+                <a:srgbClr val="000000"/>
+              </a:solidFill>
+              <a:latin typeface="Calibri"/>
+            </a:endParaRPr>
+          </a:p>
+        </p:txBody>
+      </p:sp>
+      <p:sp>
+        <p:nvSpPr>
+          <p:cNvPr id="49" name="PlaceHolder 2"/>
+          <p:cNvSpPr>
+            <a:spLocks noGrp="1"/>
+          </p:cNvSpPr>
+          <p:nvPr>
+            <p:ph type="subTitle"/>
+          </p:nvPr>
+        </p:nvSpPr>
+        <p:spPr>
+          <a:xfrm>
+            <a:off x="511560" y="5102640"/>
+            <a:ext cx="10792080" cy="995760"/>
+          </a:xfrm>
+          <a:prstGeom prst="rect">
+            <a:avLst/>
+          </a:prstGeom>
+        </p:spPr>
+        <p:txBody>
+          <a:bodyPr lIns="0" tIns="0" rIns="0" bIns="0" anchor="ctr"/>
+          <a:lstStyle/>
+          <a:p>
+            <a:pPr algn="ctr"/>
+            <a:endParaRPr lang="en-US" sz="3200" b="0" strike="noStrike" spc="-1">
+              <a:latin typeface="Noto Sans CJK JP"/>
+            </a:endParaRPr>
+          </a:p>
+        </p:txBody>
+      </p:sp>
+    </p:spTree>
+  </p:cSld>
+  <p:clrMapOvr>
+    <a:masterClrMapping/>
+  </p:clrMapOvr>
+</p:sldLayout>
+</file>
+
+<file path=ppt/slideLayouts/slideLayout16.xml><?xml version="1.0" encoding="utf-8"?>
+<p:sldLayout xmlns:a="http://schemas.openxmlformats.org/drawingml/2006/main" xmlns:r="http://schemas.openxmlformats.org/officeDocument/2006/relationships" xmlns:p="http://schemas.openxmlformats.org/presentationml/2006/main" type="obj" preserve="1">
+  <p:cSld name="Title, Content">
+    <p:spTree>
+      <p:nvGrpSpPr>
+        <p:cNvPr id="1" name=""/>
+        <p:cNvGrpSpPr/>
+        <p:nvPr/>
+      </p:nvGrpSpPr>
+      <p:grpSpPr>
+        <a:xfrm>
+          <a:off x="0" y="0"/>
+          <a:ext cx="0" cy="0"/>
+          <a:chOff x="0" y="0"/>
+          <a:chExt cx="0" cy="0"/>
+        </a:xfrm>
+      </p:grpSpPr>
+      <p:sp>
+        <p:nvSpPr>
+          <p:cNvPr id="50" name="PlaceHolder 1"/>
+          <p:cNvSpPr>
+            <a:spLocks noGrp="1"/>
+          </p:cNvSpPr>
+          <p:nvPr>
+            <p:ph type="title"/>
+          </p:nvPr>
+        </p:nvSpPr>
+        <p:spPr>
+          <a:xfrm>
+            <a:off x="609480" y="273600"/>
+            <a:ext cx="10972440" cy="1144800"/>
+          </a:xfrm>
+          <a:prstGeom prst="rect">
+            <a:avLst/>
+          </a:prstGeom>
+        </p:spPr>
+        <p:txBody>
+          <a:bodyPr lIns="0" tIns="0" rIns="0" bIns="0" anchor="ctr"/>
+          <a:lstStyle/>
+          <a:p>
+            <a:endParaRPr lang="ko-KR" sz="1800" b="0" strike="noStrike" spc="-1">
+              <a:solidFill>
+                <a:srgbClr val="000000"/>
+              </a:solidFill>
+              <a:latin typeface="Calibri"/>
+            </a:endParaRPr>
+          </a:p>
+        </p:txBody>
+      </p:sp>
+      <p:sp>
+        <p:nvSpPr>
+          <p:cNvPr id="51" name="PlaceHolder 2"/>
+          <p:cNvSpPr>
+            <a:spLocks noGrp="1"/>
+          </p:cNvSpPr>
+          <p:nvPr>
+            <p:ph type="body"/>
+          </p:nvPr>
+        </p:nvSpPr>
+        <p:spPr>
+          <a:xfrm>
+            <a:off x="511560" y="5102640"/>
+            <a:ext cx="10792080" cy="995760"/>
+          </a:xfrm>
+          <a:prstGeom prst="rect">
+            <a:avLst/>
+          </a:prstGeom>
+        </p:spPr>
+        <p:txBody>
+          <a:bodyPr lIns="0" tIns="0" rIns="0" bIns="0">
+            <a:normAutofit/>
+          </a:bodyPr>
+          <a:lstStyle/>
+          <a:p>
+            <a:endParaRPr lang="ko-KR" sz="2800" b="0" strike="noStrike" spc="-1">
+              <a:solidFill>
+                <a:srgbClr val="000000"/>
+              </a:solidFill>
+              <a:latin typeface="Calibri"/>
+            </a:endParaRPr>
+          </a:p>
+        </p:txBody>
+      </p:sp>
+    </p:spTree>
+  </p:cSld>
+  <p:clrMapOvr>
+    <a:masterClrMapping/>
+  </p:clrMapOvr>
+</p:sldLayout>
+</file>
+
+<file path=ppt/slideLayouts/slideLayout17.xml><?xml version="1.0" encoding="utf-8"?>
+<p:sldLayout xmlns:a="http://schemas.openxmlformats.org/drawingml/2006/main" xmlns:r="http://schemas.openxmlformats.org/officeDocument/2006/relationships" xmlns:p="http://schemas.openxmlformats.org/presentationml/2006/main" type="twoObj" preserve="1">
+  <p:cSld name="Title, 2 Content">
+    <p:spTree>
+      <p:nvGrpSpPr>
+        <p:cNvPr id="1" name=""/>
+        <p:cNvGrpSpPr/>
+        <p:nvPr/>
+      </p:nvGrpSpPr>
+      <p:grpSpPr>
+        <a:xfrm>
+          <a:off x="0" y="0"/>
+          <a:ext cx="0" cy="0"/>
+          <a:chOff x="0" y="0"/>
+          <a:chExt cx="0" cy="0"/>
+        </a:xfrm>
+      </p:grpSpPr>
+      <p:sp>
+        <p:nvSpPr>
+          <p:cNvPr id="52" name="PlaceHolder 1"/>
+          <p:cNvSpPr>
+            <a:spLocks noGrp="1"/>
+          </p:cNvSpPr>
+          <p:nvPr>
+            <p:ph type="title"/>
+          </p:nvPr>
+        </p:nvSpPr>
+        <p:spPr>
+          <a:xfrm>
+            <a:off x="609480" y="273600"/>
+            <a:ext cx="10972440" cy="1144800"/>
+          </a:xfrm>
+          <a:prstGeom prst="rect">
+            <a:avLst/>
+          </a:prstGeom>
+        </p:spPr>
+        <p:txBody>
+          <a:bodyPr lIns="0" tIns="0" rIns="0" bIns="0" anchor="ctr"/>
+          <a:lstStyle/>
+          <a:p>
+            <a:endParaRPr lang="ko-KR" sz="1800" b="0" strike="noStrike" spc="-1">
+              <a:solidFill>
+                <a:srgbClr val="000000"/>
+              </a:solidFill>
+              <a:latin typeface="Calibri"/>
+            </a:endParaRPr>
+          </a:p>
+        </p:txBody>
+      </p:sp>
+      <p:sp>
+        <p:nvSpPr>
+          <p:cNvPr id="53" name="PlaceHolder 2"/>
+          <p:cNvSpPr>
+            <a:spLocks noGrp="1"/>
+          </p:cNvSpPr>
+          <p:nvPr>
+            <p:ph type="body"/>
+          </p:nvPr>
+        </p:nvSpPr>
+        <p:spPr>
+          <a:xfrm>
+            <a:off x="511560" y="5102640"/>
+            <a:ext cx="5266440" cy="995760"/>
+          </a:xfrm>
+          <a:prstGeom prst="rect">
+            <a:avLst/>
+          </a:prstGeom>
+        </p:spPr>
+        <p:txBody>
+          <a:bodyPr lIns="0" tIns="0" rIns="0" bIns="0">
+            <a:normAutofit/>
+          </a:bodyPr>
+          <a:lstStyle/>
+          <a:p>
+            <a:endParaRPr lang="ko-KR" sz="2800" b="0" strike="noStrike" spc="-1">
+              <a:solidFill>
+                <a:srgbClr val="000000"/>
+              </a:solidFill>
+              <a:latin typeface="Calibri"/>
+            </a:endParaRPr>
+          </a:p>
+        </p:txBody>
+      </p:sp>
+      <p:sp>
+        <p:nvSpPr>
+          <p:cNvPr id="54" name="PlaceHolder 3"/>
+          <p:cNvSpPr>
+            <a:spLocks noGrp="1"/>
+          </p:cNvSpPr>
+          <p:nvPr>
+            <p:ph type="body"/>
+          </p:nvPr>
+        </p:nvSpPr>
+        <p:spPr>
+          <a:xfrm>
+            <a:off x="6041880" y="5102640"/>
+            <a:ext cx="5266440" cy="995760"/>
+          </a:xfrm>
+          <a:prstGeom prst="rect">
+            <a:avLst/>
+          </a:prstGeom>
+        </p:spPr>
+        <p:txBody>
+          <a:bodyPr lIns="0" tIns="0" rIns="0" bIns="0">
+            <a:normAutofit/>
+          </a:bodyPr>
+          <a:lstStyle/>
+          <a:p>
+            <a:endParaRPr lang="ko-KR" sz="2800" b="0" strike="noStrike" spc="-1">
+              <a:solidFill>
+                <a:srgbClr val="000000"/>
+              </a:solidFill>
+              <a:latin typeface="Calibri"/>
+            </a:endParaRPr>
+          </a:p>
+        </p:txBody>
+      </p:sp>
+    </p:spTree>
+  </p:cSld>
+  <p:clrMapOvr>
+    <a:masterClrMapping/>
+  </p:clrMapOvr>
+</p:sldLayout>
+</file>
+
+<file path=ppt/slideLayouts/slideLayout18.xml><?xml version="1.0" encoding="utf-8"?>
+<p:sldLayout xmlns:a="http://schemas.openxmlformats.org/drawingml/2006/main" xmlns:r="http://schemas.openxmlformats.org/officeDocument/2006/relationships" xmlns:p="http://schemas.openxmlformats.org/presentationml/2006/main" type="titleOnly" preserve="1">
+  <p:cSld name="Title Only">
+    <p:spTree>
+      <p:nvGrpSpPr>
+        <p:cNvPr id="1" name=""/>
+        <p:cNvGrpSpPr/>
+        <p:nvPr/>
+      </p:nvGrpSpPr>
+      <p:grpSpPr>
+        <a:xfrm>
+          <a:off x="0" y="0"/>
+          <a:ext cx="0" cy="0"/>
+          <a:chOff x="0" y="0"/>
+          <a:chExt cx="0" cy="0"/>
+        </a:xfrm>
+      </p:grpSpPr>
+      <p:sp>
+        <p:nvSpPr>
+          <p:cNvPr id="55" name="PlaceHolder 1"/>
+          <p:cNvSpPr>
+            <a:spLocks noGrp="1"/>
+          </p:cNvSpPr>
+          <p:nvPr>
+            <p:ph type="title"/>
+          </p:nvPr>
+        </p:nvSpPr>
+        <p:spPr>
+          <a:xfrm>
+            <a:off x="609480" y="273600"/>
+            <a:ext cx="10972440" cy="1144800"/>
+          </a:xfrm>
+          <a:prstGeom prst="rect">
+            <a:avLst/>
+          </a:prstGeom>
+        </p:spPr>
+        <p:txBody>
+          <a:bodyPr lIns="0" tIns="0" rIns="0" bIns="0" anchor="ctr"/>
+          <a:lstStyle/>
+          <a:p>
+            <a:endParaRPr lang="ko-KR" sz="1800" b="0" strike="noStrike" spc="-1">
+              <a:solidFill>
+                <a:srgbClr val="000000"/>
+              </a:solidFill>
+              <a:latin typeface="Calibri"/>
+            </a:endParaRPr>
+          </a:p>
+        </p:txBody>
+      </p:sp>
+    </p:spTree>
+  </p:cSld>
+  <p:clrMapOvr>
+    <a:masterClrMapping/>
+  </p:clrMapOvr>
+</p:sldLayout>
+</file>
+
+<file path=ppt/slideLayouts/slideLayout19.xml><?xml version="1.0" encoding="utf-8"?>
+<p:sldLayout xmlns:a="http://schemas.openxmlformats.org/drawingml/2006/main" xmlns:r="http://schemas.openxmlformats.org/officeDocument/2006/relationships" xmlns:p="http://schemas.openxmlformats.org/presentationml/2006/main" type="objOnly" preserve="1">
+  <p:cSld name="Centered Text">
+    <p:spTree>
+      <p:nvGrpSpPr>
+        <p:cNvPr id="1" name=""/>
+        <p:cNvGrpSpPr/>
+        <p:nvPr/>
+      </p:nvGrpSpPr>
+      <p:grpSpPr>
+        <a:xfrm>
+          <a:off x="0" y="0"/>
+          <a:ext cx="0" cy="0"/>
+          <a:chOff x="0" y="0"/>
+          <a:chExt cx="0" cy="0"/>
+        </a:xfrm>
+      </p:grpSpPr>
+      <p:sp>
+        <p:nvSpPr>
+          <p:cNvPr id="56" name="PlaceHolder 1"/>
+          <p:cNvSpPr>
+            <a:spLocks noGrp="1"/>
+          </p:cNvSpPr>
+          <p:nvPr>
+            <p:ph type="subTitle"/>
+          </p:nvPr>
+        </p:nvSpPr>
+        <p:spPr>
+          <a:xfrm>
+            <a:off x="609480" y="273600"/>
+            <a:ext cx="10972440" cy="5307840"/>
+          </a:xfrm>
+          <a:prstGeom prst="rect">
+            <a:avLst/>
+          </a:prstGeom>
+        </p:spPr>
+        <p:txBody>
+          <a:bodyPr lIns="0" tIns="0" rIns="0" bIns="0" anchor="ctr"/>
+          <a:lstStyle/>
+          <a:p>
+            <a:pPr algn="ctr"/>
+            <a:endParaRPr lang="en-US" sz="3200" b="0" strike="noStrike" spc="-1">
+              <a:latin typeface="Noto Sans CJK JP"/>
+            </a:endParaRPr>
+          </a:p>
+        </p:txBody>
+      </p:sp>
+    </p:spTree>
+  </p:cSld>
+  <p:clrMapOvr>
+    <a:masterClrMapping/>
+  </p:clrMapOvr>
+</p:sldLayout>
+</file>
+
+<file path=ppt/slideLayouts/slideLayout2.xml><?xml version="1.0" encoding="utf-8"?>
+<p:sldLayout xmlns:a="http://schemas.openxmlformats.org/drawingml/2006/main" xmlns:r="http://schemas.openxmlformats.org/officeDocument/2006/relationships" xmlns:p="http://schemas.openxmlformats.org/presentationml/2006/main" type="tx" preserve="1">
+  <p:cSld name="Title Slide">
+    <p:spTree>
+      <p:nvGrpSpPr>
+        <p:cNvPr id="1" name=""/>
+        <p:cNvGrpSpPr/>
+        <p:nvPr/>
+      </p:nvGrpSpPr>
+      <p:grpSpPr>
+        <a:xfrm>
+          <a:off x="0" y="0"/>
+          <a:ext cx="0" cy="0"/>
+          <a:chOff x="0" y="0"/>
+          <a:chExt cx="0" cy="0"/>
+        </a:xfrm>
+      </p:grpSpPr>
+      <p:sp>
+        <p:nvSpPr>
+          <p:cNvPr id="6" name="PlaceHolder 1"/>
+          <p:cNvSpPr>
+            <a:spLocks noGrp="1"/>
+          </p:cNvSpPr>
+          <p:nvPr>
+            <p:ph type="title"/>
+          </p:nvPr>
+        </p:nvSpPr>
+        <p:spPr>
+          <a:xfrm>
+            <a:off x="609480" y="273600"/>
+            <a:ext cx="10972440" cy="1144800"/>
+          </a:xfrm>
+          <a:prstGeom prst="rect">
+            <a:avLst/>
+          </a:prstGeom>
+        </p:spPr>
+        <p:txBody>
+          <a:bodyPr lIns="0" tIns="0" rIns="0" bIns="0" anchor="ctr"/>
+          <a:lstStyle/>
+          <a:p>
+            <a:endParaRPr lang="ko-KR" sz="1800" b="0" strike="noStrike" spc="-1">
+              <a:solidFill>
+                <a:srgbClr val="000000"/>
+              </a:solidFill>
+              <a:latin typeface="Calibri"/>
+            </a:endParaRPr>
+          </a:p>
+        </p:txBody>
+      </p:sp>
+      <p:sp>
+        <p:nvSpPr>
+          <p:cNvPr id="7" name="PlaceHolder 2"/>
+          <p:cNvSpPr>
+            <a:spLocks noGrp="1"/>
+          </p:cNvSpPr>
+          <p:nvPr>
+            <p:ph type="subTitle"/>
+          </p:nvPr>
+        </p:nvSpPr>
+        <p:spPr>
+          <a:xfrm>
+            <a:off x="511560" y="5102640"/>
+            <a:ext cx="10792080" cy="995760"/>
+          </a:xfrm>
+          <a:prstGeom prst="rect">
+            <a:avLst/>
+          </a:prstGeom>
+        </p:spPr>
+        <p:txBody>
+          <a:bodyPr lIns="0" tIns="0" rIns="0" bIns="0" anchor="ctr"/>
+          <a:lstStyle/>
+          <a:p>
+            <a:pPr algn="ctr"/>
+            <a:endParaRPr lang="en-US" sz="3200" b="0" strike="noStrike" spc="-1">
+              <a:latin typeface="Noto Sans CJK JP"/>
+            </a:endParaRPr>
+          </a:p>
+        </p:txBody>
+      </p:sp>
+    </p:spTree>
+  </p:cSld>
+  <p:clrMapOvr>
+    <a:masterClrMapping/>
+  </p:clrMapOvr>
+</p:sldLayout>
+</file>
+
+<file path=ppt/slideLayouts/slideLayout20.xml><?xml version="1.0" encoding="utf-8"?>
+<p:sldLayout xmlns:a="http://schemas.openxmlformats.org/drawingml/2006/main" xmlns:r="http://schemas.openxmlformats.org/officeDocument/2006/relationships" xmlns:p="http://schemas.openxmlformats.org/presentationml/2006/main" type="twoObjAndObj" preserve="1">
+  <p:cSld name="Title, 2 Content and Content">
+    <p:spTree>
+      <p:nvGrpSpPr>
+        <p:cNvPr id="1" name=""/>
+        <p:cNvGrpSpPr/>
+        <p:nvPr/>
+      </p:nvGrpSpPr>
+      <p:grpSpPr>
+        <a:xfrm>
+          <a:off x="0" y="0"/>
+          <a:ext cx="0" cy="0"/>
+          <a:chOff x="0" y="0"/>
+          <a:chExt cx="0" cy="0"/>
+        </a:xfrm>
+      </p:grpSpPr>
+      <p:sp>
+        <p:nvSpPr>
+          <p:cNvPr id="57" name="PlaceHolder 1"/>
+          <p:cNvSpPr>
+            <a:spLocks noGrp="1"/>
+          </p:cNvSpPr>
+          <p:nvPr>
+            <p:ph type="title"/>
+          </p:nvPr>
+        </p:nvSpPr>
+        <p:spPr>
+          <a:xfrm>
+            <a:off x="609480" y="273600"/>
+            <a:ext cx="10972440" cy="1144800"/>
+          </a:xfrm>
+          <a:prstGeom prst="rect">
+            <a:avLst/>
+          </a:prstGeom>
+        </p:spPr>
+        <p:txBody>
+          <a:bodyPr lIns="0" tIns="0" rIns="0" bIns="0" anchor="ctr"/>
+          <a:lstStyle/>
+          <a:p>
+            <a:endParaRPr lang="ko-KR" sz="1800" b="0" strike="noStrike" spc="-1">
+              <a:solidFill>
+                <a:srgbClr val="000000"/>
+              </a:solidFill>
+              <a:latin typeface="Calibri"/>
+            </a:endParaRPr>
+          </a:p>
+        </p:txBody>
+      </p:sp>
+      <p:sp>
+        <p:nvSpPr>
+          <p:cNvPr id="58" name="PlaceHolder 2"/>
+          <p:cNvSpPr>
+            <a:spLocks noGrp="1"/>
+          </p:cNvSpPr>
+          <p:nvPr>
+            <p:ph type="body"/>
+          </p:nvPr>
+        </p:nvSpPr>
+        <p:spPr>
+          <a:xfrm>
+            <a:off x="511560" y="5102640"/>
+            <a:ext cx="5266440" cy="474840"/>
+          </a:xfrm>
+          <a:prstGeom prst="rect">
+            <a:avLst/>
+          </a:prstGeom>
+        </p:spPr>
+        <p:txBody>
+          <a:bodyPr lIns="0" tIns="0" rIns="0" bIns="0">
+            <a:normAutofit/>
+          </a:bodyPr>
+          <a:lstStyle/>
+          <a:p>
+            <a:endParaRPr lang="ko-KR" sz="2800" b="0" strike="noStrike" spc="-1">
+              <a:solidFill>
+                <a:srgbClr val="000000"/>
+              </a:solidFill>
+              <a:latin typeface="Calibri"/>
+            </a:endParaRPr>
+          </a:p>
+        </p:txBody>
+      </p:sp>
+      <p:sp>
+        <p:nvSpPr>
+          <p:cNvPr id="59" name="PlaceHolder 3"/>
+          <p:cNvSpPr>
+            <a:spLocks noGrp="1"/>
+          </p:cNvSpPr>
+          <p:nvPr>
+            <p:ph type="body"/>
+          </p:nvPr>
+        </p:nvSpPr>
+        <p:spPr>
+          <a:xfrm>
+            <a:off x="6041880" y="5102640"/>
+            <a:ext cx="5266440" cy="995760"/>
+          </a:xfrm>
+          <a:prstGeom prst="rect">
+            <a:avLst/>
+          </a:prstGeom>
+        </p:spPr>
+        <p:txBody>
+          <a:bodyPr lIns="0" tIns="0" rIns="0" bIns="0">
+            <a:normAutofit/>
+          </a:bodyPr>
+          <a:lstStyle/>
+          <a:p>
+            <a:endParaRPr lang="ko-KR" sz="2800" b="0" strike="noStrike" spc="-1">
+              <a:solidFill>
+                <a:srgbClr val="000000"/>
+              </a:solidFill>
+              <a:latin typeface="Calibri"/>
+            </a:endParaRPr>
+          </a:p>
+        </p:txBody>
+      </p:sp>
+      <p:sp>
+        <p:nvSpPr>
+          <p:cNvPr id="60" name="PlaceHolder 4"/>
+          <p:cNvSpPr>
+            <a:spLocks noGrp="1"/>
+          </p:cNvSpPr>
+          <p:nvPr>
+            <p:ph type="body"/>
+          </p:nvPr>
+        </p:nvSpPr>
+        <p:spPr>
+          <a:xfrm>
+            <a:off x="511560" y="5622840"/>
+            <a:ext cx="5266440" cy="474840"/>
+          </a:xfrm>
+          <a:prstGeom prst="rect">
+            <a:avLst/>
+          </a:prstGeom>
+        </p:spPr>
+        <p:txBody>
+          <a:bodyPr lIns="0" tIns="0" rIns="0" bIns="0">
+            <a:normAutofit/>
+          </a:bodyPr>
+          <a:lstStyle/>
+          <a:p>
+            <a:endParaRPr lang="ko-KR" sz="2800" b="0" strike="noStrike" spc="-1">
+              <a:solidFill>
+                <a:srgbClr val="000000"/>
+              </a:solidFill>
+              <a:latin typeface="Calibri"/>
+            </a:endParaRPr>
+          </a:p>
+        </p:txBody>
+      </p:sp>
+    </p:spTree>
+  </p:cSld>
+  <p:clrMapOvr>
+    <a:masterClrMapping/>
+  </p:clrMapOvr>
+</p:sldLayout>
+</file>
+
+<file path=ppt/slideLayouts/slideLayout21.xml><?xml version="1.0" encoding="utf-8"?>
+<p:sldLayout xmlns:a="http://schemas.openxmlformats.org/drawingml/2006/main" xmlns:r="http://schemas.openxmlformats.org/officeDocument/2006/relationships" xmlns:p="http://schemas.openxmlformats.org/presentationml/2006/main" type="objAndTwoObj" preserve="1">
+  <p:cSld name="Title Content and 2 Content">
+    <p:spTree>
+      <p:nvGrpSpPr>
+        <p:cNvPr id="1" name=""/>
+        <p:cNvGrpSpPr/>
+        <p:nvPr/>
+      </p:nvGrpSpPr>
+      <p:grpSpPr>
+        <a:xfrm>
+          <a:off x="0" y="0"/>
+          <a:ext cx="0" cy="0"/>
+          <a:chOff x="0" y="0"/>
+          <a:chExt cx="0" cy="0"/>
+        </a:xfrm>
+      </p:grpSpPr>
+      <p:sp>
+        <p:nvSpPr>
+          <p:cNvPr id="61" name="PlaceHolder 1"/>
+          <p:cNvSpPr>
+            <a:spLocks noGrp="1"/>
+          </p:cNvSpPr>
+          <p:nvPr>
+            <p:ph type="title"/>
+          </p:nvPr>
+        </p:nvSpPr>
+        <p:spPr>
+          <a:xfrm>
+            <a:off x="609480" y="273600"/>
+            <a:ext cx="10972440" cy="1144800"/>
+          </a:xfrm>
+          <a:prstGeom prst="rect">
+            <a:avLst/>
+          </a:prstGeom>
+        </p:spPr>
+        <p:txBody>
+          <a:bodyPr lIns="0" tIns="0" rIns="0" bIns="0" anchor="ctr"/>
+          <a:lstStyle/>
+          <a:p>
+            <a:endParaRPr lang="ko-KR" sz="1800" b="0" strike="noStrike" spc="-1">
+              <a:solidFill>
+                <a:srgbClr val="000000"/>
+              </a:solidFill>
+              <a:latin typeface="Calibri"/>
+            </a:endParaRPr>
+          </a:p>
+        </p:txBody>
+      </p:sp>
+      <p:sp>
+        <p:nvSpPr>
+          <p:cNvPr id="62" name="PlaceHolder 2"/>
+          <p:cNvSpPr>
+            <a:spLocks noGrp="1"/>
+          </p:cNvSpPr>
+          <p:nvPr>
+            <p:ph type="body"/>
+          </p:nvPr>
+        </p:nvSpPr>
+        <p:spPr>
+          <a:xfrm>
+            <a:off x="511560" y="5102640"/>
+            <a:ext cx="5266440" cy="995760"/>
+          </a:xfrm>
+          <a:prstGeom prst="rect">
+            <a:avLst/>
+          </a:prstGeom>
+        </p:spPr>
+        <p:txBody>
+          <a:bodyPr lIns="0" tIns="0" rIns="0" bIns="0">
+            <a:normAutofit/>
+          </a:bodyPr>
+          <a:lstStyle/>
+          <a:p>
+            <a:endParaRPr lang="ko-KR" sz="2800" b="0" strike="noStrike" spc="-1">
+              <a:solidFill>
+                <a:srgbClr val="000000"/>
+              </a:solidFill>
+              <a:latin typeface="Calibri"/>
+            </a:endParaRPr>
+          </a:p>
+        </p:txBody>
+      </p:sp>
+      <p:sp>
+        <p:nvSpPr>
+          <p:cNvPr id="63" name="PlaceHolder 3"/>
+          <p:cNvSpPr>
+            <a:spLocks noGrp="1"/>
+          </p:cNvSpPr>
+          <p:nvPr>
+            <p:ph type="body"/>
+          </p:nvPr>
+        </p:nvSpPr>
+        <p:spPr>
+          <a:xfrm>
+            <a:off x="6041880" y="5102640"/>
+            <a:ext cx="5266440" cy="474840"/>
+          </a:xfrm>
+          <a:prstGeom prst="rect">
+            <a:avLst/>
+          </a:prstGeom>
+        </p:spPr>
+        <p:txBody>
+          <a:bodyPr lIns="0" tIns="0" rIns="0" bIns="0">
+            <a:normAutofit/>
+          </a:bodyPr>
+          <a:lstStyle/>
+          <a:p>
+            <a:endParaRPr lang="ko-KR" sz="2800" b="0" strike="noStrike" spc="-1">
+              <a:solidFill>
+                <a:srgbClr val="000000"/>
+              </a:solidFill>
+              <a:latin typeface="Calibri"/>
+            </a:endParaRPr>
+          </a:p>
+        </p:txBody>
+      </p:sp>
+      <p:sp>
+        <p:nvSpPr>
+          <p:cNvPr id="64" name="PlaceHolder 4"/>
+          <p:cNvSpPr>
+            <a:spLocks noGrp="1"/>
+          </p:cNvSpPr>
+          <p:nvPr>
+            <p:ph type="body"/>
+          </p:nvPr>
+        </p:nvSpPr>
+        <p:spPr>
+          <a:xfrm>
+            <a:off x="6041880" y="5622840"/>
+            <a:ext cx="5266440" cy="474840"/>
+          </a:xfrm>
+          <a:prstGeom prst="rect">
+            <a:avLst/>
+          </a:prstGeom>
+        </p:spPr>
+        <p:txBody>
+          <a:bodyPr lIns="0" tIns="0" rIns="0" bIns="0">
+            <a:normAutofit/>
+          </a:bodyPr>
+          <a:lstStyle/>
+          <a:p>
+            <a:endParaRPr lang="ko-KR" sz="2800" b="0" strike="noStrike" spc="-1">
+              <a:solidFill>
+                <a:srgbClr val="000000"/>
+              </a:solidFill>
+              <a:latin typeface="Calibri"/>
+            </a:endParaRPr>
+          </a:p>
+        </p:txBody>
+      </p:sp>
+    </p:spTree>
+  </p:cSld>
+  <p:clrMapOvr>
+    <a:masterClrMapping/>
+  </p:clrMapOvr>
+</p:sldLayout>
+</file>
+
+<file path=ppt/slideLayouts/slideLayout22.xml><?xml version="1.0" encoding="utf-8"?>
+<p:sldLayout xmlns:a="http://schemas.openxmlformats.org/drawingml/2006/main" xmlns:r="http://schemas.openxmlformats.org/officeDocument/2006/relationships" xmlns:p="http://schemas.openxmlformats.org/presentationml/2006/main" type="twoObjOverTx" preserve="1">
+  <p:cSld name="Title, 2 Content over Content">
+    <p:spTree>
+      <p:nvGrpSpPr>
+        <p:cNvPr id="1" name=""/>
+        <p:cNvGrpSpPr/>
+        <p:nvPr/>
+      </p:nvGrpSpPr>
+      <p:grpSpPr>
+        <a:xfrm>
+          <a:off x="0" y="0"/>
+          <a:ext cx="0" cy="0"/>
+          <a:chOff x="0" y="0"/>
+          <a:chExt cx="0" cy="0"/>
+        </a:xfrm>
+      </p:grpSpPr>
+      <p:sp>
+        <p:nvSpPr>
+          <p:cNvPr id="65" name="PlaceHolder 1"/>
+          <p:cNvSpPr>
+            <a:spLocks noGrp="1"/>
+          </p:cNvSpPr>
+          <p:nvPr>
+            <p:ph type="title"/>
+          </p:nvPr>
+        </p:nvSpPr>
+        <p:spPr>
+          <a:xfrm>
+            <a:off x="609480" y="273600"/>
+            <a:ext cx="10972440" cy="1144800"/>
+          </a:xfrm>
+          <a:prstGeom prst="rect">
+            <a:avLst/>
+          </a:prstGeom>
+        </p:spPr>
+        <p:txBody>
+          <a:bodyPr lIns="0" tIns="0" rIns="0" bIns="0" anchor="ctr"/>
+          <a:lstStyle/>
+          <a:p>
+            <a:endParaRPr lang="ko-KR" sz="1800" b="0" strike="noStrike" spc="-1">
+              <a:solidFill>
+                <a:srgbClr val="000000"/>
+              </a:solidFill>
+              <a:latin typeface="Calibri"/>
+            </a:endParaRPr>
+          </a:p>
+        </p:txBody>
+      </p:sp>
+      <p:sp>
+        <p:nvSpPr>
+          <p:cNvPr id="66" name="PlaceHolder 2"/>
+          <p:cNvSpPr>
+            <a:spLocks noGrp="1"/>
+          </p:cNvSpPr>
+          <p:nvPr>
+            <p:ph type="body"/>
+          </p:nvPr>
+        </p:nvSpPr>
+        <p:spPr>
+          <a:xfrm>
+            <a:off x="511560" y="5102640"/>
+            <a:ext cx="5266440" cy="474840"/>
+          </a:xfrm>
+          <a:prstGeom prst="rect">
+            <a:avLst/>
+          </a:prstGeom>
+        </p:spPr>
+        <p:txBody>
+          <a:bodyPr lIns="0" tIns="0" rIns="0" bIns="0">
+            <a:normAutofit/>
+          </a:bodyPr>
+          <a:lstStyle/>
+          <a:p>
+            <a:endParaRPr lang="ko-KR" sz="2800" b="0" strike="noStrike" spc="-1">
+              <a:solidFill>
+                <a:srgbClr val="000000"/>
+              </a:solidFill>
+              <a:latin typeface="Calibri"/>
+            </a:endParaRPr>
+          </a:p>
+        </p:txBody>
+      </p:sp>
+      <p:sp>
+        <p:nvSpPr>
+          <p:cNvPr id="67" name="PlaceHolder 3"/>
+          <p:cNvSpPr>
+            <a:spLocks noGrp="1"/>
+          </p:cNvSpPr>
+          <p:nvPr>
+            <p:ph type="body"/>
+          </p:nvPr>
+        </p:nvSpPr>
+        <p:spPr>
+          <a:xfrm>
+            <a:off x="6041880" y="5102640"/>
+            <a:ext cx="5266440" cy="474840"/>
+          </a:xfrm>
+          <a:prstGeom prst="rect">
+            <a:avLst/>
+          </a:prstGeom>
+        </p:spPr>
+        <p:txBody>
+          <a:bodyPr lIns="0" tIns="0" rIns="0" bIns="0">
+            <a:normAutofit/>
+          </a:bodyPr>
+          <a:lstStyle/>
+          <a:p>
+            <a:endParaRPr lang="ko-KR" sz="2800" b="0" strike="noStrike" spc="-1">
+              <a:solidFill>
+                <a:srgbClr val="000000"/>
+              </a:solidFill>
+              <a:latin typeface="Calibri"/>
+            </a:endParaRPr>
+          </a:p>
+        </p:txBody>
+      </p:sp>
+      <p:sp>
+        <p:nvSpPr>
+          <p:cNvPr id="68" name="PlaceHolder 4"/>
+          <p:cNvSpPr>
+            <a:spLocks noGrp="1"/>
+          </p:cNvSpPr>
+          <p:nvPr>
+            <p:ph type="body"/>
+          </p:nvPr>
+        </p:nvSpPr>
+        <p:spPr>
+          <a:xfrm>
+            <a:off x="511560" y="5622840"/>
+            <a:ext cx="10792080" cy="474840"/>
+          </a:xfrm>
+          <a:prstGeom prst="rect">
+            <a:avLst/>
+          </a:prstGeom>
+        </p:spPr>
+        <p:txBody>
+          <a:bodyPr lIns="0" tIns="0" rIns="0" bIns="0">
+            <a:normAutofit/>
+          </a:bodyPr>
+          <a:lstStyle/>
+          <a:p>
+            <a:endParaRPr lang="ko-KR" sz="2800" b="0" strike="noStrike" spc="-1">
+              <a:solidFill>
+                <a:srgbClr val="000000"/>
+              </a:solidFill>
+              <a:latin typeface="Calibri"/>
+            </a:endParaRPr>
+          </a:p>
+        </p:txBody>
+      </p:sp>
+    </p:spTree>
+  </p:cSld>
+  <p:clrMapOvr>
+    <a:masterClrMapping/>
+  </p:clrMapOvr>
+</p:sldLayout>
+</file>
+
+<file path=ppt/slideLayouts/slideLayout23.xml><?xml version="1.0" encoding="utf-8"?>
+<p:sldLayout xmlns:a="http://schemas.openxmlformats.org/drawingml/2006/main" xmlns:r="http://schemas.openxmlformats.org/officeDocument/2006/relationships" xmlns:p="http://schemas.openxmlformats.org/presentationml/2006/main" type="objOverTx" preserve="1">
+  <p:cSld name="Title, Content over Content">
+    <p:spTree>
+      <p:nvGrpSpPr>
+        <p:cNvPr id="1" name=""/>
+        <p:cNvGrpSpPr/>
+        <p:nvPr/>
+      </p:nvGrpSpPr>
+      <p:grpSpPr>
+        <a:xfrm>
+          <a:off x="0" y="0"/>
+          <a:ext cx="0" cy="0"/>
+          <a:chOff x="0" y="0"/>
+          <a:chExt cx="0" cy="0"/>
+        </a:xfrm>
+      </p:grpSpPr>
+      <p:sp>
+        <p:nvSpPr>
+          <p:cNvPr id="69" name="PlaceHolder 1"/>
+          <p:cNvSpPr>
+            <a:spLocks noGrp="1"/>
+          </p:cNvSpPr>
+          <p:nvPr>
+            <p:ph type="title"/>
+          </p:nvPr>
+        </p:nvSpPr>
+        <p:spPr>
+          <a:xfrm>
+            <a:off x="609480" y="273600"/>
+            <a:ext cx="10972440" cy="1144800"/>
+          </a:xfrm>
+          <a:prstGeom prst="rect">
+            <a:avLst/>
+          </a:prstGeom>
+        </p:spPr>
+        <p:txBody>
+          <a:bodyPr lIns="0" tIns="0" rIns="0" bIns="0" anchor="ctr"/>
+          <a:lstStyle/>
+          <a:p>
+            <a:endParaRPr lang="ko-KR" sz="1800" b="0" strike="noStrike" spc="-1">
+              <a:solidFill>
+                <a:srgbClr val="000000"/>
+              </a:solidFill>
+              <a:latin typeface="Calibri"/>
+            </a:endParaRPr>
+          </a:p>
+        </p:txBody>
+      </p:sp>
+      <p:sp>
+        <p:nvSpPr>
+          <p:cNvPr id="70" name="PlaceHolder 2"/>
+          <p:cNvSpPr>
+            <a:spLocks noGrp="1"/>
+          </p:cNvSpPr>
+          <p:nvPr>
+            <p:ph type="body"/>
+          </p:nvPr>
+        </p:nvSpPr>
+        <p:spPr>
+          <a:xfrm>
+            <a:off x="511560" y="5102640"/>
+            <a:ext cx="10792080" cy="474840"/>
+          </a:xfrm>
+          <a:prstGeom prst="rect">
+            <a:avLst/>
+          </a:prstGeom>
+        </p:spPr>
+        <p:txBody>
+          <a:bodyPr lIns="0" tIns="0" rIns="0" bIns="0">
+            <a:normAutofit/>
+          </a:bodyPr>
+          <a:lstStyle/>
+          <a:p>
+            <a:endParaRPr lang="ko-KR" sz="2800" b="0" strike="noStrike" spc="-1">
+              <a:solidFill>
+                <a:srgbClr val="000000"/>
+              </a:solidFill>
+              <a:latin typeface="Calibri"/>
+            </a:endParaRPr>
+          </a:p>
+        </p:txBody>
+      </p:sp>
+      <p:sp>
+        <p:nvSpPr>
+          <p:cNvPr id="71" name="PlaceHolder 3"/>
+          <p:cNvSpPr>
+            <a:spLocks noGrp="1"/>
+          </p:cNvSpPr>
+          <p:nvPr>
+            <p:ph type="body"/>
+          </p:nvPr>
+        </p:nvSpPr>
+        <p:spPr>
+          <a:xfrm>
+            <a:off x="511560" y="5622840"/>
+            <a:ext cx="10792080" cy="474840"/>
+          </a:xfrm>
+          <a:prstGeom prst="rect">
+            <a:avLst/>
+          </a:prstGeom>
+        </p:spPr>
+        <p:txBody>
+          <a:bodyPr lIns="0" tIns="0" rIns="0" bIns="0">
+            <a:normAutofit/>
+          </a:bodyPr>
+          <a:lstStyle/>
+          <a:p>
+            <a:endParaRPr lang="ko-KR" sz="2800" b="0" strike="noStrike" spc="-1">
+              <a:solidFill>
+                <a:srgbClr val="000000"/>
+              </a:solidFill>
+              <a:latin typeface="Calibri"/>
+            </a:endParaRPr>
+          </a:p>
+        </p:txBody>
+      </p:sp>
+    </p:spTree>
+  </p:cSld>
+  <p:clrMapOvr>
+    <a:masterClrMapping/>
+  </p:clrMapOvr>
+</p:sldLayout>
+</file>
+
+<file path=ppt/slideLayouts/slideLayout24.xml><?xml version="1.0" encoding="utf-8"?>
+<p:sldLayout xmlns:a="http://schemas.openxmlformats.org/drawingml/2006/main" xmlns:r="http://schemas.openxmlformats.org/officeDocument/2006/relationships" xmlns:p="http://schemas.openxmlformats.org/presentationml/2006/main" type="fourObj" preserve="1">
+  <p:cSld name="Title, 4 Content">
+    <p:spTree>
+      <p:nvGrpSpPr>
+        <p:cNvPr id="1" name=""/>
+        <p:cNvGrpSpPr/>
+        <p:nvPr/>
+      </p:nvGrpSpPr>
+      <p:grpSpPr>
+        <a:xfrm>
+          <a:off x="0" y="0"/>
+          <a:ext cx="0" cy="0"/>
+          <a:chOff x="0" y="0"/>
+          <a:chExt cx="0" cy="0"/>
+        </a:xfrm>
+      </p:grpSpPr>
+      <p:sp>
+        <p:nvSpPr>
+          <p:cNvPr id="72" name="PlaceHolder 1"/>
+          <p:cNvSpPr>
+            <a:spLocks noGrp="1"/>
+          </p:cNvSpPr>
+          <p:nvPr>
+            <p:ph type="title"/>
+          </p:nvPr>
+        </p:nvSpPr>
+        <p:spPr>
+          <a:xfrm>
+            <a:off x="609480" y="273600"/>
+            <a:ext cx="10972440" cy="1144800"/>
+          </a:xfrm>
+          <a:prstGeom prst="rect">
+            <a:avLst/>
+          </a:prstGeom>
+        </p:spPr>
+        <p:txBody>
+          <a:bodyPr lIns="0" tIns="0" rIns="0" bIns="0" anchor="ctr"/>
+          <a:lstStyle/>
+          <a:p>
+            <a:endParaRPr lang="ko-KR" sz="1800" b="0" strike="noStrike" spc="-1">
+              <a:solidFill>
+                <a:srgbClr val="000000"/>
+              </a:solidFill>
+              <a:latin typeface="Calibri"/>
+            </a:endParaRPr>
+          </a:p>
+        </p:txBody>
+      </p:sp>
+      <p:sp>
+        <p:nvSpPr>
+          <p:cNvPr id="73" name="PlaceHolder 2"/>
+          <p:cNvSpPr>
+            <a:spLocks noGrp="1"/>
+          </p:cNvSpPr>
+          <p:nvPr>
+            <p:ph type="body"/>
+          </p:nvPr>
+        </p:nvSpPr>
+        <p:spPr>
+          <a:xfrm>
+            <a:off x="511560" y="5102640"/>
+            <a:ext cx="5266440" cy="474840"/>
+          </a:xfrm>
+          <a:prstGeom prst="rect">
+            <a:avLst/>
+          </a:prstGeom>
+        </p:spPr>
+        <p:txBody>
+          <a:bodyPr lIns="0" tIns="0" rIns="0" bIns="0">
+            <a:normAutofit/>
+          </a:bodyPr>
+          <a:lstStyle/>
+          <a:p>
+            <a:endParaRPr lang="ko-KR" sz="2800" b="0" strike="noStrike" spc="-1">
+              <a:solidFill>
+                <a:srgbClr val="000000"/>
+              </a:solidFill>
+              <a:latin typeface="Calibri"/>
+            </a:endParaRPr>
+          </a:p>
+        </p:txBody>
+      </p:sp>
+      <p:sp>
+        <p:nvSpPr>
+          <p:cNvPr id="74" name="PlaceHolder 3"/>
+          <p:cNvSpPr>
+            <a:spLocks noGrp="1"/>
+          </p:cNvSpPr>
+          <p:nvPr>
+            <p:ph type="body"/>
+          </p:nvPr>
+        </p:nvSpPr>
+        <p:spPr>
+          <a:xfrm>
+            <a:off x="6041880" y="5102640"/>
+            <a:ext cx="5266440" cy="474840"/>
+          </a:xfrm>
+          <a:prstGeom prst="rect">
+            <a:avLst/>
+          </a:prstGeom>
+        </p:spPr>
+        <p:txBody>
+          <a:bodyPr lIns="0" tIns="0" rIns="0" bIns="0">
+            <a:normAutofit/>
+          </a:bodyPr>
+          <a:lstStyle/>
+          <a:p>
+            <a:endParaRPr lang="ko-KR" sz="2800" b="0" strike="noStrike" spc="-1">
+              <a:solidFill>
+                <a:srgbClr val="000000"/>
+              </a:solidFill>
+              <a:latin typeface="Calibri"/>
+            </a:endParaRPr>
+          </a:p>
+        </p:txBody>
+      </p:sp>
+      <p:sp>
+        <p:nvSpPr>
+          <p:cNvPr id="75" name="PlaceHolder 4"/>
+          <p:cNvSpPr>
+            <a:spLocks noGrp="1"/>
+          </p:cNvSpPr>
+          <p:nvPr>
+            <p:ph type="body"/>
+          </p:nvPr>
+        </p:nvSpPr>
+        <p:spPr>
+          <a:xfrm>
+            <a:off x="511560" y="5622840"/>
+            <a:ext cx="5266440" cy="474840"/>
+          </a:xfrm>
+          <a:prstGeom prst="rect">
+            <a:avLst/>
+          </a:prstGeom>
+        </p:spPr>
+        <p:txBody>
+          <a:bodyPr lIns="0" tIns="0" rIns="0" bIns="0">
+            <a:normAutofit/>
+          </a:bodyPr>
+          <a:lstStyle/>
+          <a:p>
+            <a:endParaRPr lang="ko-KR" sz="2800" b="0" strike="noStrike" spc="-1">
+              <a:solidFill>
+                <a:srgbClr val="000000"/>
+              </a:solidFill>
+              <a:latin typeface="Calibri"/>
+            </a:endParaRPr>
+          </a:p>
+        </p:txBody>
+      </p:sp>
+      <p:sp>
+        <p:nvSpPr>
+          <p:cNvPr id="76" name="PlaceHolder 5"/>
+          <p:cNvSpPr>
+            <a:spLocks noGrp="1"/>
+          </p:cNvSpPr>
+          <p:nvPr>
+            <p:ph type="body"/>
+          </p:nvPr>
+        </p:nvSpPr>
+        <p:spPr>
+          <a:xfrm>
+            <a:off x="6041880" y="5622840"/>
+            <a:ext cx="5266440" cy="474840"/>
+          </a:xfrm>
+          <a:prstGeom prst="rect">
+            <a:avLst/>
+          </a:prstGeom>
+        </p:spPr>
+        <p:txBody>
+          <a:bodyPr lIns="0" tIns="0" rIns="0" bIns="0">
+            <a:normAutofit/>
+          </a:bodyPr>
+          <a:lstStyle/>
+          <a:p>
+            <a:endParaRPr lang="ko-KR" sz="2800" b="0" strike="noStrike" spc="-1">
+              <a:solidFill>
+                <a:srgbClr val="000000"/>
+              </a:solidFill>
+              <a:latin typeface="Calibri"/>
+            </a:endParaRPr>
+          </a:p>
+        </p:txBody>
+      </p:sp>
+    </p:spTree>
+  </p:cSld>
+  <p:clrMapOvr>
+    <a:masterClrMapping/>
+  </p:clrMapOvr>
+</p:sldLayout>
+</file>
+
+<file path=ppt/slideLayouts/slideLayout25.xml><?xml version="1.0" encoding="utf-8"?>
+<p:sldLayout xmlns:a="http://schemas.openxmlformats.org/drawingml/2006/main" xmlns:r="http://schemas.openxmlformats.org/officeDocument/2006/relationships" xmlns:p="http://schemas.openxmlformats.org/presentationml/2006/main" type="blank" preserve="1">
+  <p:cSld name="Title, 6 Content">
+    <p:spTree>
+      <p:nvGrpSpPr>
+        <p:cNvPr id="1" name=""/>
+        <p:cNvGrpSpPr/>
+        <p:nvPr/>
+      </p:nvGrpSpPr>
+      <p:grpSpPr>
+        <a:xfrm>
+          <a:off x="0" y="0"/>
+          <a:ext cx="0" cy="0"/>
+          <a:chOff x="0" y="0"/>
+          <a:chExt cx="0" cy="0"/>
+        </a:xfrm>
+      </p:grpSpPr>
+      <p:sp>
+        <p:nvSpPr>
+          <p:cNvPr id="77" name="PlaceHolder 1"/>
+          <p:cNvSpPr>
+            <a:spLocks noGrp="1"/>
+          </p:cNvSpPr>
+          <p:nvPr>
+            <p:ph type="title"/>
+          </p:nvPr>
+        </p:nvSpPr>
+        <p:spPr>
+          <a:xfrm>
+            <a:off x="609480" y="273600"/>
+            <a:ext cx="10972440" cy="1144800"/>
+          </a:xfrm>
+          <a:prstGeom prst="rect">
+            <a:avLst/>
+          </a:prstGeom>
+        </p:spPr>
+        <p:txBody>
+          <a:bodyPr lIns="0" tIns="0" rIns="0" bIns="0" anchor="ctr"/>
+          <a:lstStyle/>
+          <a:p>
+            <a:endParaRPr lang="ko-KR" sz="1800" b="0" strike="noStrike" spc="-1">
+              <a:solidFill>
+                <a:srgbClr val="000000"/>
+              </a:solidFill>
+              <a:latin typeface="Calibri"/>
+            </a:endParaRPr>
+          </a:p>
+        </p:txBody>
+      </p:sp>
+      <p:sp>
+        <p:nvSpPr>
+          <p:cNvPr id="78" name="PlaceHolder 2"/>
+          <p:cNvSpPr>
+            <a:spLocks noGrp="1"/>
+          </p:cNvSpPr>
+          <p:nvPr>
+            <p:ph type="body"/>
+          </p:nvPr>
+        </p:nvSpPr>
+        <p:spPr>
+          <a:xfrm>
+            <a:off x="511560" y="5102640"/>
+            <a:ext cx="3474720" cy="474840"/>
+          </a:xfrm>
+          <a:prstGeom prst="rect">
+            <a:avLst/>
+          </a:prstGeom>
+        </p:spPr>
+        <p:txBody>
+          <a:bodyPr lIns="0" tIns="0" rIns="0" bIns="0">
+            <a:normAutofit/>
+          </a:bodyPr>
+          <a:lstStyle/>
+          <a:p>
+            <a:endParaRPr lang="ko-KR" sz="2800" b="0" strike="noStrike" spc="-1">
+              <a:solidFill>
+                <a:srgbClr val="000000"/>
+              </a:solidFill>
+              <a:latin typeface="Calibri"/>
+            </a:endParaRPr>
+          </a:p>
+        </p:txBody>
+      </p:sp>
+      <p:sp>
+        <p:nvSpPr>
+          <p:cNvPr id="79" name="PlaceHolder 3"/>
+          <p:cNvSpPr>
+            <a:spLocks noGrp="1"/>
+          </p:cNvSpPr>
+          <p:nvPr>
+            <p:ph type="body"/>
+          </p:nvPr>
+        </p:nvSpPr>
+        <p:spPr>
+          <a:xfrm>
+            <a:off x="4160520" y="5102640"/>
+            <a:ext cx="3474720" cy="474840"/>
+          </a:xfrm>
+          <a:prstGeom prst="rect">
+            <a:avLst/>
+          </a:prstGeom>
+        </p:spPr>
+        <p:txBody>
+          <a:bodyPr lIns="0" tIns="0" rIns="0" bIns="0">
+            <a:normAutofit/>
+          </a:bodyPr>
+          <a:lstStyle/>
+          <a:p>
+            <a:endParaRPr lang="ko-KR" sz="2800" b="0" strike="noStrike" spc="-1">
+              <a:solidFill>
+                <a:srgbClr val="000000"/>
+              </a:solidFill>
+              <a:latin typeface="Calibri"/>
+            </a:endParaRPr>
+          </a:p>
+        </p:txBody>
+      </p:sp>
+      <p:sp>
+        <p:nvSpPr>
+          <p:cNvPr id="80" name="PlaceHolder 4"/>
+          <p:cNvSpPr>
+            <a:spLocks noGrp="1"/>
+          </p:cNvSpPr>
+          <p:nvPr>
+            <p:ph type="body"/>
+          </p:nvPr>
+        </p:nvSpPr>
+        <p:spPr>
+          <a:xfrm>
+            <a:off x="7809120" y="5102640"/>
+            <a:ext cx="3474720" cy="474840"/>
+          </a:xfrm>
+          <a:prstGeom prst="rect">
+            <a:avLst/>
+          </a:prstGeom>
+        </p:spPr>
+        <p:txBody>
+          <a:bodyPr lIns="0" tIns="0" rIns="0" bIns="0">
+            <a:normAutofit/>
+          </a:bodyPr>
+          <a:lstStyle/>
+          <a:p>
+            <a:endParaRPr lang="ko-KR" sz="2800" b="0" strike="noStrike" spc="-1">
+              <a:solidFill>
+                <a:srgbClr val="000000"/>
+              </a:solidFill>
+              <a:latin typeface="Calibri"/>
+            </a:endParaRPr>
+          </a:p>
+        </p:txBody>
+      </p:sp>
+      <p:sp>
+        <p:nvSpPr>
+          <p:cNvPr id="81" name="PlaceHolder 5"/>
+          <p:cNvSpPr>
+            <a:spLocks noGrp="1"/>
+          </p:cNvSpPr>
+          <p:nvPr>
+            <p:ph type="body"/>
+          </p:nvPr>
+        </p:nvSpPr>
+        <p:spPr>
+          <a:xfrm>
+            <a:off x="511560" y="5622840"/>
+            <a:ext cx="3474720" cy="474840"/>
+          </a:xfrm>
+          <a:prstGeom prst="rect">
+            <a:avLst/>
+          </a:prstGeom>
+        </p:spPr>
+        <p:txBody>
+          <a:bodyPr lIns="0" tIns="0" rIns="0" bIns="0">
+            <a:normAutofit/>
+          </a:bodyPr>
+          <a:lstStyle/>
+          <a:p>
+            <a:endParaRPr lang="ko-KR" sz="2800" b="0" strike="noStrike" spc="-1">
+              <a:solidFill>
+                <a:srgbClr val="000000"/>
+              </a:solidFill>
+              <a:latin typeface="Calibri"/>
+            </a:endParaRPr>
+          </a:p>
+        </p:txBody>
+      </p:sp>
+      <p:sp>
+        <p:nvSpPr>
+          <p:cNvPr id="82" name="PlaceHolder 6"/>
+          <p:cNvSpPr>
+            <a:spLocks noGrp="1"/>
+          </p:cNvSpPr>
+          <p:nvPr>
+            <p:ph type="body"/>
+          </p:nvPr>
+        </p:nvSpPr>
+        <p:spPr>
+          <a:xfrm>
+            <a:off x="4160520" y="5622840"/>
+            <a:ext cx="3474720" cy="474840"/>
+          </a:xfrm>
+          <a:prstGeom prst="rect">
+            <a:avLst/>
+          </a:prstGeom>
+        </p:spPr>
+        <p:txBody>
+          <a:bodyPr lIns="0" tIns="0" rIns="0" bIns="0">
+            <a:normAutofit/>
+          </a:bodyPr>
+          <a:lstStyle/>
+          <a:p>
+            <a:endParaRPr lang="ko-KR" sz="2800" b="0" strike="noStrike" spc="-1">
+              <a:solidFill>
+                <a:srgbClr val="000000"/>
+              </a:solidFill>
+              <a:latin typeface="Calibri"/>
+            </a:endParaRPr>
+          </a:p>
+        </p:txBody>
+      </p:sp>
+      <p:sp>
+        <p:nvSpPr>
+          <p:cNvPr id="83" name="PlaceHolder 7"/>
+          <p:cNvSpPr>
+            <a:spLocks noGrp="1"/>
+          </p:cNvSpPr>
+          <p:nvPr>
+            <p:ph type="body"/>
+          </p:nvPr>
+        </p:nvSpPr>
+        <p:spPr>
+          <a:xfrm>
+            <a:off x="7809120" y="5622840"/>
+            <a:ext cx="3474720" cy="474840"/>
+          </a:xfrm>
+          <a:prstGeom prst="rect">
+            <a:avLst/>
+          </a:prstGeom>
+        </p:spPr>
+        <p:txBody>
+          <a:bodyPr lIns="0" tIns="0" rIns="0" bIns="0">
+            <a:normAutofit/>
+          </a:bodyPr>
+          <a:lstStyle/>
+          <a:p>
+            <a:endParaRPr lang="ko-KR" sz="2800" b="0" strike="noStrike" spc="-1">
+              <a:solidFill>
+                <a:srgbClr val="000000"/>
+              </a:solidFill>
+              <a:latin typeface="Calibri"/>
+            </a:endParaRPr>
+          </a:p>
+        </p:txBody>
+      </p:sp>
+    </p:spTree>
   </p:cSld>
   <p:clrMapOvr>
     <a:masterClrMapping/>
@@ -7796,7 +6311,7 @@
           <p:nvPr/>
         </p:nvPicPr>
         <p:blipFill>
-          <a:blip r:embed="rId14"/>
+          <a:blip r:embed="rId15"/>
           <a:stretch/>
         </p:blipFill>
         <p:spPr>
@@ -8008,6 +6523,7 @@
     <p:sldLayoutId id="2147483658" r:id="rId10"/>
     <p:sldLayoutId id="2147483659" r:id="rId11"/>
     <p:sldLayoutId id="2147483660" r:id="rId12"/>
+    <p:sldLayoutId id="2147483687" r:id="rId13"/>
   </p:sldLayoutIdLst>
   <p:txStyles>
     <p:titleStyle>
@@ -8629,7 +7145,7 @@
           <p:nvPr/>
         </p:nvPicPr>
         <p:blipFill>
-          <a:blip r:embed="rId15"/>
+          <a:blip r:embed="rId14"/>
           <a:stretch/>
         </p:blipFill>
         <p:spPr>
@@ -8661,7 +7177,6 @@
     <p:sldLayoutId id="2147483671" r:id="rId10"/>
     <p:sldLayoutId id="2147483672" r:id="rId11"/>
     <p:sldLayoutId id="2147483673" r:id="rId12"/>
-    <p:sldLayoutId id="2147483687" r:id="rId13"/>
   </p:sldLayoutIdLst>
   <p:txStyles>
     <p:titleStyle>
@@ -9777,7 +8292,7 @@
         <p:spPr>
           <a:xfrm>
             <a:off x="1834470" y="1180410"/>
-            <a:ext cx="9333641" cy="1305165"/>
+            <a:ext cx="9333641" cy="3244158"/>
           </a:xfrm>
           <a:prstGeom prst="rect">
             <a:avLst/>
@@ -9802,23 +8317,7 @@
             </a:pPr>
             <a:r>
               <a:rPr lang="en-US" altLang="ko-KR" sz="2800" dirty="0"/>
-              <a:t>Forecasting </a:t>
-            </a:r>
-            <a:r>
-              <a:rPr lang="en-US" altLang="ko-KR" sz="2800" dirty="0" err="1"/>
-              <a:t>P</a:t>
-            </a:r>
-            <a:r>
-              <a:rPr lang="en-US" sz="2800" dirty="0" err="1"/>
-              <a:t>hoto</a:t>
-            </a:r>
-            <a:r>
-              <a:rPr lang="en-US" altLang="ko-KR" sz="2800" dirty="0" err="1"/>
-              <a:t>V</a:t>
-            </a:r>
-            <a:r>
-              <a:rPr lang="en-US" sz="2800" dirty="0" err="1"/>
-              <a:t>oltaics</a:t>
+              <a:t>Introduction</a:t>
             </a:r>
             <a:endParaRPr lang="en-US" sz="2800" dirty="0"/>
           </a:p>
@@ -9835,19 +8334,55 @@
             </a:pPr>
             <a:r>
               <a:rPr lang="en-US" altLang="ko-KR" sz="2800" dirty="0"/>
-              <a:t>Tips for using </a:t>
+              <a:t>Data</a:t>
             </a:r>
+          </a:p>
+          <a:p>
+            <a:pPr marL="342900" indent="-342900">
+              <a:lnSpc>
+                <a:spcPct val="150000"/>
+              </a:lnSpc>
+              <a:buClr>
+                <a:srgbClr val="C00000"/>
+              </a:buClr>
+              <a:buFont typeface="Wingdings" panose="05000000000000000000" pitchFamily="2" charset="2"/>
+              <a:buChar char="§"/>
+            </a:pPr>
             <a:r>
-              <a:rPr lang="en-US" altLang="ko-KR" sz="2800" dirty="0" err="1"/>
-              <a:t>Hyperas</a:t>
+              <a:rPr lang="en-US" sz="2800" dirty="0"/>
+              <a:t>Model</a:t>
             </a:r>
+          </a:p>
+          <a:p>
+            <a:pPr marL="342900" indent="-342900">
+              <a:lnSpc>
+                <a:spcPct val="150000"/>
+              </a:lnSpc>
+              <a:buClr>
+                <a:srgbClr val="C00000"/>
+              </a:buClr>
+              <a:buFont typeface="Wingdings" panose="05000000000000000000" pitchFamily="2" charset="2"/>
+              <a:buChar char="§"/>
+            </a:pPr>
             <a:r>
-              <a:rPr lang="en-US" altLang="ko-KR" sz="2800" dirty="0"/>
-              <a:t> in </a:t>
+              <a:rPr lang="en-US" sz="2800" dirty="0"/>
+              <a:t>Train</a:t>
             </a:r>
+          </a:p>
+          <a:p>
+            <a:pPr marL="342900" indent="-342900">
+              <a:lnSpc>
+                <a:spcPct val="150000"/>
+              </a:lnSpc>
+              <a:buClr>
+                <a:srgbClr val="C00000"/>
+              </a:buClr>
+              <a:buFont typeface="Wingdings" panose="05000000000000000000" pitchFamily="2" charset="2"/>
+              <a:buChar char="§"/>
+            </a:pPr>
             <a:r>
-              <a:rPr lang="en-US" altLang="ko-KR" sz="2800" dirty="0" err="1"/>
-              <a:t>Keras</a:t>
+              <a:rPr lang="en-US" sz="2800" dirty="0"/>
+              <a:t>Summary</a:t>
             </a:r>
             <a:endParaRPr lang="en-US" sz="2400" dirty="0"/>
           </a:p>
@@ -9856,7 +8391,7 @@
     </p:spTree>
     <p:extLst>
       <p:ext uri="{BB962C8B-B14F-4D97-AF65-F5344CB8AC3E}">
-        <p14:creationId xmlns:p14="http://schemas.microsoft.com/office/powerpoint/2010/main" val="1573738970"/>
+        <p14:creationId xmlns:p14="http://schemas.microsoft.com/office/powerpoint/2010/main" val="401999754"/>
       </p:ext>
     </p:extLst>
   </p:cSld>
@@ -9921,23 +8456,8 @@
                 </a:solidFill>
                 <a:latin typeface="Times New Roman"/>
               </a:rPr>
-              <a:t>Forecasting </a:t>
+              <a:t>Introduction</a:t>
             </a:r>
-            <a:r>
-              <a:rPr lang="en-US" altLang="ko-KR" sz="3600" b="1" strike="noStrike" spc="-1" dirty="0" err="1">
-                <a:solidFill>
-                  <a:srgbClr val="000000"/>
-                </a:solidFill>
-                <a:latin typeface="Times New Roman"/>
-              </a:rPr>
-              <a:t>PhotoVoltaics</a:t>
-            </a:r>
-            <a:endParaRPr lang="en-US" altLang="ko-KR" sz="3600" b="1" strike="noStrike" spc="-1" dirty="0">
-              <a:solidFill>
-                <a:srgbClr val="000000"/>
-              </a:solidFill>
-              <a:latin typeface="Times New Roman"/>
-            </a:endParaRPr>
           </a:p>
         </p:txBody>
       </p:sp>
@@ -10002,7 +8522,7 @@
         <p:spPr>
           <a:xfrm>
             <a:off x="626225" y="1338349"/>
-            <a:ext cx="10939549" cy="1287532"/>
+            <a:ext cx="10939549" cy="878574"/>
           </a:xfrm>
           <a:prstGeom prst="rect">
             <a:avLst/>
@@ -10023,40 +8543,35 @@
               <a:buChar char="•"/>
             </a:pPr>
             <a:r>
-              <a:rPr lang="en-US" dirty="0"/>
-              <a:t>Paper </a:t>
+              <a:rPr lang="en-US" b="1" dirty="0"/>
+              <a:t>Learning a Deep Convolutional Network for Colorization in Monochrome-Color </a:t>
             </a:r>
-            <a:r>
-              <a:rPr lang="ko-KR" altLang="en-US" dirty="0"/>
-              <a:t>소개</a:t>
-            </a:r>
-            <a:endParaRPr lang="en-US" altLang="ko-KR" dirty="0"/>
-          </a:p>
-          <a:p>
-            <a:pPr marL="285750" indent="-285750">
+          </a:p>
+          <a:p>
+            <a:pPr>
               <a:lnSpc>
                 <a:spcPct val="150000"/>
               </a:lnSpc>
-              <a:buFont typeface="Arial" panose="020B0604020202020204" pitchFamily="34" charset="0"/>
-              <a:buChar char="•"/>
             </a:pPr>
             <a:r>
-              <a:rPr lang="ko-KR" altLang="en-US" dirty="0"/>
-              <a:t>왜 했는지</a:t>
+              <a:rPr lang="en-US" b="1" dirty="0"/>
+              <a:t>    Dual-Lens System</a:t>
             </a:r>
-            <a:endParaRPr lang="en-US" altLang="ko-KR" dirty="0"/>
-          </a:p>
-          <a:p>
-            <a:pPr marL="285750" indent="-285750">
-              <a:lnSpc>
-                <a:spcPct val="150000"/>
-              </a:lnSpc>
-              <a:buFont typeface="Arial" panose="020B0604020202020204" pitchFamily="34" charset="0"/>
-              <a:buChar char="•"/>
-            </a:pPr>
             <a:r>
-              <a:rPr lang="ko-KR" altLang="en-US" dirty="0"/>
-              <a:t>어디까지 했는지</a:t>
+              <a:rPr lang="en-US" dirty="0"/>
+              <a:t>(</a:t>
+            </a:r>
+            <a:r>
+              <a:rPr lang="en-US" altLang="ko-KR" sz="1800" b="0" i="0" u="none" strike="noStrike" baseline="0" dirty="0">
+                <a:latin typeface="NimbusRomNo9L-Medi"/>
+              </a:rPr>
+              <a:t>Xuan Dong et, al. </a:t>
+            </a:r>
+            <a:r>
+              <a:rPr lang="en-US" altLang="ko-KR" dirty="0">
+                <a:latin typeface="NimbusRomNo9L-Medi"/>
+              </a:rPr>
+              <a:t>Association for the Advancement of Artificial Intelligence 2019)</a:t>
             </a:r>
             <a:endParaRPr lang="en-US" dirty="0"/>
           </a:p>
@@ -10064,10 +8579,10 @@
       </p:sp>
       <p:pic>
         <p:nvPicPr>
-          <p:cNvPr id="5" name="그림 4">
+          <p:cNvPr id="4" name="그림 3">
             <a:extLst>
               <a:ext uri="{FF2B5EF4-FFF2-40B4-BE49-F238E27FC236}">
-                <a16:creationId xmlns:a16="http://schemas.microsoft.com/office/drawing/2014/main" id="{14A94449-CDE3-4836-A663-712ED2BFCA75}"/>
+                <a16:creationId xmlns:a16="http://schemas.microsoft.com/office/drawing/2014/main" id="{B5E1DD19-F03D-49E8-8031-6C06AAD43B06}"/>
               </a:ext>
             </a:extLst>
           </p:cNvPr>
@@ -10084,96 +8599,118 @@
         </p:blipFill>
         <p:spPr>
           <a:xfrm>
-            <a:off x="823046" y="3759939"/>
-            <a:ext cx="4390710" cy="2853962"/>
+            <a:off x="696600" y="2435482"/>
+            <a:ext cx="8629097" cy="3989798"/>
           </a:xfrm>
           <a:prstGeom prst="rect">
             <a:avLst/>
           </a:prstGeom>
         </p:spPr>
       </p:pic>
-      <p:pic>
-        <p:nvPicPr>
-          <p:cNvPr id="13" name="그림 12">
+      <p:sp>
+        <p:nvSpPr>
+          <p:cNvPr id="6" name="직사각형 5">
             <a:extLst>
               <a:ext uri="{FF2B5EF4-FFF2-40B4-BE49-F238E27FC236}">
-                <a16:creationId xmlns:a16="http://schemas.microsoft.com/office/drawing/2014/main" id="{F177D84C-A812-4120-A66B-60714C47A6E9}"/>
+                <a16:creationId xmlns:a16="http://schemas.microsoft.com/office/drawing/2014/main" id="{21F94B44-D1B4-4F52-95F7-443BEAE8451F}"/>
               </a:ext>
             </a:extLst>
           </p:cNvPr>
-          <p:cNvPicPr>
-            <a:picLocks noChangeAspect="1"/>
-          </p:cNvPicPr>
+          <p:cNvSpPr/>
           <p:nvPr/>
-        </p:nvPicPr>
-        <p:blipFill>
-          <a:blip r:embed="rId4"/>
-          <a:stretch>
-            <a:fillRect/>
-          </a:stretch>
-        </p:blipFill>
-        <p:spPr>
-          <a:xfrm>
-            <a:off x="6291916" y="3305415"/>
-            <a:ext cx="5061321" cy="3117081"/>
-          </a:xfrm>
-          <a:prstGeom prst="rect">
-            <a:avLst/>
-          </a:prstGeom>
-          <a:ln w="28575">
+        </p:nvSpPr>
+        <p:spPr>
+          <a:xfrm>
+            <a:off x="857839" y="2435482"/>
+            <a:ext cx="1244338" cy="3090869"/>
+          </a:xfrm>
+          <a:prstGeom prst="rect">
+            <a:avLst/>
+          </a:prstGeom>
+          <a:noFill/>
+          <a:ln w="50800">
             <a:solidFill>
-              <a:schemeClr val="accent1">
-                <a:lumMod val="60000"/>
-                <a:lumOff val="40000"/>
-              </a:schemeClr>
+              <a:srgbClr val="0070C0"/>
             </a:solidFill>
           </a:ln>
-          <a:effectLst>
-            <a:softEdge rad="0"/>
-          </a:effectLst>
-        </p:spPr>
-      </p:pic>
-      <p:pic>
-        <p:nvPicPr>
-          <p:cNvPr id="15" name="그림 14">
+        </p:spPr>
+        <p:style>
+          <a:lnRef idx="2">
+            <a:schemeClr val="accent1">
+              <a:shade val="50000"/>
+            </a:schemeClr>
+          </a:lnRef>
+          <a:fillRef idx="1">
+            <a:schemeClr val="accent1"/>
+          </a:fillRef>
+          <a:effectRef idx="0">
+            <a:schemeClr val="accent1"/>
+          </a:effectRef>
+          <a:fontRef idx="minor">
+            <a:schemeClr val="lt1"/>
+          </a:fontRef>
+        </p:style>
+        <p:txBody>
+          <a:bodyPr rtlCol="0" anchor="ctr"/>
+          <a:lstStyle/>
+          <a:p>
+            <a:pPr algn="ctr"/>
+            <a:endParaRPr lang="ko-KR" altLang="en-US"/>
+          </a:p>
+        </p:txBody>
+      </p:sp>
+      <p:sp>
+        <p:nvSpPr>
+          <p:cNvPr id="11" name="직사각형 10">
             <a:extLst>
               <a:ext uri="{FF2B5EF4-FFF2-40B4-BE49-F238E27FC236}">
-                <a16:creationId xmlns:a16="http://schemas.microsoft.com/office/drawing/2014/main" id="{4BCFA983-6E3C-486E-B800-E49A96B21A5E}"/>
+                <a16:creationId xmlns:a16="http://schemas.microsoft.com/office/drawing/2014/main" id="{FFDF68E9-11AA-4C74-9F19-95D445A4CCC0}"/>
               </a:ext>
             </a:extLst>
           </p:cNvPr>
-          <p:cNvPicPr>
-            <a:picLocks noChangeAspect="1"/>
-          </p:cNvPicPr>
+          <p:cNvSpPr/>
           <p:nvPr/>
-        </p:nvPicPr>
-        <p:blipFill>
-          <a:blip r:embed="rId5"/>
-          <a:stretch>
-            <a:fillRect/>
-          </a:stretch>
-        </p:blipFill>
-        <p:spPr>
-          <a:xfrm>
-            <a:off x="6291916" y="1545327"/>
-            <a:ext cx="5543737" cy="1546411"/>
-          </a:xfrm>
-          <a:prstGeom prst="rect">
-            <a:avLst/>
-          </a:prstGeom>
-          <a:ln w="28575">
+        </p:nvSpPr>
+        <p:spPr>
+          <a:xfrm>
+            <a:off x="2164107" y="2435482"/>
+            <a:ext cx="6989319" cy="1816007"/>
+          </a:xfrm>
+          <a:prstGeom prst="rect">
+            <a:avLst/>
+          </a:prstGeom>
+          <a:noFill/>
+          <a:ln w="50800">
             <a:solidFill>
-              <a:schemeClr val="accent1">
-                <a:lumMod val="60000"/>
-                <a:lumOff val="40000"/>
-              </a:schemeClr>
+              <a:srgbClr val="0070C0"/>
             </a:solidFill>
           </a:ln>
-          <a:effectLst>
-            <a:softEdge rad="0"/>
-          </a:effectLst>
-        </p:spPr>
-      </p:pic>
+        </p:spPr>
+        <p:style>
+          <a:lnRef idx="2">
+            <a:schemeClr val="accent1">
+              <a:shade val="50000"/>
+            </a:schemeClr>
+          </a:lnRef>
+          <a:fillRef idx="1">
+            <a:schemeClr val="accent1"/>
+          </a:fillRef>
+          <a:effectRef idx="0">
+            <a:schemeClr val="accent1"/>
+          </a:effectRef>
+          <a:fontRef idx="minor">
+            <a:schemeClr val="lt1"/>
+          </a:fontRef>
+        </p:style>
+        <p:txBody>
+          <a:bodyPr rtlCol="0" anchor="ctr"/>
+          <a:lstStyle/>
+          <a:p>
+            <a:pPr algn="ctr"/>
+            <a:endParaRPr lang="ko-KR" altLang="en-US"/>
+          </a:p>
+        </p:txBody>
+      </p:sp>
     </p:spTree>
   </p:cSld>
   <p:clrMapOvr>
@@ -10236,58 +8773,6 @@
       </p:grpSpPr>
       <p:sp>
         <p:nvSpPr>
-          <p:cNvPr id="19" name="직사각형 18">
-            <a:extLst>
-              <a:ext uri="{FF2B5EF4-FFF2-40B4-BE49-F238E27FC236}">
-                <a16:creationId xmlns:a16="http://schemas.microsoft.com/office/drawing/2014/main" id="{AFBE67E3-2B68-42EA-8B96-8A754254AEB4}"/>
-              </a:ext>
-            </a:extLst>
-          </p:cNvPr>
-          <p:cNvSpPr/>
-          <p:nvPr/>
-        </p:nvSpPr>
-        <p:spPr>
-          <a:xfrm>
-            <a:off x="1001520" y="2775003"/>
-            <a:ext cx="6138372" cy="1992818"/>
-          </a:xfrm>
-          <a:prstGeom prst="rect">
-            <a:avLst/>
-          </a:prstGeom>
-          <a:solidFill>
-            <a:schemeClr val="accent1">
-              <a:lumMod val="60000"/>
-              <a:lumOff val="40000"/>
-            </a:schemeClr>
-          </a:solidFill>
-        </p:spPr>
-        <p:style>
-          <a:lnRef idx="2">
-            <a:schemeClr val="accent1">
-              <a:shade val="50000"/>
-            </a:schemeClr>
-          </a:lnRef>
-          <a:fillRef idx="1">
-            <a:schemeClr val="accent1"/>
-          </a:fillRef>
-          <a:effectRef idx="0">
-            <a:schemeClr val="accent1"/>
-          </a:effectRef>
-          <a:fontRef idx="minor">
-            <a:schemeClr val="lt1"/>
-          </a:fontRef>
-        </p:style>
-        <p:txBody>
-          <a:bodyPr rtlCol="0" anchor="ctr"/>
-          <a:lstStyle/>
-          <a:p>
-            <a:pPr algn="ctr"/>
-            <a:endParaRPr lang="ko-KR" altLang="en-US" dirty="0"/>
-          </a:p>
-        </p:txBody>
-      </p:sp>
-      <p:sp>
-        <p:nvSpPr>
           <p:cNvPr id="131" name="TextShape 1"/>
           <p:cNvSpPr txBox="1"/>
           <p:nvPr/>
@@ -10323,7 +8808,7 @@
                 </a:solidFill>
                 <a:latin typeface="Times New Roman"/>
               </a:rPr>
-              <a:t>DATA</a:t>
+              <a:t>Data</a:t>
             </a:r>
             <a:endParaRPr lang="ko-KR" sz="3600" b="0" strike="noStrike" spc="-1" dirty="0">
               <a:solidFill>
@@ -10395,7 +8880,7 @@
         <p:spPr>
           <a:xfrm>
             <a:off x="626225" y="1338349"/>
-            <a:ext cx="10939549" cy="1287532"/>
+            <a:ext cx="10939549" cy="2118529"/>
           </a:xfrm>
           <a:prstGeom prst="rect">
             <a:avLst/>
@@ -10407,6 +8892,90 @@
             <a:spAutoFit/>
           </a:bodyPr>
           <a:lstStyle/>
+          <a:p>
+            <a:pPr marL="285750" indent="-285750">
+              <a:lnSpc>
+                <a:spcPct val="150000"/>
+              </a:lnSpc>
+              <a:buFont typeface="Arial" panose="020B0604020202020204" pitchFamily="34" charset="0"/>
+              <a:buChar char="•"/>
+            </a:pPr>
+            <a:r>
+              <a:rPr lang="en-US" altLang="ko-KR" b="1" dirty="0"/>
+              <a:t>./dataset.py</a:t>
+            </a:r>
+          </a:p>
+          <a:p>
+            <a:pPr marL="285750" indent="-285750">
+              <a:lnSpc>
+                <a:spcPct val="150000"/>
+              </a:lnSpc>
+              <a:buFont typeface="Arial" panose="020B0604020202020204" pitchFamily="34" charset="0"/>
+              <a:buChar char="•"/>
+            </a:pPr>
+            <a:r>
+              <a:rPr lang="en-US" altLang="ko-KR" b="1" dirty="0"/>
+              <a:t>Cityscapes</a:t>
+            </a:r>
+            <a:r>
+              <a:rPr lang="en-US" altLang="ko-KR" dirty="0"/>
+              <a:t> dataset for training</a:t>
+            </a:r>
+          </a:p>
+          <a:p>
+            <a:pPr marL="285750" indent="-285750">
+              <a:lnSpc>
+                <a:spcPct val="150000"/>
+              </a:lnSpc>
+              <a:buFont typeface="Arial" panose="020B0604020202020204" pitchFamily="34" charset="0"/>
+              <a:buChar char="•"/>
+            </a:pPr>
+            <a:r>
+              <a:rPr lang="en-US" altLang="ko-KR" b="1" dirty="0"/>
+              <a:t>Left images</a:t>
+            </a:r>
+            <a:r>
+              <a:rPr lang="en-US" altLang="ko-KR" dirty="0"/>
+              <a:t> for </a:t>
+            </a:r>
+            <a:r>
+              <a:rPr lang="en-US" altLang="ko-KR" b="1" dirty="0"/>
+              <a:t>Input gray images</a:t>
+            </a:r>
+            <a:r>
+              <a:rPr lang="en-US" altLang="ko-KR" dirty="0"/>
+              <a:t> and </a:t>
+            </a:r>
+            <a:r>
+              <a:rPr lang="en-US" altLang="ko-KR" b="1" dirty="0"/>
+              <a:t>ground truth</a:t>
+            </a:r>
+          </a:p>
+          <a:p>
+            <a:pPr marL="285750" indent="-285750">
+              <a:lnSpc>
+                <a:spcPct val="150000"/>
+              </a:lnSpc>
+              <a:buFont typeface="Arial" panose="020B0604020202020204" pitchFamily="34" charset="0"/>
+              <a:buChar char="•"/>
+            </a:pPr>
+            <a:r>
+              <a:rPr lang="en-US" altLang="ko-KR" b="1" dirty="0"/>
+              <a:t>Right images</a:t>
+            </a:r>
+            <a:r>
+              <a:rPr lang="en-US" altLang="ko-KR" dirty="0"/>
+              <a:t> for </a:t>
+            </a:r>
+            <a:r>
+              <a:rPr lang="en-US" altLang="ko-KR" b="1" dirty="0"/>
+              <a:t>gray map</a:t>
+            </a:r>
+            <a:r>
+              <a:rPr lang="en-US" altLang="ko-KR" dirty="0"/>
+              <a:t> of reference images </a:t>
+            </a:r>
+          </a:p>
           <a:p>
             <a:pPr marL="285750" indent="-285750">
               <a:lnSpc>
@@ -10417,59 +8986,21 @@
             </a:pPr>
             <a:r>
               <a:rPr lang="en-US" altLang="ko-KR" dirty="0"/>
-              <a:t>Data length : 18,993 (4years) (training 70%, validation 15%, test 15%)</a:t>
-            </a:r>
-          </a:p>
-          <a:p>
-            <a:pPr marL="285750" indent="-285750">
-              <a:lnSpc>
-                <a:spcPct val="150000"/>
-              </a:lnSpc>
-              <a:buFont typeface="Arial" panose="020B0604020202020204" pitchFamily="34" charset="0"/>
-              <a:buChar char="•"/>
-            </a:pPr>
-            <a:r>
-              <a:rPr lang="en-US" altLang="ko-KR" dirty="0"/>
-              <a:t>Features : </a:t>
+              <a:t>Add </a:t>
             </a:r>
             <a:r>
-              <a:rPr lang="en-US" altLang="ko-KR" dirty="0" err="1"/>
-              <a:t>datatime</a:t>
-            </a:r>
-            <a:r>
-              <a:rPr lang="en-US" altLang="ko-KR" dirty="0"/>
-              <a:t>, power(</a:t>
-            </a:r>
-            <a:r>
-              <a:rPr lang="en-US" altLang="ko-KR" dirty="0" err="1"/>
-              <a:t>pv</a:t>
-            </a:r>
-            <a:r>
-              <a:rPr lang="en-US" altLang="ko-KR" dirty="0"/>
-              <a:t>), temp, humid, solar, cloud</a:t>
-            </a:r>
-          </a:p>
-          <a:p>
-            <a:pPr marL="285750" indent="-285750">
-              <a:lnSpc>
-                <a:spcPct val="150000"/>
-              </a:lnSpc>
-              <a:buFont typeface="Arial" panose="020B0604020202020204" pitchFamily="34" charset="0"/>
-              <a:buChar char="•"/>
-            </a:pPr>
-            <a:r>
-              <a:rPr lang="en-US" altLang="ko-KR" dirty="0"/>
-              <a:t>Interpolation of missing values</a:t>
+              <a:rPr lang="en-US" altLang="ko-KR" b="1" dirty="0"/>
+              <a:t>Gaussian noises</a:t>
             </a:r>
           </a:p>
         </p:txBody>
       </p:sp>
       <p:pic>
         <p:nvPicPr>
-          <p:cNvPr id="11" name="그림 10">
+          <p:cNvPr id="4" name="그림 3">
             <a:extLst>
               <a:ext uri="{FF2B5EF4-FFF2-40B4-BE49-F238E27FC236}">
-                <a16:creationId xmlns:a16="http://schemas.microsoft.com/office/drawing/2014/main" id="{FEE8B400-6AD0-483F-8E05-4BC27A6498B2}"/>
+                <a16:creationId xmlns:a16="http://schemas.microsoft.com/office/drawing/2014/main" id="{63069AC3-E098-4301-B794-67C07444B598}"/>
               </a:ext>
             </a:extLst>
           </p:cNvPr>
@@ -10486,189 +9017,74 @@
         </p:blipFill>
         <p:spPr>
           <a:xfrm>
-            <a:off x="1265725" y="3024826"/>
-            <a:ext cx="1546372" cy="1560559"/>
+            <a:off x="5123795" y="3369624"/>
+            <a:ext cx="6371605" cy="935690"/>
           </a:xfrm>
           <a:prstGeom prst="rect">
             <a:avLst/>
           </a:prstGeom>
         </p:spPr>
       </p:pic>
-      <p:sp>
-        <p:nvSpPr>
-          <p:cNvPr id="18" name="화살표: 오른쪽 17">
+      <p:pic>
+        <p:nvPicPr>
+          <p:cNvPr id="8" name="그림 7">
             <a:extLst>
               <a:ext uri="{FF2B5EF4-FFF2-40B4-BE49-F238E27FC236}">
-                <a16:creationId xmlns:a16="http://schemas.microsoft.com/office/drawing/2014/main" id="{0D40E1AD-B5EF-4CCD-AADC-08368E8DCF08}"/>
+                <a16:creationId xmlns:a16="http://schemas.microsoft.com/office/drawing/2014/main" id="{7589C21C-E069-4810-9858-FAE5E57E9549}"/>
               </a:ext>
             </a:extLst>
           </p:cNvPr>
-          <p:cNvSpPr/>
+          <p:cNvPicPr>
+            <a:picLocks noChangeAspect="1"/>
+          </p:cNvPicPr>
           <p:nvPr/>
-        </p:nvSpPr>
-        <p:spPr>
-          <a:xfrm>
-            <a:off x="3197657" y="3612881"/>
-            <a:ext cx="266529" cy="381341"/>
-          </a:xfrm>
-          <a:prstGeom prst="rightArrow">
-            <a:avLst/>
-          </a:prstGeom>
-          <a:solidFill>
-            <a:srgbClr val="C00000"/>
-          </a:solidFill>
-        </p:spPr>
-        <p:style>
-          <a:lnRef idx="2">
-            <a:schemeClr val="accent1">
-              <a:shade val="50000"/>
-            </a:schemeClr>
-          </a:lnRef>
-          <a:fillRef idx="1">
-            <a:schemeClr val="accent1"/>
-          </a:fillRef>
-          <a:effectRef idx="0">
-            <a:schemeClr val="accent1"/>
-          </a:effectRef>
-          <a:fontRef idx="minor">
-            <a:schemeClr val="lt1"/>
-          </a:fontRef>
-        </p:style>
-        <p:txBody>
-          <a:bodyPr rtlCol="0" anchor="ctr"/>
-          <a:lstStyle/>
-          <a:p>
-            <a:pPr algn="ctr"/>
-            <a:endParaRPr lang="ko-KR" altLang="en-US" dirty="0"/>
-          </a:p>
-        </p:txBody>
-      </p:sp>
-      <p:sp>
-        <p:nvSpPr>
-          <p:cNvPr id="14" name="TextBox 13">
+        </p:nvPicPr>
+        <p:blipFill>
+          <a:blip r:embed="rId4"/>
+          <a:stretch>
+            <a:fillRect/>
+          </a:stretch>
+        </p:blipFill>
+        <p:spPr>
+          <a:xfrm>
+            <a:off x="5123795" y="4444860"/>
+            <a:ext cx="5346373" cy="906165"/>
+          </a:xfrm>
+          <a:prstGeom prst="rect">
+            <a:avLst/>
+          </a:prstGeom>
+        </p:spPr>
+      </p:pic>
+      <p:pic>
+        <p:nvPicPr>
+          <p:cNvPr id="13" name="그림 12">
             <a:extLst>
               <a:ext uri="{FF2B5EF4-FFF2-40B4-BE49-F238E27FC236}">
-                <a16:creationId xmlns:a16="http://schemas.microsoft.com/office/drawing/2014/main" id="{95A13580-D5B0-49A3-8AFC-39F177C683AA}"/>
+                <a16:creationId xmlns:a16="http://schemas.microsoft.com/office/drawing/2014/main" id="{C5FEFF2E-17FB-43C9-9B9B-8E436C64FA0D}"/>
               </a:ext>
             </a:extLst>
           </p:cNvPr>
-          <p:cNvSpPr txBox="1"/>
+          <p:cNvPicPr>
+            <a:picLocks noChangeAspect="1"/>
+          </p:cNvPicPr>
           <p:nvPr/>
-        </p:nvSpPr>
-        <p:spPr>
-          <a:xfrm>
-            <a:off x="3862753" y="3043823"/>
-            <a:ext cx="3083537" cy="1477328"/>
-          </a:xfrm>
-          <a:prstGeom prst="rect">
-            <a:avLst/>
-          </a:prstGeom>
-          <a:solidFill>
-            <a:schemeClr val="bg1"/>
-          </a:solidFill>
-        </p:spPr>
-        <p:txBody>
-          <a:bodyPr wrap="square" rtlCol="0">
-            <a:spAutoFit/>
-          </a:bodyPr>
-          <a:lstStyle/>
-          <a:p>
-            <a:r>
-              <a:rPr lang="en-US" altLang="ko-KR" dirty="0"/>
-              <a:t>import pandas as pd</a:t>
-            </a:r>
-          </a:p>
-          <a:p>
-            <a:endParaRPr lang="en-US" altLang="ko-KR" dirty="0"/>
-          </a:p>
-          <a:p>
-            <a:r>
-              <a:rPr lang="en-US" altLang="ko-KR" dirty="0"/>
-              <a:t>df = </a:t>
-            </a:r>
-            <a:r>
-              <a:rPr lang="en-US" altLang="ko-KR" dirty="0" err="1"/>
-              <a:t>pd.read_csv</a:t>
-            </a:r>
-            <a:r>
-              <a:rPr lang="en-US" altLang="ko-KR" dirty="0"/>
-              <a:t>(filename)</a:t>
-            </a:r>
-          </a:p>
-          <a:p>
-            <a:r>
-              <a:rPr lang="en-US" altLang="ko-KR" dirty="0"/>
-              <a:t>df = </a:t>
-            </a:r>
-            <a:r>
-              <a:rPr lang="en-US" altLang="ko-KR" dirty="0" err="1"/>
-              <a:t>df.interpolate</a:t>
-            </a:r>
-            <a:r>
-              <a:rPr lang="en-US" altLang="ko-KR" dirty="0"/>
-              <a:t>()</a:t>
-            </a:r>
-          </a:p>
-          <a:p>
-            <a:r>
-              <a:rPr lang="en-US" altLang="ko-KR" dirty="0"/>
-              <a:t>df = </a:t>
-            </a:r>
-            <a:r>
-              <a:rPr lang="en-US" altLang="ko-KR" dirty="0" err="1"/>
-              <a:t>df.fillna</a:t>
-            </a:r>
-            <a:r>
-              <a:rPr lang="en-US" altLang="ko-KR" dirty="0"/>
-              <a:t>(value=0)</a:t>
-            </a:r>
-            <a:endParaRPr lang="ko-KR" altLang="en-US" dirty="0"/>
-          </a:p>
-        </p:txBody>
-      </p:sp>
-      <p:sp>
-        <p:nvSpPr>
-          <p:cNvPr id="22" name="TextBox 21">
-            <a:extLst>
-              <a:ext uri="{FF2B5EF4-FFF2-40B4-BE49-F238E27FC236}">
-                <a16:creationId xmlns:a16="http://schemas.microsoft.com/office/drawing/2014/main" id="{EFF9B70C-CB97-42B2-A9C0-36B61932DB17}"/>
-              </a:ext>
-            </a:extLst>
-          </p:cNvPr>
-          <p:cNvSpPr txBox="1"/>
-          <p:nvPr/>
-        </p:nvSpPr>
-        <p:spPr>
-          <a:xfrm>
-            <a:off x="696600" y="5046137"/>
-            <a:ext cx="10939549" cy="456535"/>
-          </a:xfrm>
-          <a:prstGeom prst="rect">
-            <a:avLst/>
-          </a:prstGeom>
-          <a:noFill/>
-        </p:spPr>
-        <p:txBody>
-          <a:bodyPr wrap="square" rtlCol="0">
-            <a:spAutoFit/>
-          </a:bodyPr>
-          <a:lstStyle/>
-          <a:p>
-            <a:pPr marL="285750" indent="-285750">
-              <a:lnSpc>
-                <a:spcPct val="150000"/>
-              </a:lnSpc>
-              <a:buFont typeface="Arial" panose="020B0604020202020204" pitchFamily="34" charset="0"/>
-              <a:buChar char="•"/>
-            </a:pPr>
-            <a:r>
-              <a:rPr lang="en-US" altLang="ko-KR" dirty="0"/>
-              <a:t>Remove meaningless data(20:00 ~ 06:00)</a:t>
-            </a:r>
-            <a:endParaRPr lang="en-US" dirty="0"/>
-          </a:p>
-        </p:txBody>
-      </p:sp>
+        </p:nvPicPr>
+        <p:blipFill>
+          <a:blip r:embed="rId5"/>
+          <a:stretch>
+            <a:fillRect/>
+          </a:stretch>
+        </p:blipFill>
+        <p:spPr>
+          <a:xfrm>
+            <a:off x="886119" y="3524863"/>
+            <a:ext cx="3943350" cy="771525"/>
+          </a:xfrm>
+          <a:prstGeom prst="rect">
+            <a:avLst/>
+          </a:prstGeom>
+        </p:spPr>
+      </p:pic>
     </p:spTree>
     <p:extLst>
       <p:ext uri="{BB962C8B-B14F-4D97-AF65-F5344CB8AC3E}">
@@ -10712,6 +9128,14 @@
 <file path=ppt/slides/slide5.xml><?xml version="1.0" encoding="utf-8"?>
 <p:sld xmlns:a="http://schemas.openxmlformats.org/drawingml/2006/main" xmlns:r="http://schemas.openxmlformats.org/officeDocument/2006/relationships" xmlns:p="http://schemas.openxmlformats.org/presentationml/2006/main">
   <p:cSld>
+    <p:bg>
+      <p:bgPr>
+        <a:solidFill>
+          <a:srgbClr val="C00000"/>
+        </a:solidFill>
+        <a:effectLst/>
+      </p:bgPr>
+    </p:bg>
     <p:spTree>
       <p:nvGrpSpPr>
         <p:cNvPr id="1" name=""/>
@@ -10763,7 +9187,7 @@
                 </a:solidFill>
                 <a:latin typeface="Times New Roman"/>
               </a:rPr>
-              <a:t>Experiments Ⅰ</a:t>
+              <a:t>Model</a:t>
             </a:r>
             <a:endParaRPr lang="ko-KR" sz="3600" b="0" strike="noStrike" spc="-1" dirty="0">
               <a:solidFill>
@@ -10820,329 +9244,102 @@
           </a:p>
         </p:txBody>
       </p:sp>
-      <p:graphicFrame>
-        <p:nvGraphicFramePr>
-          <p:cNvPr id="3" name="표 3">
+      <p:sp>
+        <p:nvSpPr>
+          <p:cNvPr id="2" name="TextBox 1">
             <a:extLst>
               <a:ext uri="{FF2B5EF4-FFF2-40B4-BE49-F238E27FC236}">
-                <a16:creationId xmlns:a16="http://schemas.microsoft.com/office/drawing/2014/main" id="{C62A5A1B-BCB8-4F21-8252-37301F0219EF}"/>
+                <a16:creationId xmlns:a16="http://schemas.microsoft.com/office/drawing/2014/main" id="{113400B4-29C1-4BFB-ADD5-612AC96DCE69}"/>
               </a:ext>
             </a:extLst>
           </p:cNvPr>
-          <p:cNvGraphicFramePr>
-            <a:graphicFrameLocks noGrp="1"/>
-          </p:cNvGraphicFramePr>
-          <p:nvPr>
-            <p:extLst>
-              <p:ext uri="{D42A27DB-BD31-4B8C-83A1-F6EECF244321}">
-                <p14:modId xmlns:p14="http://schemas.microsoft.com/office/powerpoint/2010/main" val="3447933968"/>
-              </p:ext>
-            </p:extLst>
-          </p:nvPr>
-        </p:nvGraphicFramePr>
-        <p:xfrm>
-          <a:off x="753666" y="2109530"/>
-          <a:ext cx="4224734" cy="2435964"/>
-        </p:xfrm>
-        <a:graphic>
-          <a:graphicData uri="http://schemas.openxmlformats.org/drawingml/2006/table">
-            <a:tbl>
-              <a:tblPr firstRow="1" bandRow="1">
-                <a:tableStyleId>{3B4B98B0-60AC-42C2-AFA5-B58CD77FA1E5}</a:tableStyleId>
-              </a:tblPr>
-              <a:tblGrid>
-                <a:gridCol w="1212855">
-                  <a:extLst>
-                    <a:ext uri="{9D8B030D-6E8A-4147-A177-3AD203B41FA5}">
-                      <a16:colId xmlns:a16="http://schemas.microsoft.com/office/drawing/2014/main" val="3991806659"/>
-                    </a:ext>
-                  </a:extLst>
-                </a:gridCol>
-                <a:gridCol w="1446972">
-                  <a:extLst>
-                    <a:ext uri="{9D8B030D-6E8A-4147-A177-3AD203B41FA5}">
-                      <a16:colId xmlns:a16="http://schemas.microsoft.com/office/drawing/2014/main" val="3814641399"/>
-                    </a:ext>
-                  </a:extLst>
-                </a:gridCol>
-                <a:gridCol w="1564907">
-                  <a:extLst>
-                    <a:ext uri="{9D8B030D-6E8A-4147-A177-3AD203B41FA5}">
-                      <a16:colId xmlns:a16="http://schemas.microsoft.com/office/drawing/2014/main" val="1795486114"/>
-                    </a:ext>
-                  </a:extLst>
-                </a:gridCol>
-              </a:tblGrid>
-              <a:tr h="466733">
-                <a:tc>
-                  <a:txBody>
-                    <a:bodyPr/>
-                    <a:lstStyle/>
-                    <a:p>
-                      <a:pPr latinLnBrk="1"/>
-                      <a:r>
-                        <a:rPr lang="en-US" altLang="ko-KR" sz="1400" dirty="0"/>
-                        <a:t>Model</a:t>
-                      </a:r>
-                      <a:endParaRPr lang="ko-KR" altLang="en-US" sz="1400" dirty="0"/>
-                    </a:p>
-                  </a:txBody>
-                  <a:tcPr anchor="ctr"/>
-                </a:tc>
-                <a:tc>
-                  <a:txBody>
-                    <a:bodyPr/>
-                    <a:lstStyle/>
-                    <a:p>
-                      <a:pPr latinLnBrk="1"/>
-                      <a:r>
-                        <a:rPr lang="en-US" altLang="ko-KR" sz="1400" dirty="0"/>
-                        <a:t>Val Loss</a:t>
-                      </a:r>
-                      <a:endParaRPr lang="ko-KR" altLang="en-US" sz="1400" dirty="0"/>
-                    </a:p>
-                  </a:txBody>
-                  <a:tcPr anchor="ctr"/>
-                </a:tc>
-                <a:tc>
-                  <a:txBody>
-                    <a:bodyPr/>
-                    <a:lstStyle/>
-                    <a:p>
-                      <a:pPr latinLnBrk="1"/>
-                      <a:r>
-                        <a:rPr lang="en-US" altLang="ko-KR" sz="1400" dirty="0"/>
-                        <a:t>MAE</a:t>
-                      </a:r>
-                      <a:endParaRPr lang="ko-KR" altLang="en-US" sz="1400" dirty="0"/>
-                    </a:p>
-                  </a:txBody>
-                  <a:tcPr anchor="ctr"/>
-                </a:tc>
-                <a:extLst>
-                  <a:ext uri="{0D108BD9-81ED-4DB2-BD59-A6C34878D82A}">
-                    <a16:rowId xmlns:a16="http://schemas.microsoft.com/office/drawing/2014/main" val="3295893930"/>
-                  </a:ext>
-                </a:extLst>
-              </a:tr>
-              <a:tr h="466733">
-                <a:tc>
-                  <a:txBody>
-                    <a:bodyPr/>
-                    <a:lstStyle/>
-                    <a:p>
-                      <a:pPr latinLnBrk="1"/>
-                      <a:r>
-                        <a:rPr lang="en-US" altLang="ko-KR" sz="1400" dirty="0"/>
-                        <a:t>Dense</a:t>
-                      </a:r>
-                      <a:endParaRPr lang="ko-KR" altLang="en-US" sz="1400" dirty="0"/>
-                    </a:p>
-                  </a:txBody>
-                  <a:tcPr anchor="ctr"/>
-                </a:tc>
-                <a:tc>
-                  <a:txBody>
-                    <a:bodyPr/>
-                    <a:lstStyle/>
-                    <a:p>
-                      <a:pPr latinLnBrk="1"/>
-                      <a:r>
-                        <a:rPr lang="en-US" altLang="ko-KR" sz="1400" dirty="0"/>
-                        <a:t>0.56751</a:t>
-                      </a:r>
-                      <a:endParaRPr lang="ko-KR" altLang="en-US" sz="1400" dirty="0"/>
-                    </a:p>
-                  </a:txBody>
-                  <a:tcPr anchor="ctr"/>
-                </a:tc>
-                <a:tc>
-                  <a:txBody>
-                    <a:bodyPr/>
-                    <a:lstStyle/>
-                    <a:p>
-                      <a:pPr latinLnBrk="1"/>
-                      <a:r>
-                        <a:rPr lang="en-US" altLang="ko-KR" sz="1400" dirty="0"/>
-                        <a:t>0.521</a:t>
-                      </a:r>
-                      <a:endParaRPr lang="ko-KR" altLang="en-US" sz="1400" dirty="0"/>
-                    </a:p>
-                  </a:txBody>
-                  <a:tcPr anchor="ctr"/>
-                </a:tc>
-                <a:extLst>
-                  <a:ext uri="{0D108BD9-81ED-4DB2-BD59-A6C34878D82A}">
-                    <a16:rowId xmlns:a16="http://schemas.microsoft.com/office/drawing/2014/main" val="322185057"/>
-                  </a:ext>
-                </a:extLst>
-              </a:tr>
-              <a:tr h="466733">
-                <a:tc>
-                  <a:txBody>
-                    <a:bodyPr/>
-                    <a:lstStyle/>
-                    <a:p>
-                      <a:pPr latinLnBrk="1"/>
-                      <a:r>
-                        <a:rPr lang="en-US" altLang="ko-KR" sz="1400" dirty="0"/>
-                        <a:t>LSTM</a:t>
-                      </a:r>
-                      <a:endParaRPr lang="ko-KR" altLang="en-US" sz="1400" dirty="0"/>
-                    </a:p>
-                  </a:txBody>
-                  <a:tcPr anchor="ctr"/>
-                </a:tc>
-                <a:tc>
-                  <a:txBody>
-                    <a:bodyPr/>
-                    <a:lstStyle/>
-                    <a:p>
-                      <a:pPr latinLnBrk="1"/>
-                      <a:r>
-                        <a:rPr lang="en-US" altLang="ko-KR" sz="1400" dirty="0"/>
-                        <a:t>0.49491</a:t>
-                      </a:r>
-                      <a:endParaRPr lang="ko-KR" altLang="en-US" sz="1400" dirty="0"/>
-                    </a:p>
-                  </a:txBody>
-                  <a:tcPr anchor="ctr"/>
-                </a:tc>
-                <a:tc>
-                  <a:txBody>
-                    <a:bodyPr/>
-                    <a:lstStyle/>
-                    <a:p>
-                      <a:pPr latinLnBrk="1"/>
-                      <a:r>
-                        <a:rPr lang="en-US" altLang="ko-KR" sz="1400" dirty="0"/>
-                        <a:t>0.459</a:t>
-                      </a:r>
-                      <a:endParaRPr lang="ko-KR" altLang="en-US" sz="1400" dirty="0"/>
-                    </a:p>
-                  </a:txBody>
-                  <a:tcPr anchor="ctr"/>
-                </a:tc>
-                <a:extLst>
-                  <a:ext uri="{0D108BD9-81ED-4DB2-BD59-A6C34878D82A}">
-                    <a16:rowId xmlns:a16="http://schemas.microsoft.com/office/drawing/2014/main" val="2498752367"/>
-                  </a:ext>
-                </a:extLst>
-              </a:tr>
-              <a:tr h="383617">
-                <a:tc>
-                  <a:txBody>
-                    <a:bodyPr/>
-                    <a:lstStyle/>
-                    <a:p>
-                      <a:pPr latinLnBrk="1"/>
-                      <a:r>
-                        <a:rPr lang="en-US" altLang="ko-KR" sz="1400" dirty="0"/>
-                        <a:t>GRU</a:t>
-                      </a:r>
-                      <a:endParaRPr lang="ko-KR" altLang="en-US" sz="1400" dirty="0"/>
-                    </a:p>
-                  </a:txBody>
-                  <a:tcPr anchor="ctr"/>
-                </a:tc>
-                <a:tc>
-                  <a:txBody>
-                    <a:bodyPr/>
-                    <a:lstStyle/>
-                    <a:p>
-                      <a:pPr latinLnBrk="1"/>
-                      <a:r>
-                        <a:rPr lang="en-US" altLang="ko-KR" sz="1400" dirty="0"/>
-                        <a:t>0.46598</a:t>
-                      </a:r>
-                      <a:endParaRPr lang="ko-KR" altLang="en-US" sz="1400" dirty="0"/>
-                    </a:p>
-                  </a:txBody>
-                  <a:tcPr anchor="ctr"/>
-                </a:tc>
-                <a:tc>
-                  <a:txBody>
-                    <a:bodyPr/>
-                    <a:lstStyle/>
-                    <a:p>
-                      <a:pPr latinLnBrk="1"/>
-                      <a:r>
-                        <a:rPr lang="en-US" altLang="ko-KR" sz="1400" dirty="0"/>
-                        <a:t>0.456</a:t>
-                      </a:r>
-                      <a:endParaRPr lang="ko-KR" altLang="en-US" sz="1400" dirty="0"/>
-                    </a:p>
-                  </a:txBody>
-                  <a:tcPr anchor="ctr"/>
-                </a:tc>
-                <a:extLst>
-                  <a:ext uri="{0D108BD9-81ED-4DB2-BD59-A6C34878D82A}">
-                    <a16:rowId xmlns:a16="http://schemas.microsoft.com/office/drawing/2014/main" val="453758098"/>
-                  </a:ext>
-                </a:extLst>
-              </a:tr>
-              <a:tr h="652148">
-                <a:tc>
-                  <a:txBody>
-                    <a:bodyPr/>
-                    <a:lstStyle/>
-                    <a:p>
-                      <a:pPr latinLnBrk="1"/>
-                      <a:r>
-                        <a:rPr lang="en-US" altLang="ko-KR" sz="1400" dirty="0"/>
-                        <a:t>Bidirectional GRU-based</a:t>
-                      </a:r>
-                      <a:endParaRPr lang="ko-KR" altLang="en-US" sz="1400" dirty="0"/>
-                    </a:p>
-                  </a:txBody>
-                  <a:tcPr anchor="ctr"/>
-                </a:tc>
-                <a:tc>
-                  <a:txBody>
-                    <a:bodyPr/>
-                    <a:lstStyle/>
-                    <a:p>
-                      <a:pPr latinLnBrk="1"/>
-                      <a:r>
-                        <a:rPr lang="en-US" altLang="ko-KR" sz="1400" dirty="0"/>
-                        <a:t>0.47992</a:t>
-                      </a:r>
-                      <a:endParaRPr lang="ko-KR" altLang="en-US" sz="1400" dirty="0"/>
-                    </a:p>
-                  </a:txBody>
-                  <a:tcPr anchor="ctr"/>
-                </a:tc>
-                <a:tc>
-                  <a:txBody>
-                    <a:bodyPr/>
-                    <a:lstStyle/>
-                    <a:p>
-                      <a:pPr latinLnBrk="1"/>
-                      <a:r>
-                        <a:rPr lang="en-US" altLang="ko-KR" sz="1400" dirty="0"/>
-                        <a:t>0.472</a:t>
-                      </a:r>
-                      <a:endParaRPr lang="ko-KR" altLang="en-US" sz="1400" dirty="0"/>
-                    </a:p>
-                  </a:txBody>
-                  <a:tcPr anchor="ctr"/>
-                </a:tc>
-                <a:extLst>
-                  <a:ext uri="{0D108BD9-81ED-4DB2-BD59-A6C34878D82A}">
-                    <a16:rowId xmlns:a16="http://schemas.microsoft.com/office/drawing/2014/main" val="1887458543"/>
-                  </a:ext>
-                </a:extLst>
-              </a:tr>
-            </a:tbl>
-          </a:graphicData>
-        </a:graphic>
-      </p:graphicFrame>
+          <p:cNvSpPr txBox="1"/>
+          <p:nvPr/>
+        </p:nvSpPr>
+        <p:spPr>
+          <a:xfrm>
+            <a:off x="626225" y="1331650"/>
+            <a:ext cx="10939549" cy="1703030"/>
+          </a:xfrm>
+          <a:prstGeom prst="rect">
+            <a:avLst/>
+          </a:prstGeom>
+          <a:noFill/>
+        </p:spPr>
+        <p:txBody>
+          <a:bodyPr wrap="square" rtlCol="0">
+            <a:spAutoFit/>
+          </a:bodyPr>
+          <a:lstStyle/>
+          <a:p>
+            <a:pPr marL="285750" indent="-285750">
+              <a:lnSpc>
+                <a:spcPct val="150000"/>
+              </a:lnSpc>
+              <a:buFont typeface="Arial" panose="020B0604020202020204" pitchFamily="34" charset="0"/>
+              <a:buChar char="•"/>
+            </a:pPr>
+            <a:r>
+              <a:rPr lang="en-US" altLang="ko-KR" b="1" dirty="0"/>
+              <a:t>./models.py</a:t>
+            </a:r>
+          </a:p>
+          <a:p>
+            <a:pPr marL="285750" indent="-285750">
+              <a:lnSpc>
+                <a:spcPct val="150000"/>
+              </a:lnSpc>
+              <a:buFont typeface="Arial" panose="020B0604020202020204" pitchFamily="34" charset="0"/>
+              <a:buChar char="•"/>
+            </a:pPr>
+            <a:r>
+              <a:rPr lang="en-US" altLang="ko-KR" dirty="0"/>
+              <a:t>Define networks(</a:t>
+            </a:r>
+            <a:r>
+              <a:rPr lang="en-US" altLang="ko-KR" b="1" dirty="0"/>
+              <a:t>ResNet1-4, Attention, 3D-regulation</a:t>
+            </a:r>
+            <a:r>
+              <a:rPr lang="en-US" altLang="ko-KR" dirty="0"/>
+              <a:t>)</a:t>
+            </a:r>
+          </a:p>
+          <a:p>
+            <a:pPr marL="285750" indent="-285750">
+              <a:lnSpc>
+                <a:spcPct val="150000"/>
+              </a:lnSpc>
+              <a:buFont typeface="Arial" panose="020B0604020202020204" pitchFamily="34" charset="0"/>
+              <a:buChar char="•"/>
+            </a:pPr>
+            <a:r>
+              <a:rPr lang="en-US" altLang="ko-KR" dirty="0"/>
+              <a:t>Implement model structure for </a:t>
+            </a:r>
+            <a:r>
+              <a:rPr lang="en-US" altLang="ko-KR" b="1" dirty="0"/>
+              <a:t>Weight volume generation</a:t>
+            </a:r>
+          </a:p>
+          <a:p>
+            <a:pPr marL="285750" indent="-285750">
+              <a:lnSpc>
+                <a:spcPct val="150000"/>
+              </a:lnSpc>
+              <a:buFont typeface="Arial" panose="020B0604020202020204" pitchFamily="34" charset="0"/>
+              <a:buChar char="•"/>
+            </a:pPr>
+            <a:endParaRPr lang="en-US" altLang="ko-KR" b="1" dirty="0"/>
+          </a:p>
+        </p:txBody>
+      </p:sp>
       <p:pic>
         <p:nvPicPr>
-          <p:cNvPr id="5" name="그림 4">
+          <p:cNvPr id="7" name="그림 6">
             <a:extLst>
               <a:ext uri="{FF2B5EF4-FFF2-40B4-BE49-F238E27FC236}">
-                <a16:creationId xmlns:a16="http://schemas.microsoft.com/office/drawing/2014/main" id="{442FE80B-D900-4C12-AA32-AB714253834E}"/>
+                <a16:creationId xmlns:a16="http://schemas.microsoft.com/office/drawing/2014/main" id="{4B663FF5-789D-4A59-938C-549160A655A7}"/>
               </a:ext>
             </a:extLst>
           </p:cNvPr>
@@ -11159,8 +9356,8 @@
         </p:blipFill>
         <p:spPr>
           <a:xfrm>
-            <a:off x="5299903" y="1917443"/>
-            <a:ext cx="2925661" cy="2074560"/>
+            <a:off x="964676" y="2997510"/>
+            <a:ext cx="6773492" cy="3427770"/>
           </a:xfrm>
           <a:prstGeom prst="rect">
             <a:avLst/>
@@ -11169,10 +9366,10 @@
       </p:pic>
       <p:pic>
         <p:nvPicPr>
-          <p:cNvPr id="7" name="그림 6">
+          <p:cNvPr id="10" name="그림 9">
             <a:extLst>
               <a:ext uri="{FF2B5EF4-FFF2-40B4-BE49-F238E27FC236}">
-                <a16:creationId xmlns:a16="http://schemas.microsoft.com/office/drawing/2014/main" id="{70AEAEEE-04D1-4DDD-BFCA-A4E4196F0B12}"/>
+                <a16:creationId xmlns:a16="http://schemas.microsoft.com/office/drawing/2014/main" id="{D8C51807-E70E-41C2-87B8-DFB73CC984DC}"/>
               </a:ext>
             </a:extLst>
           </p:cNvPr>
@@ -11189,274 +9386,18 @@
         </p:blipFill>
         <p:spPr>
           <a:xfrm>
-            <a:off x="8478975" y="1917443"/>
-            <a:ext cx="3016425" cy="2155195"/>
+            <a:off x="7951569" y="1331650"/>
+            <a:ext cx="3275755" cy="5245444"/>
           </a:xfrm>
           <a:prstGeom prst="rect">
             <a:avLst/>
           </a:prstGeom>
         </p:spPr>
       </p:pic>
-      <p:sp>
-        <p:nvSpPr>
-          <p:cNvPr id="10" name="TextBox 9">
-            <a:extLst>
-              <a:ext uri="{FF2B5EF4-FFF2-40B4-BE49-F238E27FC236}">
-                <a16:creationId xmlns:a16="http://schemas.microsoft.com/office/drawing/2014/main" id="{D1B43DDE-131D-4FE0-A302-E7C6DDEE1A9C}"/>
-              </a:ext>
-            </a:extLst>
-          </p:cNvPr>
-          <p:cNvSpPr txBox="1"/>
-          <p:nvPr/>
-        </p:nvSpPr>
-        <p:spPr>
-          <a:xfrm>
-            <a:off x="5649843" y="3489788"/>
-            <a:ext cx="1082261" cy="261610"/>
-          </a:xfrm>
-          <a:prstGeom prst="rect">
-            <a:avLst/>
-          </a:prstGeom>
-          <a:noFill/>
-        </p:spPr>
-        <p:txBody>
-          <a:bodyPr wrap="square" rtlCol="0">
-            <a:spAutoFit/>
-          </a:bodyPr>
-          <a:lstStyle/>
-          <a:p>
-            <a:r>
-              <a:rPr lang="en-US" altLang="ko-KR" sz="1100" dirty="0"/>
-              <a:t>dense model</a:t>
-            </a:r>
-            <a:endParaRPr lang="ko-KR" altLang="en-US" sz="1100" dirty="0"/>
-          </a:p>
-        </p:txBody>
-      </p:sp>
-      <p:sp>
-        <p:nvSpPr>
-          <p:cNvPr id="14" name="TextBox 13">
-            <a:extLst>
-              <a:ext uri="{FF2B5EF4-FFF2-40B4-BE49-F238E27FC236}">
-                <a16:creationId xmlns:a16="http://schemas.microsoft.com/office/drawing/2014/main" id="{E337868A-2455-4F35-B46F-8DE87E457905}"/>
-              </a:ext>
-            </a:extLst>
-          </p:cNvPr>
-          <p:cNvSpPr txBox="1"/>
-          <p:nvPr/>
-        </p:nvSpPr>
-        <p:spPr>
-          <a:xfrm>
-            <a:off x="8834782" y="3527334"/>
-            <a:ext cx="1082261" cy="261610"/>
-          </a:xfrm>
-          <a:prstGeom prst="rect">
-            <a:avLst/>
-          </a:prstGeom>
-          <a:noFill/>
-        </p:spPr>
-        <p:txBody>
-          <a:bodyPr wrap="square" rtlCol="0">
-            <a:spAutoFit/>
-          </a:bodyPr>
-          <a:lstStyle/>
-          <a:p>
-            <a:r>
-              <a:rPr lang="en-US" altLang="ko-KR" sz="1100" dirty="0"/>
-              <a:t>LSTM</a:t>
-            </a:r>
-            <a:endParaRPr lang="ko-KR" altLang="en-US" sz="1100" dirty="0"/>
-          </a:p>
-        </p:txBody>
-      </p:sp>
-      <p:pic>
-        <p:nvPicPr>
-          <p:cNvPr id="12" name="그림 11">
-            <a:extLst>
-              <a:ext uri="{FF2B5EF4-FFF2-40B4-BE49-F238E27FC236}">
-                <a16:creationId xmlns:a16="http://schemas.microsoft.com/office/drawing/2014/main" id="{AFD90B41-D831-43C6-A718-611AE2598825}"/>
-              </a:ext>
-            </a:extLst>
-          </p:cNvPr>
-          <p:cNvPicPr>
-            <a:picLocks noChangeAspect="1"/>
-          </p:cNvPicPr>
-          <p:nvPr/>
-        </p:nvPicPr>
-        <p:blipFill>
-          <a:blip r:embed="rId5"/>
-          <a:stretch>
-            <a:fillRect/>
-          </a:stretch>
-        </p:blipFill>
-        <p:spPr>
-          <a:xfrm>
-            <a:off x="5326270" y="4195878"/>
-            <a:ext cx="2914262" cy="2074559"/>
-          </a:xfrm>
-          <a:prstGeom prst="rect">
-            <a:avLst/>
-          </a:prstGeom>
-        </p:spPr>
-      </p:pic>
-      <p:sp>
-        <p:nvSpPr>
-          <p:cNvPr id="13" name="TextBox 12">
-            <a:extLst>
-              <a:ext uri="{FF2B5EF4-FFF2-40B4-BE49-F238E27FC236}">
-                <a16:creationId xmlns:a16="http://schemas.microsoft.com/office/drawing/2014/main" id="{B9AF159D-CAB0-45DE-B13D-2E0706B5C03A}"/>
-              </a:ext>
-            </a:extLst>
-          </p:cNvPr>
-          <p:cNvSpPr txBox="1"/>
-          <p:nvPr/>
-        </p:nvSpPr>
-        <p:spPr>
-          <a:xfrm>
-            <a:off x="5663184" y="5755908"/>
-            <a:ext cx="1082261" cy="261610"/>
-          </a:xfrm>
-          <a:prstGeom prst="rect">
-            <a:avLst/>
-          </a:prstGeom>
-          <a:noFill/>
-        </p:spPr>
-        <p:txBody>
-          <a:bodyPr wrap="square" rtlCol="0">
-            <a:spAutoFit/>
-          </a:bodyPr>
-          <a:lstStyle/>
-          <a:p>
-            <a:r>
-              <a:rPr lang="en-US" altLang="ko-KR" sz="1100" dirty="0"/>
-              <a:t>GRU</a:t>
-            </a:r>
-            <a:endParaRPr lang="ko-KR" altLang="en-US" sz="1100" dirty="0"/>
-          </a:p>
-        </p:txBody>
-      </p:sp>
-      <p:pic>
-        <p:nvPicPr>
-          <p:cNvPr id="16" name="그림 15">
-            <a:extLst>
-              <a:ext uri="{FF2B5EF4-FFF2-40B4-BE49-F238E27FC236}">
-                <a16:creationId xmlns:a16="http://schemas.microsoft.com/office/drawing/2014/main" id="{CA325A3D-1068-49CF-925B-80ABE7A12043}"/>
-              </a:ext>
-            </a:extLst>
-          </p:cNvPr>
-          <p:cNvPicPr>
-            <a:picLocks noChangeAspect="1"/>
-          </p:cNvPicPr>
-          <p:nvPr/>
-        </p:nvPicPr>
-        <p:blipFill>
-          <a:blip r:embed="rId6"/>
-          <a:stretch>
-            <a:fillRect/>
-          </a:stretch>
-        </p:blipFill>
-        <p:spPr>
-          <a:xfrm>
-            <a:off x="8439222" y="4182627"/>
-            <a:ext cx="3051761" cy="2156182"/>
-          </a:xfrm>
-          <a:prstGeom prst="rect">
-            <a:avLst/>
-          </a:prstGeom>
-        </p:spPr>
-      </p:pic>
-      <p:sp>
-        <p:nvSpPr>
-          <p:cNvPr id="19" name="TextBox 18">
-            <a:extLst>
-              <a:ext uri="{FF2B5EF4-FFF2-40B4-BE49-F238E27FC236}">
-                <a16:creationId xmlns:a16="http://schemas.microsoft.com/office/drawing/2014/main" id="{09563A11-A521-4529-8AC3-A40D824F509D}"/>
-              </a:ext>
-            </a:extLst>
-          </p:cNvPr>
-          <p:cNvSpPr txBox="1"/>
-          <p:nvPr/>
-        </p:nvSpPr>
-        <p:spPr>
-          <a:xfrm>
-            <a:off x="8801652" y="5755908"/>
-            <a:ext cx="1082261" cy="261610"/>
-          </a:xfrm>
-          <a:prstGeom prst="rect">
-            <a:avLst/>
-          </a:prstGeom>
-          <a:noFill/>
-        </p:spPr>
-        <p:txBody>
-          <a:bodyPr wrap="square" rtlCol="0">
-            <a:spAutoFit/>
-          </a:bodyPr>
-          <a:lstStyle/>
-          <a:p>
-            <a:r>
-              <a:rPr lang="en-US" altLang="ko-KR" sz="1100" dirty="0"/>
-              <a:t>Bid</a:t>
-            </a:r>
-            <a:endParaRPr lang="ko-KR" altLang="en-US" sz="1100" dirty="0"/>
-          </a:p>
-        </p:txBody>
-      </p:sp>
-      <p:sp>
-        <p:nvSpPr>
-          <p:cNvPr id="17" name="직사각형 16">
-            <a:extLst>
-              <a:ext uri="{FF2B5EF4-FFF2-40B4-BE49-F238E27FC236}">
-                <a16:creationId xmlns:a16="http://schemas.microsoft.com/office/drawing/2014/main" id="{C44CEDC4-EFB5-4E98-9925-3A7C5AC60B6D}"/>
-              </a:ext>
-            </a:extLst>
-          </p:cNvPr>
-          <p:cNvSpPr/>
-          <p:nvPr/>
-        </p:nvSpPr>
-        <p:spPr>
-          <a:xfrm>
-            <a:off x="753666" y="3527334"/>
-            <a:ext cx="4224734" cy="351136"/>
-          </a:xfrm>
-          <a:prstGeom prst="rect">
-            <a:avLst/>
-          </a:prstGeom>
-          <a:noFill/>
-          <a:ln w="38100">
-            <a:solidFill>
-              <a:srgbClr val="C00000"/>
-            </a:solidFill>
-          </a:ln>
-        </p:spPr>
-        <p:style>
-          <a:lnRef idx="2">
-            <a:schemeClr val="accent1">
-              <a:shade val="50000"/>
-            </a:schemeClr>
-          </a:lnRef>
-          <a:fillRef idx="1">
-            <a:schemeClr val="accent1"/>
-          </a:fillRef>
-          <a:effectRef idx="0">
-            <a:schemeClr val="accent1"/>
-          </a:effectRef>
-          <a:fontRef idx="minor">
-            <a:schemeClr val="lt1"/>
-          </a:fontRef>
-        </p:style>
-        <p:txBody>
-          <a:bodyPr rtlCol="0" anchor="ctr"/>
-          <a:lstStyle/>
-          <a:p>
-            <a:pPr algn="ctr"/>
-            <a:endParaRPr lang="ko-KR" altLang="en-US"/>
-          </a:p>
-        </p:txBody>
-      </p:sp>
     </p:spTree>
     <p:extLst>
       <p:ext uri="{BB962C8B-B14F-4D97-AF65-F5344CB8AC3E}">
-        <p14:creationId xmlns:p14="http://schemas.microsoft.com/office/powerpoint/2010/main" val="1390451609"/>
+        <p14:creationId xmlns:p14="http://schemas.microsoft.com/office/powerpoint/2010/main" val="255192019"/>
       </p:ext>
     </p:extLst>
   </p:cSld>
@@ -11547,7 +9488,7 @@
                 </a:solidFill>
                 <a:latin typeface="Times New Roman"/>
               </a:rPr>
-              <a:t>Experiment Ⅱ</a:t>
+              <a:t>Train</a:t>
             </a:r>
             <a:endParaRPr lang="ko-KR" sz="3600" b="0" strike="noStrike" spc="-1" dirty="0">
               <a:solidFill>
@@ -11619,7 +9560,7 @@
         <p:spPr>
           <a:xfrm>
             <a:off x="626225" y="1338349"/>
-            <a:ext cx="10965775" cy="1287532"/>
+            <a:ext cx="10965775" cy="2118529"/>
           </a:xfrm>
           <a:prstGeom prst="rect">
             <a:avLst/>
@@ -11641,8 +9582,13 @@
             </a:pPr>
             <a:r>
               <a:rPr lang="en-US" altLang="ko-KR" dirty="0"/>
-              <a:t>Hyper parameter optimization</a:t>
+              <a:t>Implemented with </a:t>
             </a:r>
+            <a:r>
+              <a:rPr lang="en-US" altLang="ko-KR" dirty="0" err="1"/>
+              <a:t>PyTorch</a:t>
+            </a:r>
+            <a:endParaRPr lang="en-US" altLang="ko-KR" dirty="0"/>
           </a:p>
           <a:p>
             <a:pPr marL="285750" indent="-285750">
@@ -11653,8 +9599,12 @@
               <a:buChar char="•"/>
             </a:pPr>
             <a:r>
+              <a:rPr lang="en-US" altLang="ko-KR" dirty="0"/>
+              <a:t>Model optimizer : </a:t>
+            </a:r>
+            <a:r>
               <a:rPr lang="en-US" altLang="ko-KR" dirty="0" err="1"/>
-              <a:t>Hyperas</a:t>
+              <a:t>RMSProp</a:t>
             </a:r>
             <a:endParaRPr lang="en-US" altLang="ko-KR" dirty="0"/>
           </a:p>
@@ -11666,351 +9616,45 @@
               <a:buFont typeface="Arial" panose="020B0604020202020204" pitchFamily="34" charset="0"/>
               <a:buChar char="•"/>
             </a:pPr>
-            <a:endParaRPr lang="en-US" dirty="0"/>
-          </a:p>
-        </p:txBody>
-      </p:sp>
-      <p:sp>
-        <p:nvSpPr>
-          <p:cNvPr id="4" name="TextBox 3">
-            <a:extLst>
-              <a:ext uri="{FF2B5EF4-FFF2-40B4-BE49-F238E27FC236}">
-                <a16:creationId xmlns:a16="http://schemas.microsoft.com/office/drawing/2014/main" id="{3194E6B3-2872-4090-8B4E-C401CE692945}"/>
-              </a:ext>
-            </a:extLst>
-          </p:cNvPr>
-          <p:cNvSpPr txBox="1"/>
-          <p:nvPr/>
-        </p:nvSpPr>
-        <p:spPr>
-          <a:xfrm>
-            <a:off x="890606" y="2376266"/>
-            <a:ext cx="4706229" cy="2828147"/>
-          </a:xfrm>
-          <a:prstGeom prst="rect">
-            <a:avLst/>
-          </a:prstGeom>
-          <a:solidFill>
-            <a:schemeClr val="bg1"/>
-          </a:solidFill>
-        </p:spPr>
-        <p:txBody>
-          <a:bodyPr wrap="square" rtlCol="0">
-            <a:spAutoFit/>
-          </a:bodyPr>
-          <a:lstStyle/>
-          <a:p>
-            <a:pPr>
+            <a:r>
+              <a:rPr lang="en-US" dirty="0"/>
+              <a:t>Batch size : 256 x 512 randomly located crop</a:t>
+            </a:r>
+          </a:p>
+          <a:p>
+            <a:pPr marL="285750" indent="-285750">
               <a:lnSpc>
                 <a:spcPct val="150000"/>
               </a:lnSpc>
+              <a:buFont typeface="Arial" panose="020B0604020202020204" pitchFamily="34" charset="0"/>
+              <a:buChar char="•"/>
             </a:pPr>
             <a:r>
-              <a:rPr lang="en-US" altLang="ko-KR" sz="1200" dirty="0"/>
-              <a:t>model = Sequential()</a:t>
+              <a:rPr lang="en-US" dirty="0"/>
+              <a:t>Learning late : 0.001</a:t>
             </a:r>
           </a:p>
           <a:p>
-            <a:pPr>
+            <a:pPr marL="285750" indent="-285750">
               <a:lnSpc>
                 <a:spcPct val="150000"/>
               </a:lnSpc>
+              <a:buFont typeface="Arial" panose="020B0604020202020204" pitchFamily="34" charset="0"/>
+              <a:buChar char="•"/>
             </a:pPr>
             <a:r>
-              <a:rPr lang="en-US" altLang="ko-KR" sz="1200" dirty="0" err="1"/>
-              <a:t>model.add</a:t>
+              <a:rPr lang="en-US" dirty="0"/>
+              <a:t>Loss : Mean Squared Error</a:t>
             </a:r>
-            <a:r>
-              <a:rPr lang="en-US" altLang="ko-KR" sz="1200" dirty="0"/>
-              <a:t>(</a:t>
-            </a:r>
-            <a:r>
-              <a:rPr lang="en-US" altLang="ko-KR" sz="1200" dirty="0" err="1"/>
-              <a:t>layers.GRU</a:t>
-            </a:r>
-            <a:r>
-              <a:rPr lang="en-US" altLang="ko-KR" sz="1200" dirty="0"/>
-              <a:t>(</a:t>
-            </a:r>
-            <a:r>
-              <a:rPr lang="en-US" altLang="ko-KR" sz="1200" b="1" dirty="0">
-                <a:highlight>
-                  <a:srgbClr val="FFFF00"/>
-                </a:highlight>
-              </a:rPr>
-              <a:t>{{choice([32, 64, 128])}}</a:t>
-            </a:r>
-            <a:r>
-              <a:rPr lang="en-US" altLang="ko-KR" sz="1200" dirty="0"/>
-              <a:t>,</a:t>
-            </a:r>
-          </a:p>
-          <a:p>
-            <a:pPr>
-              <a:lnSpc>
-                <a:spcPct val="150000"/>
-              </a:lnSpc>
-            </a:pPr>
-            <a:r>
-              <a:rPr lang="en-US" altLang="ko-KR" sz="1200" dirty="0"/>
-              <a:t>                  </a:t>
-            </a:r>
-            <a:r>
-              <a:rPr lang="en-US" altLang="ko-KR" sz="1200" dirty="0" err="1"/>
-              <a:t>input_shape</a:t>
-            </a:r>
-            <a:r>
-              <a:rPr lang="en-US" altLang="ko-KR" sz="1200" dirty="0"/>
-              <a:t>=(None, 5)))</a:t>
-            </a:r>
-          </a:p>
-          <a:p>
-            <a:pPr>
-              <a:lnSpc>
-                <a:spcPct val="150000"/>
-              </a:lnSpc>
-            </a:pPr>
-            <a:r>
-              <a:rPr lang="en-US" altLang="ko-KR" sz="1200" dirty="0" err="1"/>
-              <a:t>model.add</a:t>
-            </a:r>
-            <a:r>
-              <a:rPr lang="en-US" altLang="ko-KR" sz="1200" dirty="0"/>
-              <a:t>(</a:t>
-            </a:r>
-            <a:r>
-              <a:rPr lang="en-US" altLang="ko-KR" sz="1200" dirty="0" err="1"/>
-              <a:t>layers.Dense</a:t>
-            </a:r>
-            <a:r>
-              <a:rPr lang="en-US" altLang="ko-KR" sz="1200" dirty="0"/>
-              <a:t>(</a:t>
-            </a:r>
-            <a:r>
-              <a:rPr lang="en-US" altLang="ko-KR" sz="1200" b="1" dirty="0">
-                <a:highlight>
-                  <a:srgbClr val="FFFF00"/>
-                </a:highlight>
-              </a:rPr>
-              <a:t>{{choice([1, 16, 32, 64])}}</a:t>
-            </a:r>
-            <a:r>
-              <a:rPr lang="en-US" altLang="ko-KR" sz="1200" dirty="0"/>
-              <a:t>))</a:t>
-            </a:r>
-          </a:p>
-          <a:p>
-            <a:pPr>
-              <a:lnSpc>
-                <a:spcPct val="150000"/>
-              </a:lnSpc>
-            </a:pPr>
-            <a:r>
-              <a:rPr lang="en-US" altLang="ko-KR" sz="1200" dirty="0" err="1"/>
-              <a:t>model.add</a:t>
-            </a:r>
-            <a:r>
-              <a:rPr lang="en-US" altLang="ko-KR" sz="1200" dirty="0"/>
-              <a:t>(Activation(</a:t>
-            </a:r>
-            <a:r>
-              <a:rPr lang="en-US" altLang="ko-KR" sz="1200" b="1" dirty="0">
-                <a:highlight>
-                  <a:srgbClr val="FFFF00"/>
-                </a:highlight>
-              </a:rPr>
-              <a:t>{{choice(['</a:t>
-            </a:r>
-            <a:r>
-              <a:rPr lang="en-US" altLang="ko-KR" sz="1200" b="1" dirty="0" err="1">
-                <a:highlight>
-                  <a:srgbClr val="FFFF00"/>
-                </a:highlight>
-              </a:rPr>
-              <a:t>relu</a:t>
-            </a:r>
-            <a:r>
-              <a:rPr lang="en-US" altLang="ko-KR" sz="1200" b="1" dirty="0">
-                <a:highlight>
-                  <a:srgbClr val="FFFF00"/>
-                </a:highlight>
-              </a:rPr>
-              <a:t>', 'sigmoid'])}}</a:t>
-            </a:r>
-            <a:r>
-              <a:rPr lang="en-US" altLang="ko-KR" sz="1200" dirty="0"/>
-              <a:t>))</a:t>
-            </a:r>
-          </a:p>
-          <a:p>
-            <a:pPr>
-              <a:lnSpc>
-                <a:spcPct val="150000"/>
-              </a:lnSpc>
-            </a:pPr>
-            <a:r>
-              <a:rPr lang="en-US" altLang="ko-KR" sz="1200" dirty="0" err="1"/>
-              <a:t>model.add</a:t>
-            </a:r>
-            <a:r>
-              <a:rPr lang="en-US" altLang="ko-KR" sz="1200" dirty="0"/>
-              <a:t>(</a:t>
-            </a:r>
-            <a:r>
-              <a:rPr lang="en-US" altLang="ko-KR" sz="1200" dirty="0" err="1"/>
-              <a:t>layers.Dropout</a:t>
-            </a:r>
-            <a:r>
-              <a:rPr lang="en-US" altLang="ko-KR" sz="1200" dirty="0"/>
-              <a:t>(</a:t>
-            </a:r>
-            <a:r>
-              <a:rPr lang="en-US" altLang="ko-KR" sz="1200" b="1" dirty="0">
-                <a:highlight>
-                  <a:srgbClr val="FFFF00"/>
-                </a:highlight>
-              </a:rPr>
-              <a:t>{{uniform(0, 1)}}</a:t>
-            </a:r>
-            <a:r>
-              <a:rPr lang="en-US" altLang="ko-KR" sz="1200" dirty="0"/>
-              <a:t>))</a:t>
-            </a:r>
-          </a:p>
-          <a:p>
-            <a:pPr>
-              <a:lnSpc>
-                <a:spcPct val="150000"/>
-              </a:lnSpc>
-            </a:pPr>
-            <a:r>
-              <a:rPr lang="en-US" altLang="ko-KR" sz="1200" dirty="0" err="1"/>
-              <a:t>model.add</a:t>
-            </a:r>
-            <a:r>
-              <a:rPr lang="en-US" altLang="ko-KR" sz="1200" dirty="0"/>
-              <a:t>(</a:t>
-            </a:r>
-            <a:r>
-              <a:rPr lang="en-US" altLang="ko-KR" sz="1200" dirty="0" err="1"/>
-              <a:t>layers.Dense</a:t>
-            </a:r>
-            <a:r>
-              <a:rPr lang="en-US" altLang="ko-KR" sz="1200" dirty="0"/>
-              <a:t>(1))</a:t>
-            </a:r>
-          </a:p>
-          <a:p>
-            <a:pPr>
-              <a:lnSpc>
-                <a:spcPct val="150000"/>
-              </a:lnSpc>
-            </a:pPr>
-            <a:endParaRPr lang="en-US" altLang="ko-KR" sz="1200" dirty="0"/>
-          </a:p>
-          <a:p>
-            <a:pPr>
-              <a:lnSpc>
-                <a:spcPct val="150000"/>
-              </a:lnSpc>
-            </a:pPr>
-            <a:r>
-              <a:rPr lang="en-US" altLang="ko-KR" sz="1200" dirty="0" err="1"/>
-              <a:t>model.compile</a:t>
-            </a:r>
-            <a:r>
-              <a:rPr lang="en-US" altLang="ko-KR" sz="1200" dirty="0"/>
-              <a:t>(optimizer=</a:t>
-            </a:r>
-            <a:r>
-              <a:rPr lang="en-US" altLang="ko-KR" sz="1200" b="1" dirty="0">
-                <a:highlight>
-                  <a:srgbClr val="FFFF00"/>
-                </a:highlight>
-              </a:rPr>
-              <a:t>{{choice(['</a:t>
-            </a:r>
-            <a:r>
-              <a:rPr lang="en-US" altLang="ko-KR" sz="1200" b="1" dirty="0" err="1">
-                <a:highlight>
-                  <a:srgbClr val="FFFF00"/>
-                </a:highlight>
-              </a:rPr>
-              <a:t>rmsprop</a:t>
-            </a:r>
-            <a:r>
-              <a:rPr lang="en-US" altLang="ko-KR" sz="1200" b="1" dirty="0">
-                <a:highlight>
-                  <a:srgbClr val="FFFF00"/>
-                </a:highlight>
-              </a:rPr>
-              <a:t>', '</a:t>
-            </a:r>
-            <a:r>
-              <a:rPr lang="en-US" altLang="ko-KR" sz="1200" b="1" dirty="0" err="1">
-                <a:highlight>
-                  <a:srgbClr val="FFFF00"/>
-                </a:highlight>
-              </a:rPr>
-              <a:t>adam</a:t>
-            </a:r>
-            <a:r>
-              <a:rPr lang="en-US" altLang="ko-KR" sz="1200" b="1" dirty="0">
-                <a:highlight>
-                  <a:srgbClr val="FFFF00"/>
-                </a:highlight>
-              </a:rPr>
-              <a:t>', '</a:t>
-            </a:r>
-            <a:r>
-              <a:rPr lang="en-US" altLang="ko-KR" sz="1200" b="1" dirty="0" err="1">
-                <a:highlight>
-                  <a:srgbClr val="FFFF00"/>
-                </a:highlight>
-              </a:rPr>
-              <a:t>sgd</a:t>
-            </a:r>
-            <a:r>
-              <a:rPr lang="en-US" altLang="ko-KR" sz="1200" b="1" dirty="0">
-                <a:highlight>
-                  <a:srgbClr val="FFFF00"/>
-                </a:highlight>
-              </a:rPr>
-              <a:t>'])}}</a:t>
-            </a:r>
-            <a:r>
-              <a:rPr lang="en-US" altLang="ko-KR" sz="1200" dirty="0"/>
-              <a:t>, </a:t>
-            </a:r>
-          </a:p>
-          <a:p>
-            <a:pPr>
-              <a:lnSpc>
-                <a:spcPct val="150000"/>
-              </a:lnSpc>
-            </a:pPr>
-            <a:r>
-              <a:rPr lang="en-US" altLang="ko-KR" sz="1200" dirty="0"/>
-              <a:t>	   loss='</a:t>
-            </a:r>
-            <a:r>
-              <a:rPr lang="en-US" altLang="ko-KR" sz="1200" dirty="0" err="1"/>
-              <a:t>mae</a:t>
-            </a:r>
-            <a:r>
-              <a:rPr lang="en-US" altLang="ko-KR" sz="1200" dirty="0"/>
-              <a:t>')</a:t>
-            </a:r>
-            <a:endParaRPr lang="ko-KR" altLang="en-US" sz="1200" dirty="0"/>
           </a:p>
         </p:txBody>
       </p:sp>
       <p:pic>
         <p:nvPicPr>
-          <p:cNvPr id="9" name="그림 8">
+          <p:cNvPr id="5" name="그림 4">
             <a:extLst>
               <a:ext uri="{FF2B5EF4-FFF2-40B4-BE49-F238E27FC236}">
-                <a16:creationId xmlns:a16="http://schemas.microsoft.com/office/drawing/2014/main" id="{9352907A-DCC8-461E-ACFA-AF5CB6DC4514}"/>
+                <a16:creationId xmlns:a16="http://schemas.microsoft.com/office/drawing/2014/main" id="{E36EEB8E-D5C9-4A32-8BC9-FC65DCE2F3AC}"/>
               </a:ext>
             </a:extLst>
           </p:cNvPr>
@@ -12027,20 +9671,23 @@
         </p:blipFill>
         <p:spPr>
           <a:xfrm>
-            <a:off x="5897238" y="1892901"/>
-            <a:ext cx="5857440" cy="1256790"/>
-          </a:xfrm>
-          <a:prstGeom prst="rect">
-            <a:avLst/>
-          </a:prstGeom>
+            <a:off x="7845053" y="4329329"/>
+            <a:ext cx="2849330" cy="846789"/>
+          </a:xfrm>
+          <a:prstGeom prst="rect">
+            <a:avLst/>
+          </a:prstGeom>
+          <a:ln>
+            <a:noFill/>
+          </a:ln>
         </p:spPr>
       </p:pic>
       <p:pic>
         <p:nvPicPr>
-          <p:cNvPr id="7" name="그림 6">
+          <p:cNvPr id="15" name="그림 14">
             <a:extLst>
               <a:ext uri="{FF2B5EF4-FFF2-40B4-BE49-F238E27FC236}">
-                <a16:creationId xmlns:a16="http://schemas.microsoft.com/office/drawing/2014/main" id="{951464A8-54BF-4FF3-B96C-398C9F8F5D68}"/>
+                <a16:creationId xmlns:a16="http://schemas.microsoft.com/office/drawing/2014/main" id="{CE214016-6C97-4ED0-BBB9-7A2C93F1CB8B}"/>
               </a:ext>
             </a:extLst>
           </p:cNvPr>
@@ -12049,15 +9696,16 @@
           </p:cNvPicPr>
           <p:nvPr/>
         </p:nvPicPr>
-        <p:blipFill rotWithShape="1">
+        <p:blipFill>
           <a:blip r:embed="rId4"/>
-          <a:srcRect t="60550"/>
-          <a:stretch/>
+          <a:stretch>
+            <a:fillRect/>
+          </a:stretch>
         </p:blipFill>
         <p:spPr>
           <a:xfrm>
-            <a:off x="5897238" y="3607242"/>
-            <a:ext cx="5566958" cy="1755269"/>
+            <a:off x="823846" y="3604423"/>
+            <a:ext cx="5858582" cy="2708807"/>
           </a:xfrm>
           <a:prstGeom prst="rect">
             <a:avLst/>
@@ -12066,46 +9714,10 @@
       </p:pic>
       <p:sp>
         <p:nvSpPr>
-          <p:cNvPr id="10" name="TextBox 9">
+          <p:cNvPr id="6" name="화살표: 오른쪽 5">
             <a:extLst>
               <a:ext uri="{FF2B5EF4-FFF2-40B4-BE49-F238E27FC236}">
-                <a16:creationId xmlns:a16="http://schemas.microsoft.com/office/drawing/2014/main" id="{BFCA6D74-42F9-4704-8C5D-EDC28A1351C8}"/>
-              </a:ext>
-            </a:extLst>
-          </p:cNvPr>
-          <p:cNvSpPr txBox="1"/>
-          <p:nvPr/>
-        </p:nvSpPr>
-        <p:spPr>
-          <a:xfrm>
-            <a:off x="7697401" y="3176196"/>
-            <a:ext cx="492443" cy="279309"/>
-          </a:xfrm>
-          <a:prstGeom prst="rect">
-            <a:avLst/>
-          </a:prstGeom>
-          <a:noFill/>
-        </p:spPr>
-        <p:txBody>
-          <a:bodyPr vert="eaVert" wrap="square" rtlCol="0">
-            <a:spAutoFit/>
-          </a:bodyPr>
-          <a:lstStyle/>
-          <a:p>
-            <a:r>
-              <a:rPr lang="en-US" altLang="ko-KR" sz="2000" b="1" dirty="0"/>
-              <a:t>…</a:t>
-            </a:r>
-            <a:endParaRPr lang="ko-KR" altLang="en-US" sz="2000" b="1" dirty="0"/>
-          </a:p>
-        </p:txBody>
-      </p:sp>
-      <p:sp>
-        <p:nvSpPr>
-          <p:cNvPr id="13" name="직사각형 12">
-            <a:extLst>
-              <a:ext uri="{FF2B5EF4-FFF2-40B4-BE49-F238E27FC236}">
-                <a16:creationId xmlns:a16="http://schemas.microsoft.com/office/drawing/2014/main" id="{821D17EF-83A4-4F35-B76D-C5121627284F}"/>
+                <a16:creationId xmlns:a16="http://schemas.microsoft.com/office/drawing/2014/main" id="{9E88C01A-A8C8-4B41-8223-0B458697D507}"/>
               </a:ext>
             </a:extLst>
           </p:cNvPr>
@@ -12114,70 +9726,12 @@
         </p:nvSpPr>
         <p:spPr>
           <a:xfrm>
-            <a:off x="9528313" y="2679088"/>
-            <a:ext cx="2145026" cy="205469"/>
-          </a:xfrm>
-          <a:prstGeom prst="rect">
-            <a:avLst/>
-          </a:prstGeom>
-          <a:noFill/>
-          <a:ln w="38100">
-            <a:solidFill>
-              <a:srgbClr val="C00000"/>
-            </a:solidFill>
-          </a:ln>
-        </p:spPr>
-        <p:style>
-          <a:lnRef idx="2">
-            <a:schemeClr val="accent1">
-              <a:shade val="50000"/>
-            </a:schemeClr>
-          </a:lnRef>
-          <a:fillRef idx="1">
-            <a:schemeClr val="accent1"/>
-          </a:fillRef>
-          <a:effectRef idx="0">
-            <a:schemeClr val="accent1"/>
-          </a:effectRef>
-          <a:fontRef idx="minor">
-            <a:schemeClr val="lt1"/>
-          </a:fontRef>
-        </p:style>
-        <p:txBody>
-          <a:bodyPr rtlCol="0" anchor="ctr"/>
-          <a:lstStyle/>
-          <a:p>
-            <a:pPr algn="ctr"/>
-            <a:endParaRPr lang="ko-KR" altLang="en-US"/>
-          </a:p>
-        </p:txBody>
-      </p:sp>
-      <p:sp>
-        <p:nvSpPr>
-          <p:cNvPr id="14" name="직사각형 13">
-            <a:extLst>
-              <a:ext uri="{FF2B5EF4-FFF2-40B4-BE49-F238E27FC236}">
-                <a16:creationId xmlns:a16="http://schemas.microsoft.com/office/drawing/2014/main" id="{9FFED0F2-2C04-44CA-ADED-942433816E31}"/>
-              </a:ext>
-            </a:extLst>
-          </p:cNvPr>
-          <p:cNvSpPr/>
-          <p:nvPr/>
-        </p:nvSpPr>
-        <p:spPr>
-          <a:xfrm>
-            <a:off x="5897237" y="4951897"/>
-            <a:ext cx="5504049" cy="362226"/>
-          </a:xfrm>
-          <a:prstGeom prst="rect">
-            <a:avLst/>
-          </a:prstGeom>
-          <a:noFill/>
-          <a:ln w="38100">
-            <a:solidFill>
-              <a:srgbClr val="C00000"/>
-            </a:solidFill>
-          </a:ln>
+            <a:off x="7209070" y="4535122"/>
+            <a:ext cx="449030" cy="423705"/>
+          </a:xfrm>
+          <a:prstGeom prst="rightArrow">
+            <a:avLst/>
+          </a:prstGeom>
         </p:spPr>
         <p:style>
           <a:lnRef idx="2">
@@ -12298,7 +9852,7 @@
                 </a:solidFill>
                 <a:latin typeface="Times New Roman"/>
               </a:rPr>
-              <a:t>Tips</a:t>
+              <a:t>Summary</a:t>
             </a:r>
             <a:endParaRPr lang="ko-KR" sz="3600" b="0" strike="noStrike" spc="-1" dirty="0">
               <a:solidFill>
@@ -12370,7 +9924,7 @@
         <p:spPr>
           <a:xfrm>
             <a:off x="626225" y="1338349"/>
-            <a:ext cx="5658957" cy="2949525"/>
+            <a:ext cx="5658957" cy="3780522"/>
           </a:xfrm>
           <a:prstGeom prst="rect">
             <a:avLst/>
@@ -12391,8 +9945,16 @@
               <a:buChar char="•"/>
             </a:pPr>
             <a:r>
-              <a:rPr lang="en-US" altLang="ko-KR" dirty="0"/>
-              <a:t>Must first define two functions</a:t>
+              <a:rPr lang="en-US" altLang="ko-KR" b="1" dirty="0"/>
+              <a:t>Stereo datasets</a:t>
+            </a:r>
+            <a:r>
+              <a:rPr lang="ko-KR" altLang="en-US" b="1" dirty="0"/>
+              <a:t> </a:t>
+            </a:r>
+            <a:r>
+              <a:rPr lang="en-US" altLang="ko-KR" b="1" dirty="0"/>
+              <a:t>preprocessing</a:t>
             </a:r>
           </a:p>
           <a:p>
@@ -12404,14 +9966,17 @@
               <a:buChar char="•"/>
             </a:pPr>
             <a:r>
-              <a:rPr lang="en-US" altLang="ko-KR" dirty="0"/>
-              <a:t>Fixed function names as data, model or </a:t>
+              <a:rPr lang="en-US" altLang="ko-KR" b="1" dirty="0"/>
+              <a:t>Define</a:t>
             </a:r>
             <a:r>
-              <a:rPr lang="en-US" altLang="ko-KR" dirty="0" err="1"/>
-              <a:t>create_model</a:t>
+              <a:rPr lang="ko-KR" altLang="en-US" b="1" dirty="0"/>
+              <a:t> </a:t>
             </a:r>
-            <a:endParaRPr lang="en-US" altLang="ko-KR" dirty="0"/>
+            <a:r>
+              <a:rPr lang="en-US" altLang="ko-KR" b="1" dirty="0"/>
+              <a:t>whole model structure</a:t>
+            </a:r>
           </a:p>
           <a:p>
             <a:pPr marL="285750" indent="-285750">
@@ -12422,8 +9987,85 @@
               <a:buChar char="•"/>
             </a:pPr>
             <a:r>
-              <a:rPr lang="en-US" altLang="ko-KR" dirty="0"/>
-              <a:t>Do not use any Korean (even comments)</a:t>
+              <a:rPr lang="en-US" altLang="ko-KR" b="1" dirty="0"/>
+              <a:t>Implement each networks</a:t>
+            </a:r>
+          </a:p>
+          <a:p>
+            <a:pPr marL="285750" indent="-285750">
+              <a:lnSpc>
+                <a:spcPct val="150000"/>
+              </a:lnSpc>
+              <a:buFont typeface="Arial" panose="020B0604020202020204" pitchFamily="34" charset="0"/>
+              <a:buChar char="•"/>
+            </a:pPr>
+            <a:r>
+              <a:rPr lang="en-US" altLang="ko-KR" b="1" dirty="0"/>
+              <a:t>Extract concatenated feature map</a:t>
+            </a:r>
+          </a:p>
+          <a:p>
+            <a:pPr marL="285750" indent="-285750">
+              <a:lnSpc>
+                <a:spcPct val="150000"/>
+              </a:lnSpc>
+              <a:buFont typeface="Arial" panose="020B0604020202020204" pitchFamily="34" charset="0"/>
+              <a:buChar char="•"/>
+            </a:pPr>
+            <a:r>
+              <a:rPr lang="en-US" altLang="ko-KR" b="1" dirty="0"/>
+              <a:t>Extract attention volume</a:t>
+            </a:r>
+          </a:p>
+          <a:p>
+            <a:pPr marL="285750" indent="-285750">
+              <a:lnSpc>
+                <a:spcPct val="150000"/>
+              </a:lnSpc>
+              <a:buFont typeface="Arial" panose="020B0604020202020204" pitchFamily="34" charset="0"/>
+              <a:buChar char="•"/>
+            </a:pPr>
+            <a:r>
+              <a:rPr lang="en-US" altLang="ko-KR" b="1" dirty="0"/>
+              <a:t>Extract weight volume</a:t>
+            </a:r>
+          </a:p>
+          <a:p>
+            <a:pPr marL="285750" indent="-285750">
+              <a:lnSpc>
+                <a:spcPct val="150000"/>
+              </a:lnSpc>
+              <a:buFont typeface="Arial" panose="020B0604020202020204" pitchFamily="34" charset="0"/>
+              <a:buChar char="•"/>
+            </a:pPr>
+            <a:r>
+              <a:rPr lang="en-US" altLang="ko-KR" b="1" dirty="0">
+                <a:solidFill>
+                  <a:schemeClr val="bg1">
+                    <a:lumMod val="65000"/>
+                  </a:schemeClr>
+                </a:solidFill>
+              </a:rPr>
+              <a:t>Rough colorization</a:t>
+            </a:r>
+          </a:p>
+          <a:p>
+            <a:pPr marL="285750" indent="-285750">
+              <a:lnSpc>
+                <a:spcPct val="150000"/>
+              </a:lnSpc>
+              <a:buFont typeface="Arial" panose="020B0604020202020204" pitchFamily="34" charset="0"/>
+              <a:buChar char="•"/>
+            </a:pPr>
+            <a:r>
+              <a:rPr lang="en-US" altLang="ko-KR" b="1" dirty="0">
+                <a:solidFill>
+                  <a:schemeClr val="bg1">
+                    <a:lumMod val="65000"/>
+                  </a:schemeClr>
+                </a:solidFill>
+              </a:rPr>
+              <a:t>Color residue joint learning </a:t>
             </a:r>
           </a:p>
           <a:p>
@@ -12436,698 +10078,8 @@
             </a:pPr>
             <a:endParaRPr lang="en-US" altLang="ko-KR" dirty="0"/>
           </a:p>
-          <a:p>
-            <a:pPr marL="285750" indent="-285750">
-              <a:lnSpc>
-                <a:spcPct val="150000"/>
-              </a:lnSpc>
-              <a:buFont typeface="Arial" panose="020B0604020202020204" pitchFamily="34" charset="0"/>
-              <a:buChar char="•"/>
-            </a:pPr>
-            <a:r>
-              <a:rPr lang="en-US" altLang="ko-KR" dirty="0"/>
-              <a:t>Do not change tab space (</a:t>
-            </a:r>
-            <a:r>
-              <a:rPr lang="en-US" altLang="ko-KR" dirty="0" err="1"/>
-              <a:t>Jupyter</a:t>
-            </a:r>
-            <a:r>
-              <a:rPr lang="en-US" altLang="ko-KR" dirty="0"/>
-              <a:t> Notebook, </a:t>
-            </a:r>
-            <a:r>
-              <a:rPr lang="en-US" altLang="ko-KR" dirty="0" err="1"/>
-              <a:t>Colab</a:t>
-            </a:r>
-            <a:r>
-              <a:rPr lang="en-US" altLang="ko-KR" dirty="0"/>
-              <a:t>)</a:t>
-            </a:r>
-            <a:endParaRPr lang="en-US" dirty="0"/>
-          </a:p>
-        </p:txBody>
-      </p:sp>
-      <p:sp>
-        <p:nvSpPr>
-          <p:cNvPr id="11" name="직사각형 10">
-            <a:extLst>
-              <a:ext uri="{FF2B5EF4-FFF2-40B4-BE49-F238E27FC236}">
-                <a16:creationId xmlns:a16="http://schemas.microsoft.com/office/drawing/2014/main" id="{F8259DE2-67F4-4CC4-8A19-10DFD53EFD7A}"/>
-              </a:ext>
-            </a:extLst>
-          </p:cNvPr>
-          <p:cNvSpPr/>
-          <p:nvPr/>
-        </p:nvSpPr>
-        <p:spPr>
-          <a:xfrm>
-            <a:off x="6444974" y="1465502"/>
-            <a:ext cx="4987235" cy="588586"/>
-          </a:xfrm>
-          <a:prstGeom prst="rect">
-            <a:avLst/>
-          </a:prstGeom>
-          <a:solidFill>
-            <a:schemeClr val="accent1">
-              <a:lumMod val="40000"/>
-              <a:lumOff val="60000"/>
-            </a:schemeClr>
-          </a:solidFill>
-        </p:spPr>
-        <p:style>
-          <a:lnRef idx="2">
-            <a:schemeClr val="accent1">
-              <a:shade val="50000"/>
-            </a:schemeClr>
-          </a:lnRef>
-          <a:fillRef idx="1">
-            <a:schemeClr val="accent1"/>
-          </a:fillRef>
-          <a:effectRef idx="0">
-            <a:schemeClr val="accent1"/>
-          </a:effectRef>
-          <a:fontRef idx="minor">
-            <a:schemeClr val="lt1"/>
-          </a:fontRef>
-        </p:style>
-        <p:txBody>
-          <a:bodyPr rtlCol="0" anchor="ctr"/>
-          <a:lstStyle/>
-          <a:p>
-            <a:pPr algn="ctr"/>
-            <a:endParaRPr lang="ko-KR" altLang="en-US"/>
-          </a:p>
-        </p:txBody>
-      </p:sp>
-      <p:sp>
-        <p:nvSpPr>
-          <p:cNvPr id="14" name="직사각형 13">
-            <a:extLst>
-              <a:ext uri="{FF2B5EF4-FFF2-40B4-BE49-F238E27FC236}">
-                <a16:creationId xmlns:a16="http://schemas.microsoft.com/office/drawing/2014/main" id="{583F6FDE-C0B5-4EB4-BA3E-6422826A1ED5}"/>
-              </a:ext>
-            </a:extLst>
-          </p:cNvPr>
-          <p:cNvSpPr/>
-          <p:nvPr/>
-        </p:nvSpPr>
-        <p:spPr>
-          <a:xfrm>
-            <a:off x="6444974" y="2264507"/>
-            <a:ext cx="4987235" cy="911598"/>
-          </a:xfrm>
-          <a:prstGeom prst="rect">
-            <a:avLst/>
-          </a:prstGeom>
-          <a:solidFill>
-            <a:schemeClr val="accent1">
-              <a:lumMod val="40000"/>
-              <a:lumOff val="60000"/>
-            </a:schemeClr>
-          </a:solidFill>
-        </p:spPr>
-        <p:style>
-          <a:lnRef idx="2">
-            <a:schemeClr val="accent1">
-              <a:shade val="50000"/>
-            </a:schemeClr>
-          </a:lnRef>
-          <a:fillRef idx="1">
-            <a:schemeClr val="accent1"/>
-          </a:fillRef>
-          <a:effectRef idx="0">
-            <a:schemeClr val="accent1"/>
-          </a:effectRef>
-          <a:fontRef idx="minor">
-            <a:schemeClr val="lt1"/>
-          </a:fontRef>
-        </p:style>
-        <p:txBody>
-          <a:bodyPr rtlCol="0" anchor="ctr"/>
-          <a:lstStyle/>
-          <a:p>
-            <a:pPr algn="ctr"/>
-            <a:endParaRPr lang="ko-KR" altLang="en-US"/>
-          </a:p>
-        </p:txBody>
-      </p:sp>
-      <p:sp>
-        <p:nvSpPr>
-          <p:cNvPr id="15" name="직사각형 14">
-            <a:extLst>
-              <a:ext uri="{FF2B5EF4-FFF2-40B4-BE49-F238E27FC236}">
-                <a16:creationId xmlns:a16="http://schemas.microsoft.com/office/drawing/2014/main" id="{82C45CCD-DABA-402E-90FA-ADA51AC3C397}"/>
-              </a:ext>
-            </a:extLst>
-          </p:cNvPr>
-          <p:cNvSpPr/>
-          <p:nvPr/>
-        </p:nvSpPr>
-        <p:spPr>
-          <a:xfrm>
-            <a:off x="6444974" y="3425944"/>
-            <a:ext cx="4987235" cy="1026786"/>
-          </a:xfrm>
-          <a:prstGeom prst="rect">
-            <a:avLst/>
-          </a:prstGeom>
-          <a:solidFill>
-            <a:schemeClr val="accent1">
-              <a:lumMod val="40000"/>
-              <a:lumOff val="60000"/>
-            </a:schemeClr>
-          </a:solidFill>
-        </p:spPr>
-        <p:style>
-          <a:lnRef idx="2">
-            <a:schemeClr val="accent1">
-              <a:shade val="50000"/>
-            </a:schemeClr>
-          </a:lnRef>
-          <a:fillRef idx="1">
-            <a:schemeClr val="accent1"/>
-          </a:fillRef>
-          <a:effectRef idx="0">
-            <a:schemeClr val="accent1"/>
-          </a:effectRef>
-          <a:fontRef idx="minor">
-            <a:schemeClr val="lt1"/>
-          </a:fontRef>
-        </p:style>
-        <p:txBody>
-          <a:bodyPr rtlCol="0" anchor="ctr"/>
-          <a:lstStyle/>
-          <a:p>
-            <a:pPr algn="ctr"/>
-            <a:endParaRPr lang="ko-KR" altLang="en-US"/>
-          </a:p>
-        </p:txBody>
-      </p:sp>
-      <p:sp>
-        <p:nvSpPr>
-          <p:cNvPr id="16" name="직사각형 15">
-            <a:extLst>
-              <a:ext uri="{FF2B5EF4-FFF2-40B4-BE49-F238E27FC236}">
-                <a16:creationId xmlns:a16="http://schemas.microsoft.com/office/drawing/2014/main" id="{2A4FBB18-1AB5-496B-B1B0-2149891CFF2C}"/>
-              </a:ext>
-            </a:extLst>
-          </p:cNvPr>
-          <p:cNvSpPr/>
-          <p:nvPr/>
-        </p:nvSpPr>
-        <p:spPr>
-          <a:xfrm>
-            <a:off x="6444974" y="4674689"/>
-            <a:ext cx="4987236" cy="1084295"/>
-          </a:xfrm>
-          <a:prstGeom prst="rect">
-            <a:avLst/>
-          </a:prstGeom>
-          <a:solidFill>
-            <a:schemeClr val="accent1">
-              <a:lumMod val="40000"/>
-              <a:lumOff val="60000"/>
-            </a:schemeClr>
-          </a:solidFill>
-        </p:spPr>
-        <p:style>
-          <a:lnRef idx="2">
-            <a:schemeClr val="accent1">
-              <a:shade val="50000"/>
-            </a:schemeClr>
-          </a:lnRef>
-          <a:fillRef idx="1">
-            <a:schemeClr val="accent1"/>
-          </a:fillRef>
-          <a:effectRef idx="0">
-            <a:schemeClr val="accent1"/>
-          </a:effectRef>
-          <a:fontRef idx="minor">
-            <a:schemeClr val="lt1"/>
-          </a:fontRef>
-        </p:style>
-        <p:txBody>
-          <a:bodyPr rtlCol="0" anchor="ctr"/>
-          <a:lstStyle/>
-          <a:p>
-            <a:pPr algn="ctr"/>
-            <a:endParaRPr lang="ko-KR" altLang="en-US"/>
-          </a:p>
-        </p:txBody>
-      </p:sp>
-      <p:pic>
-        <p:nvPicPr>
-          <p:cNvPr id="17" name="그림 16">
-            <a:extLst>
-              <a:ext uri="{FF2B5EF4-FFF2-40B4-BE49-F238E27FC236}">
-                <a16:creationId xmlns:a16="http://schemas.microsoft.com/office/drawing/2014/main" id="{09F9E135-A6A8-471E-BB11-4C702F03BE33}"/>
-              </a:ext>
-            </a:extLst>
-          </p:cNvPr>
-          <p:cNvPicPr>
-            <a:picLocks noChangeAspect="1"/>
-          </p:cNvPicPr>
-          <p:nvPr/>
-        </p:nvPicPr>
-        <p:blipFill>
-          <a:blip r:embed="rId3"/>
-          <a:stretch>
-            <a:fillRect/>
-          </a:stretch>
-        </p:blipFill>
-        <p:spPr>
-          <a:xfrm>
-            <a:off x="935723" y="2982394"/>
-            <a:ext cx="5423583" cy="233131"/>
-          </a:xfrm>
-          <a:prstGeom prst="rect">
-            <a:avLst/>
-          </a:prstGeom>
-        </p:spPr>
-      </p:pic>
-      <p:sp>
-        <p:nvSpPr>
-          <p:cNvPr id="3" name="TextBox 2">
-            <a:extLst>
-              <a:ext uri="{FF2B5EF4-FFF2-40B4-BE49-F238E27FC236}">
-                <a16:creationId xmlns:a16="http://schemas.microsoft.com/office/drawing/2014/main" id="{F42898D5-4476-4991-9F7C-8ECC3A2C4FAE}"/>
-              </a:ext>
-            </a:extLst>
-          </p:cNvPr>
-          <p:cNvSpPr txBox="1"/>
-          <p:nvPr/>
-        </p:nvSpPr>
-        <p:spPr>
-          <a:xfrm>
-            <a:off x="6458228" y="1465501"/>
-            <a:ext cx="4943060" cy="4293483"/>
-          </a:xfrm>
-          <a:prstGeom prst="rect">
-            <a:avLst/>
-          </a:prstGeom>
-          <a:noFill/>
-        </p:spPr>
-        <p:txBody>
-          <a:bodyPr wrap="square" rtlCol="0">
-            <a:spAutoFit/>
-          </a:bodyPr>
-          <a:lstStyle/>
-          <a:p>
-            <a:r>
-              <a:rPr lang="en-US" altLang="ko-KR" sz="1050" dirty="0"/>
-              <a:t>from </a:t>
-            </a:r>
-            <a:r>
-              <a:rPr lang="en-US" altLang="ko-KR" sz="1050" dirty="0" err="1"/>
-              <a:t>hyperopt</a:t>
-            </a:r>
-            <a:r>
-              <a:rPr lang="en-US" altLang="ko-KR" sz="1050" dirty="0"/>
-              <a:t> import Trials, STATUS_OK, </a:t>
-            </a:r>
-            <a:r>
-              <a:rPr lang="en-US" altLang="ko-KR" sz="1050" dirty="0" err="1"/>
-              <a:t>tpe</a:t>
-            </a:r>
-            <a:endParaRPr lang="en-US" altLang="ko-KR" sz="1050" dirty="0"/>
-          </a:p>
-          <a:p>
-            <a:r>
-              <a:rPr lang="en-US" altLang="ko-KR" sz="1050" dirty="0"/>
-              <a:t>from </a:t>
-            </a:r>
-            <a:r>
-              <a:rPr lang="en-US" altLang="ko-KR" sz="1050" dirty="0" err="1"/>
-              <a:t>hyperas</a:t>
-            </a:r>
-            <a:r>
-              <a:rPr lang="en-US" altLang="ko-KR" sz="1050" dirty="0"/>
-              <a:t> import </a:t>
-            </a:r>
-            <a:r>
-              <a:rPr lang="en-US" altLang="ko-KR" sz="1050" dirty="0" err="1"/>
-              <a:t>optim</a:t>
-            </a:r>
-            <a:endParaRPr lang="en-US" altLang="ko-KR" sz="1050" dirty="0"/>
-          </a:p>
-          <a:p>
-            <a:r>
-              <a:rPr lang="en-US" altLang="ko-KR" sz="1050" dirty="0"/>
-              <a:t>from </a:t>
-            </a:r>
-            <a:r>
-              <a:rPr lang="en-US" altLang="ko-KR" sz="1050" dirty="0" err="1"/>
-              <a:t>hyperas.distributions</a:t>
-            </a:r>
-            <a:r>
-              <a:rPr lang="en-US" altLang="ko-KR" sz="1050" dirty="0"/>
-              <a:t> import choice, uniform</a:t>
-            </a:r>
-          </a:p>
-          <a:p>
-            <a:endParaRPr lang="en-US" altLang="ko-KR" sz="1050" dirty="0"/>
-          </a:p>
-          <a:p>
-            <a:endParaRPr lang="en-US" altLang="ko-KR" sz="1050" dirty="0"/>
-          </a:p>
-          <a:p>
-            <a:r>
-              <a:rPr lang="en-US" altLang="ko-KR" sz="1050" dirty="0"/>
-              <a:t>def </a:t>
-            </a:r>
-            <a:r>
-              <a:rPr lang="en-US" altLang="ko-KR" sz="1050" dirty="0">
-                <a:highlight>
-                  <a:srgbClr val="FFFF00"/>
-                </a:highlight>
-              </a:rPr>
-              <a:t>data</a:t>
-            </a:r>
-            <a:r>
-              <a:rPr lang="en-US" altLang="ko-KR" sz="1050" dirty="0"/>
-              <a:t>():</a:t>
-            </a:r>
-          </a:p>
-          <a:p>
-            <a:r>
-              <a:rPr lang="en-US" altLang="ko-KR" sz="1050" dirty="0"/>
-              <a:t> .</a:t>
-            </a:r>
-          </a:p>
-          <a:p>
-            <a:r>
-              <a:rPr lang="en-US" altLang="ko-KR" sz="1050" dirty="0"/>
-              <a:t> .</a:t>
-            </a:r>
-          </a:p>
-          <a:p>
-            <a:r>
-              <a:rPr lang="en-US" altLang="ko-KR" sz="1050" dirty="0"/>
-              <a:t> .</a:t>
-            </a:r>
-          </a:p>
-          <a:p>
-            <a:r>
-              <a:rPr lang="en-US" altLang="ko-KR" sz="1050" dirty="0"/>
-              <a:t>return </a:t>
-            </a:r>
-            <a:r>
-              <a:rPr lang="en-US" altLang="ko-KR" sz="1050" dirty="0" err="1"/>
-              <a:t>train_gen</a:t>
-            </a:r>
-            <a:r>
-              <a:rPr lang="en-US" altLang="ko-KR" sz="1050" dirty="0"/>
-              <a:t>, </a:t>
-            </a:r>
-            <a:r>
-              <a:rPr lang="en-US" altLang="ko-KR" sz="1050" dirty="0" err="1"/>
-              <a:t>val_gen</a:t>
-            </a:r>
-            <a:r>
-              <a:rPr lang="en-US" altLang="ko-KR" sz="1050" dirty="0"/>
-              <a:t>, </a:t>
-            </a:r>
-            <a:r>
-              <a:rPr lang="en-US" altLang="ko-KR" sz="1050" dirty="0" err="1"/>
-              <a:t>test_gen</a:t>
-            </a:r>
-            <a:r>
-              <a:rPr lang="en-US" altLang="ko-KR" sz="1050" dirty="0"/>
-              <a:t>, </a:t>
-            </a:r>
-            <a:r>
-              <a:rPr lang="en-US" altLang="ko-KR" sz="1050" dirty="0" err="1"/>
-              <a:t>val_steps</a:t>
-            </a:r>
-            <a:r>
-              <a:rPr lang="en-US" altLang="ko-KR" sz="1050" dirty="0"/>
-              <a:t>, </a:t>
-            </a:r>
-            <a:r>
-              <a:rPr lang="en-US" altLang="ko-KR" sz="1050" dirty="0" err="1"/>
-              <a:t>test_steps</a:t>
-            </a:r>
-            <a:endParaRPr lang="en-US" altLang="ko-KR" sz="1050" dirty="0"/>
-          </a:p>
-          <a:p>
-            <a:endParaRPr lang="en-US" altLang="ko-KR" sz="1050" dirty="0"/>
-          </a:p>
-          <a:p>
-            <a:endParaRPr lang="en-US" altLang="ko-KR" sz="1050" dirty="0"/>
-          </a:p>
-          <a:p>
-            <a:r>
-              <a:rPr lang="en-US" altLang="ko-KR" sz="1050" dirty="0"/>
-              <a:t>def </a:t>
-            </a:r>
-            <a:r>
-              <a:rPr lang="en-US" altLang="ko-KR" sz="1050" dirty="0" err="1">
-                <a:highlight>
-                  <a:srgbClr val="FFFF00"/>
-                </a:highlight>
-              </a:rPr>
-              <a:t>create_model</a:t>
-            </a:r>
-            <a:r>
-              <a:rPr lang="en-US" altLang="ko-KR" sz="1050" dirty="0"/>
-              <a:t>(</a:t>
-            </a:r>
-            <a:r>
-              <a:rPr lang="sv-SE" altLang="ko-KR" sz="1050" dirty="0"/>
-              <a:t>train_gen, val_gen, test_gen, val_steps, test_steps</a:t>
-            </a:r>
-            <a:r>
-              <a:rPr lang="en-US" altLang="ko-KR" sz="1050" dirty="0"/>
-              <a:t>):</a:t>
-            </a:r>
-          </a:p>
-          <a:p>
-            <a:r>
-              <a:rPr lang="en-US" altLang="ko-KR" sz="1050" dirty="0"/>
-              <a:t> .</a:t>
-            </a:r>
-          </a:p>
-          <a:p>
-            <a:r>
-              <a:rPr lang="en-US" altLang="ko-KR" sz="1050" dirty="0"/>
-              <a:t> .</a:t>
-            </a:r>
-          </a:p>
-          <a:p>
-            <a:r>
-              <a:rPr lang="en-US" altLang="ko-KR" sz="1050" dirty="0"/>
-              <a:t> .</a:t>
-            </a:r>
-          </a:p>
-          <a:p>
-            <a:endParaRPr lang="en-US" altLang="ko-KR" sz="1050" dirty="0"/>
-          </a:p>
-          <a:p>
-            <a:r>
-              <a:rPr lang="en-US" altLang="ko-KR" sz="1050" dirty="0"/>
-              <a:t>return {'loss': </a:t>
-            </a:r>
-            <a:r>
-              <a:rPr lang="en-US" altLang="ko-KR" sz="1050" dirty="0" err="1"/>
-              <a:t>validation_loss</a:t>
-            </a:r>
-            <a:r>
-              <a:rPr lang="en-US" altLang="ko-KR" sz="1050" dirty="0"/>
-              <a:t>, 'status': STATUS_OK, 'model': model}</a:t>
-            </a:r>
-          </a:p>
-          <a:p>
-            <a:endParaRPr lang="en-US" altLang="ko-KR" sz="1050" dirty="0"/>
-          </a:p>
-          <a:p>
-            <a:endParaRPr lang="en-US" altLang="ko-KR" sz="1050" dirty="0"/>
-          </a:p>
-          <a:p>
-            <a:r>
-              <a:rPr lang="en-US" altLang="ko-KR" sz="1050" dirty="0"/>
-              <a:t>if __name__ == '__main__':</a:t>
-            </a:r>
-          </a:p>
-          <a:p>
-            <a:r>
-              <a:rPr lang="en-US" altLang="ko-KR" sz="1050" dirty="0"/>
-              <a:t>    </a:t>
-            </a:r>
-            <a:r>
-              <a:rPr lang="en-US" altLang="ko-KR" sz="1050" dirty="0" err="1"/>
-              <a:t>best_run</a:t>
-            </a:r>
-            <a:r>
-              <a:rPr lang="en-US" altLang="ko-KR" sz="1050" dirty="0"/>
-              <a:t>, </a:t>
-            </a:r>
-            <a:r>
-              <a:rPr lang="en-US" altLang="ko-KR" sz="1050" dirty="0" err="1"/>
-              <a:t>best_model</a:t>
-            </a:r>
-            <a:r>
-              <a:rPr lang="en-US" altLang="ko-KR" sz="1050" dirty="0"/>
-              <a:t> = </a:t>
-            </a:r>
-            <a:r>
-              <a:rPr lang="en-US" altLang="ko-KR" sz="1050" dirty="0" err="1"/>
-              <a:t>optim.minimize</a:t>
-            </a:r>
-            <a:r>
-              <a:rPr lang="en-US" altLang="ko-KR" sz="1050" dirty="0"/>
-              <a:t>(model=</a:t>
-            </a:r>
-            <a:r>
-              <a:rPr lang="en-US" altLang="ko-KR" sz="1050" dirty="0" err="1"/>
-              <a:t>create_model</a:t>
-            </a:r>
-            <a:r>
-              <a:rPr lang="en-US" altLang="ko-KR" sz="1050" dirty="0"/>
-              <a:t>,</a:t>
-            </a:r>
-          </a:p>
-          <a:p>
-            <a:pPr lvl="2"/>
-            <a:r>
-              <a:rPr lang="en-US" altLang="ko-KR" sz="1050" dirty="0"/>
-              <a:t>                                            data=data,</a:t>
-            </a:r>
-          </a:p>
-          <a:p>
-            <a:pPr lvl="2"/>
-            <a:r>
-              <a:rPr lang="en-US" altLang="ko-KR" sz="1050" dirty="0"/>
-              <a:t>                                            algo=</a:t>
-            </a:r>
-            <a:r>
-              <a:rPr lang="en-US" altLang="ko-KR" sz="1050" dirty="0" err="1"/>
-              <a:t>tpe.suggest</a:t>
-            </a:r>
-            <a:r>
-              <a:rPr lang="en-US" altLang="ko-KR" sz="1050" dirty="0"/>
-              <a:t>,</a:t>
-            </a:r>
-          </a:p>
-          <a:p>
-            <a:pPr lvl="2"/>
-            <a:r>
-              <a:rPr lang="en-US" altLang="ko-KR" sz="1050" dirty="0"/>
-              <a:t>                                            </a:t>
-            </a:r>
-            <a:r>
-              <a:rPr lang="en-US" altLang="ko-KR" sz="1050" dirty="0" err="1"/>
-              <a:t>max_evals</a:t>
-            </a:r>
-            <a:r>
-              <a:rPr lang="en-US" altLang="ko-KR" sz="1050" dirty="0"/>
-              <a:t>=3,</a:t>
-            </a:r>
-          </a:p>
-          <a:p>
-            <a:pPr lvl="2"/>
-            <a:r>
-              <a:rPr lang="en-US" altLang="ko-KR" sz="1050"/>
-              <a:t>                                            trials</a:t>
-            </a:r>
-            <a:r>
-              <a:rPr lang="en-US" altLang="ko-KR" sz="1050" dirty="0"/>
-              <a:t>=Trials())</a:t>
-            </a:r>
-            <a:endParaRPr lang="ko-KR" altLang="en-US" sz="1050" dirty="0"/>
-          </a:p>
-        </p:txBody>
-      </p:sp>
-      <p:pic>
-        <p:nvPicPr>
-          <p:cNvPr id="5" name="그림 4">
-            <a:extLst>
-              <a:ext uri="{FF2B5EF4-FFF2-40B4-BE49-F238E27FC236}">
-                <a16:creationId xmlns:a16="http://schemas.microsoft.com/office/drawing/2014/main" id="{7EF17016-A9E2-4F63-A93F-4E6BD3935F8B}"/>
-              </a:ext>
-            </a:extLst>
-          </p:cNvPr>
-          <p:cNvPicPr>
-            <a:picLocks noChangeAspect="1"/>
-          </p:cNvPicPr>
-          <p:nvPr/>
-        </p:nvPicPr>
-        <p:blipFill>
-          <a:blip r:embed="rId4"/>
-          <a:stretch>
-            <a:fillRect/>
-          </a:stretch>
-        </p:blipFill>
-        <p:spPr>
-          <a:xfrm>
-            <a:off x="935723" y="5037043"/>
-            <a:ext cx="3241657" cy="721941"/>
-          </a:xfrm>
-          <a:prstGeom prst="rect">
-            <a:avLst/>
-          </a:prstGeom>
-        </p:spPr>
-      </p:pic>
-      <p:pic>
-        <p:nvPicPr>
-          <p:cNvPr id="7" name="그림 6">
-            <a:extLst>
-              <a:ext uri="{FF2B5EF4-FFF2-40B4-BE49-F238E27FC236}">
-                <a16:creationId xmlns:a16="http://schemas.microsoft.com/office/drawing/2014/main" id="{12334C7F-7BC5-49E3-8688-8F4EEC1D040E}"/>
-              </a:ext>
-            </a:extLst>
-          </p:cNvPr>
-          <p:cNvPicPr>
-            <a:picLocks noChangeAspect="1"/>
-          </p:cNvPicPr>
-          <p:nvPr/>
-        </p:nvPicPr>
-        <p:blipFill>
-          <a:blip r:embed="rId5"/>
-          <a:stretch>
-            <a:fillRect/>
-          </a:stretch>
-        </p:blipFill>
-        <p:spPr>
-          <a:xfrm>
-            <a:off x="935723" y="5815340"/>
-            <a:ext cx="3241656" cy="808560"/>
-          </a:xfrm>
-          <a:prstGeom prst="rect">
-            <a:avLst/>
-          </a:prstGeom>
-        </p:spPr>
-      </p:pic>
-      <p:pic>
-        <p:nvPicPr>
-          <p:cNvPr id="12" name="그림 11">
-            <a:extLst>
-              <a:ext uri="{FF2B5EF4-FFF2-40B4-BE49-F238E27FC236}">
-                <a16:creationId xmlns:a16="http://schemas.microsoft.com/office/drawing/2014/main" id="{B0CA895D-131B-4D60-8878-5CA813495233}"/>
-              </a:ext>
-            </a:extLst>
-          </p:cNvPr>
-          <p:cNvPicPr>
-            <a:picLocks noChangeAspect="1"/>
-          </p:cNvPicPr>
-          <p:nvPr/>
-        </p:nvPicPr>
-        <p:blipFill>
-          <a:blip r:embed="rId6"/>
-          <a:stretch>
-            <a:fillRect/>
-          </a:stretch>
-        </p:blipFill>
-        <p:spPr>
-          <a:xfrm>
-            <a:off x="935724" y="4330785"/>
-            <a:ext cx="3241656" cy="627417"/>
-          </a:xfrm>
-          <a:prstGeom prst="rect">
-            <a:avLst/>
-          </a:prstGeom>
-        </p:spPr>
-      </p:pic>
+        </p:txBody>
+      </p:sp>
     </p:spTree>
     <p:extLst>
       <p:ext uri="{BB962C8B-B14F-4D97-AF65-F5344CB8AC3E}">

--- a/TermProject_20201149_SeongjeWoo.pptx
+++ b/TermProject_20201149_SeongjeWoo.pptx
@@ -9559,7 +9559,7 @@
         </p:nvSpPr>
         <p:spPr>
           <a:xfrm>
-            <a:off x="626225" y="1338349"/>
+            <a:off x="626225" y="1345321"/>
             <a:ext cx="10965775" cy="2118529"/>
           </a:xfrm>
           <a:prstGeom prst="rect">
@@ -9671,7 +9671,7 @@
         </p:blipFill>
         <p:spPr>
           <a:xfrm>
-            <a:off x="7845053" y="4329329"/>
+            <a:off x="7363843" y="4513253"/>
             <a:ext cx="2849330" cy="846789"/>
           </a:xfrm>
           <a:prstGeom prst="rect">
@@ -9704,7 +9704,7 @@
         </p:blipFill>
         <p:spPr>
           <a:xfrm>
-            <a:off x="823846" y="3604423"/>
+            <a:off x="777797" y="3758667"/>
             <a:ext cx="5858582" cy="2708807"/>
           </a:xfrm>
           <a:prstGeom prst="rect">
@@ -9726,7 +9726,7 @@
         </p:nvSpPr>
         <p:spPr>
           <a:xfrm>
-            <a:off x="7209070" y="4535122"/>
+            <a:off x="6727860" y="4719046"/>
             <a:ext cx="449030" cy="423705"/>
           </a:xfrm>
           <a:prstGeom prst="rightArrow">
@@ -9758,6 +9758,36 @@
           </a:p>
         </p:txBody>
       </p:sp>
+      <p:pic>
+        <p:nvPicPr>
+          <p:cNvPr id="4" name="그림 3">
+            <a:extLst>
+              <a:ext uri="{FF2B5EF4-FFF2-40B4-BE49-F238E27FC236}">
+                <a16:creationId xmlns:a16="http://schemas.microsoft.com/office/drawing/2014/main" id="{4AF6753A-C699-4722-B801-936B2CBC40D4}"/>
+              </a:ext>
+            </a:extLst>
+          </p:cNvPr>
+          <p:cNvPicPr>
+            <a:picLocks noChangeAspect="1"/>
+          </p:cNvPicPr>
+          <p:nvPr/>
+        </p:nvPicPr>
+        <p:blipFill>
+          <a:blip r:embed="rId5"/>
+          <a:stretch>
+            <a:fillRect/>
+          </a:stretch>
+        </p:blipFill>
+        <p:spPr>
+          <a:xfrm>
+            <a:off x="6274221" y="1314696"/>
+            <a:ext cx="5093933" cy="2427950"/>
+          </a:xfrm>
+          <a:prstGeom prst="rect">
+            <a:avLst/>
+          </a:prstGeom>
+        </p:spPr>
+      </p:pic>
     </p:spTree>
     <p:extLst>
       <p:ext uri="{BB962C8B-B14F-4D97-AF65-F5344CB8AC3E}">
@@ -9967,15 +9997,7 @@
             </a:pPr>
             <a:r>
               <a:rPr lang="en-US" altLang="ko-KR" b="1" dirty="0"/>
-              <a:t>Define</a:t>
-            </a:r>
-            <a:r>
-              <a:rPr lang="ko-KR" altLang="en-US" b="1" dirty="0"/>
-              <a:t> </a:t>
-            </a:r>
-            <a:r>
-              <a:rPr lang="en-US" altLang="ko-KR" b="1" dirty="0"/>
-              <a:t>whole model structure</a:t>
+              <a:t>Implement each networks structure</a:t>
             </a:r>
           </a:p>
           <a:p>
@@ -9988,7 +10010,15 @@
             </a:pPr>
             <a:r>
               <a:rPr lang="en-US" altLang="ko-KR" b="1" dirty="0"/>
-              <a:t>Implement each networks</a:t>
+              <a:t>Define</a:t>
+            </a:r>
+            <a:r>
+              <a:rPr lang="ko-KR" altLang="en-US" b="1" dirty="0"/>
+              <a:t> </a:t>
+            </a:r>
+            <a:r>
+              <a:rPr lang="en-US" altLang="ko-KR" b="1" dirty="0"/>
+              <a:t>model</a:t>
             </a:r>
           </a:p>
           <a:p>
